--- a/introduccion.pptx
+++ b/introduccion.pptx
@@ -5,7 +5,7 @@
     <p:sldMasterId id="2147483660" r:id="rId1"/>
   </p:sldMasterIdLst>
   <p:notesMasterIdLst>
-    <p:notesMasterId r:id="rId7"/>
+    <p:notesMasterId r:id="rId9"/>
   </p:notesMasterIdLst>
   <p:sldIdLst>
     <p:sldId id="256" r:id="rId2"/>
@@ -13,23 +13,25 @@
     <p:sldId id="258" r:id="rId4"/>
     <p:sldId id="259" r:id="rId5"/>
     <p:sldId id="260" r:id="rId6"/>
+    <p:sldId id="261" r:id="rId7"/>
+    <p:sldId id="262" r:id="rId8"/>
   </p:sldIdLst>
   <p:sldSz cx="9144000" cy="5143500" type="screen16x9"/>
   <p:notesSz cx="6858000" cy="9144000"/>
   <p:embeddedFontLst>
     <p:embeddedFont>
       <p:font typeface="Rockwell" panose="02060603020205020403" pitchFamily="18" charset="0"/>
-      <p:regular r:id="rId8"/>
-      <p:bold r:id="rId9"/>
-      <p:italic r:id="rId10"/>
-      <p:boldItalic r:id="rId11"/>
+      <p:regular r:id="rId10"/>
+      <p:bold r:id="rId11"/>
+      <p:italic r:id="rId12"/>
+      <p:boldItalic r:id="rId13"/>
     </p:embeddedFont>
     <p:embeddedFont>
       <p:font typeface="Bookman Old Style" panose="02050604050505020204" pitchFamily="18" charset="0"/>
-      <p:regular r:id="rId12"/>
-      <p:bold r:id="rId13"/>
-      <p:italic r:id="rId14"/>
-      <p:boldItalic r:id="rId15"/>
+      <p:regular r:id="rId14"/>
+      <p:bold r:id="rId15"/>
+      <p:italic r:id="rId16"/>
+      <p:boldItalic r:id="rId17"/>
     </p:embeddedFont>
   </p:embeddedFontLst>
   <p:defaultTextStyle>
@@ -278,6 +280,4151 @@
     </p:ext>
   </p:extLst>
 </p:presentation>
+</file>
+
+<file path=ppt/diagrams/colors1.xml><?xml version="1.0" encoding="utf-8"?>
+<dgm:colorsDef xmlns:dgm="http://schemas.openxmlformats.org/drawingml/2006/diagram" xmlns:a="http://schemas.openxmlformats.org/drawingml/2006/main" uniqueId="urn:microsoft.com/office/officeart/2005/8/colors/accent1_2">
+  <dgm:title val=""/>
+  <dgm:desc val=""/>
+  <dgm:catLst>
+    <dgm:cat type="accent1" pri="11200"/>
+  </dgm:catLst>
+  <dgm:styleLbl name="node0">
+    <dgm:fillClrLst meth="repeat">
+      <a:schemeClr val="accent1"/>
+    </dgm:fillClrLst>
+    <dgm:linClrLst meth="repeat">
+      <a:schemeClr val="lt1"/>
+    </dgm:linClrLst>
+    <dgm:effectClrLst/>
+    <dgm:txLinClrLst/>
+    <dgm:txFillClrLst/>
+    <dgm:txEffectClrLst/>
+  </dgm:styleLbl>
+  <dgm:styleLbl name="alignNode1">
+    <dgm:fillClrLst meth="repeat">
+      <a:schemeClr val="accent1"/>
+    </dgm:fillClrLst>
+    <dgm:linClrLst meth="repeat">
+      <a:schemeClr val="accent1"/>
+    </dgm:linClrLst>
+    <dgm:effectClrLst/>
+    <dgm:txLinClrLst/>
+    <dgm:txFillClrLst/>
+    <dgm:txEffectClrLst/>
+  </dgm:styleLbl>
+  <dgm:styleLbl name="node1">
+    <dgm:fillClrLst meth="repeat">
+      <a:schemeClr val="accent1"/>
+    </dgm:fillClrLst>
+    <dgm:linClrLst meth="repeat">
+      <a:schemeClr val="lt1"/>
+    </dgm:linClrLst>
+    <dgm:effectClrLst/>
+    <dgm:txLinClrLst/>
+    <dgm:txFillClrLst/>
+    <dgm:txEffectClrLst/>
+  </dgm:styleLbl>
+  <dgm:styleLbl name="lnNode1">
+    <dgm:fillClrLst meth="repeat">
+      <a:schemeClr val="accent1"/>
+    </dgm:fillClrLst>
+    <dgm:linClrLst meth="repeat">
+      <a:schemeClr val="lt1"/>
+    </dgm:linClrLst>
+    <dgm:effectClrLst/>
+    <dgm:txLinClrLst/>
+    <dgm:txFillClrLst/>
+    <dgm:txEffectClrLst/>
+  </dgm:styleLbl>
+  <dgm:styleLbl name="vennNode1">
+    <dgm:fillClrLst meth="repeat">
+      <a:schemeClr val="accent1">
+        <a:alpha val="50000"/>
+      </a:schemeClr>
+    </dgm:fillClrLst>
+    <dgm:linClrLst meth="repeat">
+      <a:schemeClr val="lt1"/>
+    </dgm:linClrLst>
+    <dgm:effectClrLst/>
+    <dgm:txLinClrLst/>
+    <dgm:txFillClrLst/>
+    <dgm:txEffectClrLst/>
+  </dgm:styleLbl>
+  <dgm:styleLbl name="node2">
+    <dgm:fillClrLst meth="repeat">
+      <a:schemeClr val="accent1"/>
+    </dgm:fillClrLst>
+    <dgm:linClrLst meth="repeat">
+      <a:schemeClr val="lt1"/>
+    </dgm:linClrLst>
+    <dgm:effectClrLst/>
+    <dgm:txLinClrLst/>
+    <dgm:txFillClrLst/>
+    <dgm:txEffectClrLst/>
+  </dgm:styleLbl>
+  <dgm:styleLbl name="node3">
+    <dgm:fillClrLst meth="repeat">
+      <a:schemeClr val="accent1"/>
+    </dgm:fillClrLst>
+    <dgm:linClrLst meth="repeat">
+      <a:schemeClr val="lt1"/>
+    </dgm:linClrLst>
+    <dgm:effectClrLst/>
+    <dgm:txLinClrLst/>
+    <dgm:txFillClrLst/>
+    <dgm:txEffectClrLst/>
+  </dgm:styleLbl>
+  <dgm:styleLbl name="node4">
+    <dgm:fillClrLst meth="repeat">
+      <a:schemeClr val="accent1"/>
+    </dgm:fillClrLst>
+    <dgm:linClrLst meth="repeat">
+      <a:schemeClr val="lt1"/>
+    </dgm:linClrLst>
+    <dgm:effectClrLst/>
+    <dgm:txLinClrLst/>
+    <dgm:txFillClrLst/>
+    <dgm:txEffectClrLst/>
+  </dgm:styleLbl>
+  <dgm:styleLbl name="fgImgPlace1">
+    <dgm:fillClrLst meth="repeat">
+      <a:schemeClr val="accent1">
+        <a:tint val="50000"/>
+      </a:schemeClr>
+    </dgm:fillClrLst>
+    <dgm:linClrLst meth="repeat">
+      <a:schemeClr val="lt1"/>
+    </dgm:linClrLst>
+    <dgm:effectClrLst/>
+    <dgm:txLinClrLst/>
+    <dgm:txFillClrLst meth="repeat">
+      <a:schemeClr val="lt1"/>
+    </dgm:txFillClrLst>
+    <dgm:txEffectClrLst/>
+  </dgm:styleLbl>
+  <dgm:styleLbl name="alignImgPlace1">
+    <dgm:fillClrLst meth="repeat">
+      <a:schemeClr val="accent1">
+        <a:tint val="50000"/>
+      </a:schemeClr>
+    </dgm:fillClrLst>
+    <dgm:linClrLst meth="repeat">
+      <a:schemeClr val="lt1"/>
+    </dgm:linClrLst>
+    <dgm:effectClrLst/>
+    <dgm:txLinClrLst/>
+    <dgm:txFillClrLst meth="repeat">
+      <a:schemeClr val="lt1"/>
+    </dgm:txFillClrLst>
+    <dgm:txEffectClrLst/>
+  </dgm:styleLbl>
+  <dgm:styleLbl name="bgImgPlace1">
+    <dgm:fillClrLst meth="repeat">
+      <a:schemeClr val="accent1">
+        <a:tint val="50000"/>
+      </a:schemeClr>
+    </dgm:fillClrLst>
+    <dgm:linClrLst meth="repeat">
+      <a:schemeClr val="lt1"/>
+    </dgm:linClrLst>
+    <dgm:effectClrLst/>
+    <dgm:txLinClrLst/>
+    <dgm:txFillClrLst meth="repeat">
+      <a:schemeClr val="lt1"/>
+    </dgm:txFillClrLst>
+    <dgm:txEffectClrLst/>
+  </dgm:styleLbl>
+  <dgm:styleLbl name="sibTrans2D1">
+    <dgm:fillClrLst meth="repeat">
+      <a:schemeClr val="accent1">
+        <a:tint val="60000"/>
+      </a:schemeClr>
+    </dgm:fillClrLst>
+    <dgm:linClrLst meth="repeat">
+      <a:schemeClr val="accent1">
+        <a:tint val="60000"/>
+      </a:schemeClr>
+    </dgm:linClrLst>
+    <dgm:effectClrLst/>
+    <dgm:txLinClrLst/>
+    <dgm:txFillClrLst/>
+    <dgm:txEffectClrLst/>
+  </dgm:styleLbl>
+  <dgm:styleLbl name="fgSibTrans2D1">
+    <dgm:fillClrLst meth="repeat">
+      <a:schemeClr val="accent1">
+        <a:tint val="60000"/>
+      </a:schemeClr>
+    </dgm:fillClrLst>
+    <dgm:linClrLst meth="repeat">
+      <a:schemeClr val="accent1">
+        <a:tint val="60000"/>
+      </a:schemeClr>
+    </dgm:linClrLst>
+    <dgm:effectClrLst/>
+    <dgm:txLinClrLst/>
+    <dgm:txFillClrLst/>
+    <dgm:txEffectClrLst/>
+  </dgm:styleLbl>
+  <dgm:styleLbl name="bgSibTrans2D1">
+    <dgm:fillClrLst meth="repeat">
+      <a:schemeClr val="accent1">
+        <a:tint val="60000"/>
+      </a:schemeClr>
+    </dgm:fillClrLst>
+    <dgm:linClrLst meth="repeat">
+      <a:schemeClr val="accent1">
+        <a:tint val="60000"/>
+      </a:schemeClr>
+    </dgm:linClrLst>
+    <dgm:effectClrLst/>
+    <dgm:txLinClrLst/>
+    <dgm:txFillClrLst/>
+    <dgm:txEffectClrLst/>
+  </dgm:styleLbl>
+  <dgm:styleLbl name="sibTrans1D1">
+    <dgm:fillClrLst meth="repeat">
+      <a:schemeClr val="accent1"/>
+    </dgm:fillClrLst>
+    <dgm:linClrLst meth="repeat">
+      <a:schemeClr val="accent1"/>
+    </dgm:linClrLst>
+    <dgm:effectClrLst/>
+    <dgm:txLinClrLst/>
+    <dgm:txFillClrLst meth="repeat">
+      <a:schemeClr val="tx1"/>
+    </dgm:txFillClrLst>
+    <dgm:txEffectClrLst/>
+  </dgm:styleLbl>
+  <dgm:styleLbl name="callout">
+    <dgm:fillClrLst meth="repeat">
+      <a:schemeClr val="accent1"/>
+    </dgm:fillClrLst>
+    <dgm:linClrLst meth="repeat">
+      <a:schemeClr val="accent1">
+        <a:tint val="50000"/>
+      </a:schemeClr>
+    </dgm:linClrLst>
+    <dgm:effectClrLst/>
+    <dgm:txLinClrLst/>
+    <dgm:txFillClrLst meth="repeat">
+      <a:schemeClr val="tx1"/>
+    </dgm:txFillClrLst>
+    <dgm:txEffectClrLst/>
+  </dgm:styleLbl>
+  <dgm:styleLbl name="asst0">
+    <dgm:fillClrLst meth="repeat">
+      <a:schemeClr val="accent1"/>
+    </dgm:fillClrLst>
+    <dgm:linClrLst meth="repeat">
+      <a:schemeClr val="lt1"/>
+    </dgm:linClrLst>
+    <dgm:effectClrLst/>
+    <dgm:txLinClrLst/>
+    <dgm:txFillClrLst/>
+    <dgm:txEffectClrLst/>
+  </dgm:styleLbl>
+  <dgm:styleLbl name="asst1">
+    <dgm:fillClrLst meth="repeat">
+      <a:schemeClr val="accent1"/>
+    </dgm:fillClrLst>
+    <dgm:linClrLst meth="repeat">
+      <a:schemeClr val="lt1"/>
+    </dgm:linClrLst>
+    <dgm:effectClrLst/>
+    <dgm:txLinClrLst/>
+    <dgm:txFillClrLst/>
+    <dgm:txEffectClrLst/>
+  </dgm:styleLbl>
+  <dgm:styleLbl name="asst2">
+    <dgm:fillClrLst meth="repeat">
+      <a:schemeClr val="accent1"/>
+    </dgm:fillClrLst>
+    <dgm:linClrLst meth="repeat">
+      <a:schemeClr val="lt1"/>
+    </dgm:linClrLst>
+    <dgm:effectClrLst/>
+    <dgm:txLinClrLst/>
+    <dgm:txFillClrLst/>
+    <dgm:txEffectClrLst/>
+  </dgm:styleLbl>
+  <dgm:styleLbl name="asst3">
+    <dgm:fillClrLst meth="repeat">
+      <a:schemeClr val="accent1"/>
+    </dgm:fillClrLst>
+    <dgm:linClrLst meth="repeat">
+      <a:schemeClr val="lt1"/>
+    </dgm:linClrLst>
+    <dgm:effectClrLst/>
+    <dgm:txLinClrLst/>
+    <dgm:txFillClrLst/>
+    <dgm:txEffectClrLst/>
+  </dgm:styleLbl>
+  <dgm:styleLbl name="asst4">
+    <dgm:fillClrLst meth="repeat">
+      <a:schemeClr val="accent1"/>
+    </dgm:fillClrLst>
+    <dgm:linClrLst meth="repeat">
+      <a:schemeClr val="lt1"/>
+    </dgm:linClrLst>
+    <dgm:effectClrLst/>
+    <dgm:txLinClrLst/>
+    <dgm:txFillClrLst/>
+    <dgm:txEffectClrLst/>
+  </dgm:styleLbl>
+  <dgm:styleLbl name="parChTrans2D1">
+    <dgm:fillClrLst meth="repeat">
+      <a:schemeClr val="accent1">
+        <a:tint val="60000"/>
+      </a:schemeClr>
+    </dgm:fillClrLst>
+    <dgm:linClrLst meth="repeat">
+      <a:schemeClr val="accent1">
+        <a:tint val="60000"/>
+      </a:schemeClr>
+    </dgm:linClrLst>
+    <dgm:effectClrLst/>
+    <dgm:txLinClrLst/>
+    <dgm:txFillClrLst meth="repeat">
+      <a:schemeClr val="lt1"/>
+    </dgm:txFillClrLst>
+    <dgm:txEffectClrLst/>
+  </dgm:styleLbl>
+  <dgm:styleLbl name="parChTrans2D2">
+    <dgm:fillClrLst meth="repeat">
+      <a:schemeClr val="accent1"/>
+    </dgm:fillClrLst>
+    <dgm:linClrLst meth="repeat">
+      <a:schemeClr val="accent1"/>
+    </dgm:linClrLst>
+    <dgm:effectClrLst/>
+    <dgm:txLinClrLst/>
+    <dgm:txFillClrLst meth="repeat">
+      <a:schemeClr val="lt1"/>
+    </dgm:txFillClrLst>
+    <dgm:txEffectClrLst/>
+  </dgm:styleLbl>
+  <dgm:styleLbl name="parChTrans2D3">
+    <dgm:fillClrLst meth="repeat">
+      <a:schemeClr val="accent1"/>
+    </dgm:fillClrLst>
+    <dgm:linClrLst meth="repeat">
+      <a:schemeClr val="accent1"/>
+    </dgm:linClrLst>
+    <dgm:effectClrLst/>
+    <dgm:txLinClrLst/>
+    <dgm:txFillClrLst meth="repeat">
+      <a:schemeClr val="lt1"/>
+    </dgm:txFillClrLst>
+    <dgm:txEffectClrLst/>
+  </dgm:styleLbl>
+  <dgm:styleLbl name="parChTrans2D4">
+    <dgm:fillClrLst meth="repeat">
+      <a:schemeClr val="accent1"/>
+    </dgm:fillClrLst>
+    <dgm:linClrLst meth="repeat">
+      <a:schemeClr val="accent1"/>
+    </dgm:linClrLst>
+    <dgm:effectClrLst/>
+    <dgm:txLinClrLst/>
+    <dgm:txFillClrLst meth="repeat">
+      <a:schemeClr val="lt1"/>
+    </dgm:txFillClrLst>
+    <dgm:txEffectClrLst/>
+  </dgm:styleLbl>
+  <dgm:styleLbl name="parChTrans1D1">
+    <dgm:fillClrLst meth="repeat">
+      <a:schemeClr val="accent1"/>
+    </dgm:fillClrLst>
+    <dgm:linClrLst meth="repeat">
+      <a:schemeClr val="accent1">
+        <a:shade val="60000"/>
+      </a:schemeClr>
+    </dgm:linClrLst>
+    <dgm:effectClrLst/>
+    <dgm:txLinClrLst/>
+    <dgm:txFillClrLst meth="repeat">
+      <a:schemeClr val="tx1"/>
+    </dgm:txFillClrLst>
+    <dgm:txEffectClrLst/>
+  </dgm:styleLbl>
+  <dgm:styleLbl name="parChTrans1D2">
+    <dgm:fillClrLst meth="repeat">
+      <a:schemeClr val="accent1"/>
+    </dgm:fillClrLst>
+    <dgm:linClrLst meth="repeat">
+      <a:schemeClr val="accent1">
+        <a:shade val="60000"/>
+      </a:schemeClr>
+    </dgm:linClrLst>
+    <dgm:effectClrLst/>
+    <dgm:txLinClrLst/>
+    <dgm:txFillClrLst meth="repeat">
+      <a:schemeClr val="tx1"/>
+    </dgm:txFillClrLst>
+    <dgm:txEffectClrLst/>
+  </dgm:styleLbl>
+  <dgm:styleLbl name="parChTrans1D3">
+    <dgm:fillClrLst meth="repeat">
+      <a:schemeClr val="accent1"/>
+    </dgm:fillClrLst>
+    <dgm:linClrLst meth="repeat">
+      <a:schemeClr val="accent1">
+        <a:shade val="80000"/>
+      </a:schemeClr>
+    </dgm:linClrLst>
+    <dgm:effectClrLst/>
+    <dgm:txLinClrLst/>
+    <dgm:txFillClrLst meth="repeat">
+      <a:schemeClr val="tx1"/>
+    </dgm:txFillClrLst>
+    <dgm:txEffectClrLst/>
+  </dgm:styleLbl>
+  <dgm:styleLbl name="parChTrans1D4">
+    <dgm:fillClrLst meth="repeat">
+      <a:schemeClr val="accent1"/>
+    </dgm:fillClrLst>
+    <dgm:linClrLst meth="repeat">
+      <a:schemeClr val="accent1">
+        <a:shade val="80000"/>
+      </a:schemeClr>
+    </dgm:linClrLst>
+    <dgm:effectClrLst/>
+    <dgm:txLinClrLst/>
+    <dgm:txFillClrLst meth="repeat">
+      <a:schemeClr val="tx1"/>
+    </dgm:txFillClrLst>
+    <dgm:txEffectClrLst/>
+  </dgm:styleLbl>
+  <dgm:styleLbl name="fgAcc1">
+    <dgm:fillClrLst meth="repeat">
+      <a:schemeClr val="lt1">
+        <a:alpha val="90000"/>
+      </a:schemeClr>
+    </dgm:fillClrLst>
+    <dgm:linClrLst meth="repeat">
+      <a:schemeClr val="accent1"/>
+    </dgm:linClrLst>
+    <dgm:effectClrLst/>
+    <dgm:txLinClrLst/>
+    <dgm:txFillClrLst meth="repeat">
+      <a:schemeClr val="dk1"/>
+    </dgm:txFillClrLst>
+    <dgm:txEffectClrLst/>
+  </dgm:styleLbl>
+  <dgm:styleLbl name="conFgAcc1">
+    <dgm:fillClrLst meth="repeat">
+      <a:schemeClr val="lt1">
+        <a:alpha val="90000"/>
+      </a:schemeClr>
+    </dgm:fillClrLst>
+    <dgm:linClrLst meth="repeat">
+      <a:schemeClr val="accent1"/>
+    </dgm:linClrLst>
+    <dgm:effectClrLst/>
+    <dgm:txLinClrLst/>
+    <dgm:txFillClrLst meth="repeat">
+      <a:schemeClr val="dk1"/>
+    </dgm:txFillClrLst>
+    <dgm:txEffectClrLst/>
+  </dgm:styleLbl>
+  <dgm:styleLbl name="alignAcc1">
+    <dgm:fillClrLst meth="repeat">
+      <a:schemeClr val="lt1">
+        <a:alpha val="90000"/>
+      </a:schemeClr>
+    </dgm:fillClrLst>
+    <dgm:linClrLst meth="repeat">
+      <a:schemeClr val="accent1"/>
+    </dgm:linClrLst>
+    <dgm:effectClrLst/>
+    <dgm:txLinClrLst/>
+    <dgm:txFillClrLst meth="repeat">
+      <a:schemeClr val="dk1"/>
+    </dgm:txFillClrLst>
+    <dgm:txEffectClrLst/>
+  </dgm:styleLbl>
+  <dgm:styleLbl name="trAlignAcc1">
+    <dgm:fillClrLst meth="repeat">
+      <a:schemeClr val="lt1">
+        <a:alpha val="40000"/>
+      </a:schemeClr>
+    </dgm:fillClrLst>
+    <dgm:linClrLst meth="repeat">
+      <a:schemeClr val="accent1"/>
+    </dgm:linClrLst>
+    <dgm:effectClrLst/>
+    <dgm:txLinClrLst/>
+    <dgm:txFillClrLst meth="repeat">
+      <a:schemeClr val="dk1"/>
+    </dgm:txFillClrLst>
+    <dgm:txEffectClrLst/>
+  </dgm:styleLbl>
+  <dgm:styleLbl name="bgAcc1">
+    <dgm:fillClrLst meth="repeat">
+      <a:schemeClr val="lt1">
+        <a:alpha val="90000"/>
+      </a:schemeClr>
+    </dgm:fillClrLst>
+    <dgm:linClrLst meth="repeat">
+      <a:schemeClr val="accent1"/>
+    </dgm:linClrLst>
+    <dgm:effectClrLst/>
+    <dgm:txLinClrLst/>
+    <dgm:txFillClrLst meth="repeat">
+      <a:schemeClr val="dk1"/>
+    </dgm:txFillClrLst>
+    <dgm:txEffectClrLst/>
+  </dgm:styleLbl>
+  <dgm:styleLbl name="solidFgAcc1">
+    <dgm:fillClrLst meth="repeat">
+      <a:schemeClr val="lt1"/>
+    </dgm:fillClrLst>
+    <dgm:linClrLst meth="repeat">
+      <a:schemeClr val="accent1"/>
+    </dgm:linClrLst>
+    <dgm:effectClrLst/>
+    <dgm:txLinClrLst/>
+    <dgm:txFillClrLst meth="repeat">
+      <a:schemeClr val="dk1"/>
+    </dgm:txFillClrLst>
+    <dgm:txEffectClrLst/>
+  </dgm:styleLbl>
+  <dgm:styleLbl name="solidAlignAcc1">
+    <dgm:fillClrLst meth="repeat">
+      <a:schemeClr val="lt1"/>
+    </dgm:fillClrLst>
+    <dgm:linClrLst meth="repeat">
+      <a:schemeClr val="accent1"/>
+    </dgm:linClrLst>
+    <dgm:effectClrLst/>
+    <dgm:txLinClrLst/>
+    <dgm:txFillClrLst meth="repeat">
+      <a:schemeClr val="dk1"/>
+    </dgm:txFillClrLst>
+    <dgm:txEffectClrLst/>
+  </dgm:styleLbl>
+  <dgm:styleLbl name="solidBgAcc1">
+    <dgm:fillClrLst meth="repeat">
+      <a:schemeClr val="lt1"/>
+    </dgm:fillClrLst>
+    <dgm:linClrLst meth="repeat">
+      <a:schemeClr val="accent1"/>
+    </dgm:linClrLst>
+    <dgm:effectClrLst/>
+    <dgm:txLinClrLst/>
+    <dgm:txFillClrLst meth="repeat">
+      <a:schemeClr val="dk1"/>
+    </dgm:txFillClrLst>
+    <dgm:txEffectClrLst/>
+  </dgm:styleLbl>
+  <dgm:styleLbl name="fgAccFollowNode1">
+    <dgm:fillClrLst meth="repeat">
+      <a:schemeClr val="accent1">
+        <a:alpha val="90000"/>
+        <a:tint val="40000"/>
+      </a:schemeClr>
+    </dgm:fillClrLst>
+    <dgm:linClrLst meth="repeat">
+      <a:schemeClr val="accent1">
+        <a:alpha val="90000"/>
+        <a:tint val="40000"/>
+      </a:schemeClr>
+    </dgm:linClrLst>
+    <dgm:effectClrLst/>
+    <dgm:txLinClrLst/>
+    <dgm:txFillClrLst meth="repeat">
+      <a:schemeClr val="dk1"/>
+    </dgm:txFillClrLst>
+    <dgm:txEffectClrLst/>
+  </dgm:styleLbl>
+  <dgm:styleLbl name="alignAccFollowNode1">
+    <dgm:fillClrLst meth="repeat">
+      <a:schemeClr val="accent1">
+        <a:alpha val="90000"/>
+        <a:tint val="40000"/>
+      </a:schemeClr>
+    </dgm:fillClrLst>
+    <dgm:linClrLst meth="repeat">
+      <a:schemeClr val="accent1">
+        <a:alpha val="90000"/>
+        <a:tint val="40000"/>
+      </a:schemeClr>
+    </dgm:linClrLst>
+    <dgm:effectClrLst/>
+    <dgm:txLinClrLst/>
+    <dgm:txFillClrLst meth="repeat">
+      <a:schemeClr val="dk1"/>
+    </dgm:txFillClrLst>
+    <dgm:txEffectClrLst/>
+  </dgm:styleLbl>
+  <dgm:styleLbl name="bgAccFollowNode1">
+    <dgm:fillClrLst meth="repeat">
+      <a:schemeClr val="accent1">
+        <a:alpha val="90000"/>
+        <a:tint val="40000"/>
+      </a:schemeClr>
+    </dgm:fillClrLst>
+    <dgm:linClrLst meth="repeat">
+      <a:schemeClr val="accent1">
+        <a:alpha val="90000"/>
+        <a:tint val="40000"/>
+      </a:schemeClr>
+    </dgm:linClrLst>
+    <dgm:effectClrLst/>
+    <dgm:txLinClrLst/>
+    <dgm:txFillClrLst meth="repeat">
+      <a:schemeClr val="dk1"/>
+    </dgm:txFillClrLst>
+    <dgm:txEffectClrLst/>
+  </dgm:styleLbl>
+  <dgm:styleLbl name="fgAcc0">
+    <dgm:fillClrLst meth="repeat">
+      <a:schemeClr val="lt1">
+        <a:alpha val="90000"/>
+      </a:schemeClr>
+    </dgm:fillClrLst>
+    <dgm:linClrLst meth="repeat">
+      <a:schemeClr val="accent1"/>
+    </dgm:linClrLst>
+    <dgm:effectClrLst/>
+    <dgm:txLinClrLst/>
+    <dgm:txFillClrLst meth="repeat">
+      <a:schemeClr val="dk1"/>
+    </dgm:txFillClrLst>
+    <dgm:txEffectClrLst/>
+  </dgm:styleLbl>
+  <dgm:styleLbl name="fgAcc2">
+    <dgm:fillClrLst meth="repeat">
+      <a:schemeClr val="lt1">
+        <a:alpha val="90000"/>
+      </a:schemeClr>
+    </dgm:fillClrLst>
+    <dgm:linClrLst meth="repeat">
+      <a:schemeClr val="accent1"/>
+    </dgm:linClrLst>
+    <dgm:effectClrLst/>
+    <dgm:txLinClrLst/>
+    <dgm:txFillClrLst meth="repeat">
+      <a:schemeClr val="dk1"/>
+    </dgm:txFillClrLst>
+    <dgm:txEffectClrLst/>
+  </dgm:styleLbl>
+  <dgm:styleLbl name="fgAcc3">
+    <dgm:fillClrLst meth="repeat">
+      <a:schemeClr val="lt1">
+        <a:alpha val="90000"/>
+      </a:schemeClr>
+    </dgm:fillClrLst>
+    <dgm:linClrLst meth="repeat">
+      <a:schemeClr val="accent1"/>
+    </dgm:linClrLst>
+    <dgm:effectClrLst/>
+    <dgm:txLinClrLst/>
+    <dgm:txFillClrLst meth="repeat">
+      <a:schemeClr val="dk1"/>
+    </dgm:txFillClrLst>
+    <dgm:txEffectClrLst/>
+  </dgm:styleLbl>
+  <dgm:styleLbl name="fgAcc4">
+    <dgm:fillClrLst meth="repeat">
+      <a:schemeClr val="lt1">
+        <a:alpha val="90000"/>
+      </a:schemeClr>
+    </dgm:fillClrLst>
+    <dgm:linClrLst meth="repeat">
+      <a:schemeClr val="accent1"/>
+    </dgm:linClrLst>
+    <dgm:effectClrLst/>
+    <dgm:txLinClrLst/>
+    <dgm:txFillClrLst meth="repeat">
+      <a:schemeClr val="dk1"/>
+    </dgm:txFillClrLst>
+    <dgm:txEffectClrLst/>
+  </dgm:styleLbl>
+  <dgm:styleLbl name="bgShp">
+    <dgm:fillClrLst meth="repeat">
+      <a:schemeClr val="accent1">
+        <a:tint val="40000"/>
+      </a:schemeClr>
+    </dgm:fillClrLst>
+    <dgm:linClrLst meth="repeat">
+      <a:schemeClr val="accent1"/>
+    </dgm:linClrLst>
+    <dgm:effectClrLst/>
+    <dgm:txLinClrLst/>
+    <dgm:txFillClrLst meth="repeat">
+      <a:schemeClr val="dk1"/>
+    </dgm:txFillClrLst>
+    <dgm:txEffectClrLst/>
+  </dgm:styleLbl>
+  <dgm:styleLbl name="dkBgShp">
+    <dgm:fillClrLst meth="repeat">
+      <a:schemeClr val="accent1">
+        <a:shade val="80000"/>
+      </a:schemeClr>
+    </dgm:fillClrLst>
+    <dgm:linClrLst meth="repeat">
+      <a:schemeClr val="accent1"/>
+    </dgm:linClrLst>
+    <dgm:effectClrLst/>
+    <dgm:txLinClrLst/>
+    <dgm:txFillClrLst meth="repeat">
+      <a:schemeClr val="lt1"/>
+    </dgm:txFillClrLst>
+    <dgm:txEffectClrLst/>
+  </dgm:styleLbl>
+  <dgm:styleLbl name="trBgShp">
+    <dgm:fillClrLst meth="repeat">
+      <a:schemeClr val="accent1">
+        <a:tint val="50000"/>
+        <a:alpha val="40000"/>
+      </a:schemeClr>
+    </dgm:fillClrLst>
+    <dgm:linClrLst meth="repeat">
+      <a:schemeClr val="accent1"/>
+    </dgm:linClrLst>
+    <dgm:effectClrLst/>
+    <dgm:txLinClrLst/>
+    <dgm:txFillClrLst meth="repeat">
+      <a:schemeClr val="lt1"/>
+    </dgm:txFillClrLst>
+    <dgm:txEffectClrLst/>
+  </dgm:styleLbl>
+  <dgm:styleLbl name="fgShp">
+    <dgm:fillClrLst meth="repeat">
+      <a:schemeClr val="accent1">
+        <a:tint val="60000"/>
+      </a:schemeClr>
+    </dgm:fillClrLst>
+    <dgm:linClrLst meth="repeat">
+      <a:schemeClr val="lt1"/>
+    </dgm:linClrLst>
+    <dgm:effectClrLst/>
+    <dgm:txLinClrLst/>
+    <dgm:txFillClrLst meth="repeat">
+      <a:schemeClr val="dk1"/>
+    </dgm:txFillClrLst>
+    <dgm:txEffectClrLst/>
+  </dgm:styleLbl>
+  <dgm:styleLbl name="revTx">
+    <dgm:fillClrLst meth="repeat">
+      <a:schemeClr val="lt1">
+        <a:alpha val="0"/>
+      </a:schemeClr>
+    </dgm:fillClrLst>
+    <dgm:linClrLst meth="repeat">
+      <a:schemeClr val="dk1">
+        <a:alpha val="0"/>
+      </a:schemeClr>
+    </dgm:linClrLst>
+    <dgm:effectClrLst/>
+    <dgm:txLinClrLst/>
+    <dgm:txFillClrLst meth="repeat">
+      <a:schemeClr val="tx1"/>
+    </dgm:txFillClrLst>
+    <dgm:txEffectClrLst/>
+  </dgm:styleLbl>
+</dgm:colorsDef>
+</file>
+
+<file path=ppt/diagrams/data1.xml><?xml version="1.0" encoding="utf-8"?>
+<dgm:dataModel xmlns:dgm="http://schemas.openxmlformats.org/drawingml/2006/diagram" xmlns:a="http://schemas.openxmlformats.org/drawingml/2006/main">
+  <dgm:ptLst>
+    <dgm:pt modelId="{242A66F2-8CFD-43B0-A348-C3AFB093CB6C}" type="doc">
+      <dgm:prSet loTypeId="urn:microsoft.com/office/officeart/2005/8/layout/hierarchy6" loCatId="hierarchy" qsTypeId="urn:microsoft.com/office/officeart/2005/8/quickstyle/simple1" qsCatId="simple" csTypeId="urn:microsoft.com/office/officeart/2005/8/colors/accent1_2" csCatId="accent1" phldr="1"/>
+      <dgm:spPr/>
+      <dgm:t>
+        <a:bodyPr/>
+        <a:lstStyle/>
+        <a:p>
+          <a:endParaRPr lang="es-ES"/>
+        </a:p>
+      </dgm:t>
+    </dgm:pt>
+    <dgm:pt modelId="{399287D2-9324-4855-BC0A-EE107DE5C02B}">
+      <dgm:prSet phldrT="[Texto]"/>
+      <dgm:spPr/>
+      <dgm:t>
+        <a:bodyPr/>
+        <a:lstStyle/>
+        <a:p>
+          <a:r>
+            <a:rPr lang="es-ES" dirty="0" smtClean="0"/>
+            <a:t>Nombre</a:t>
+          </a:r>
+          <a:endParaRPr lang="es-ES" dirty="0"/>
+        </a:p>
+      </dgm:t>
+    </dgm:pt>
+    <dgm:pt modelId="{93FB6855-3E21-4143-A718-96556DCE096B}" type="parTrans" cxnId="{A60D05E1-066B-4E76-91CC-24769C4FFDF8}">
+      <dgm:prSet/>
+      <dgm:spPr/>
+      <dgm:t>
+        <a:bodyPr/>
+        <a:lstStyle/>
+        <a:p>
+          <a:endParaRPr lang="es-ES"/>
+        </a:p>
+      </dgm:t>
+    </dgm:pt>
+    <dgm:pt modelId="{7D692EC2-567A-4C9B-800C-D3CE89D3619D}" type="sibTrans" cxnId="{A60D05E1-066B-4E76-91CC-24769C4FFDF8}">
+      <dgm:prSet/>
+      <dgm:spPr/>
+      <dgm:t>
+        <a:bodyPr/>
+        <a:lstStyle/>
+        <a:p>
+          <a:endParaRPr lang="es-ES"/>
+        </a:p>
+      </dgm:t>
+    </dgm:pt>
+    <dgm:pt modelId="{89D03CF1-D1BC-401A-A749-1821F47B5A55}">
+      <dgm:prSet phldrT="[Texto]"/>
+      <dgm:spPr/>
+      <dgm:t>
+        <a:bodyPr/>
+        <a:lstStyle/>
+        <a:p>
+          <a:r>
+            <a:rPr lang="es-ES" dirty="0" smtClean="0"/>
+            <a:t>Proyecto 1</a:t>
+          </a:r>
+          <a:endParaRPr lang="es-ES" dirty="0"/>
+        </a:p>
+      </dgm:t>
+    </dgm:pt>
+    <dgm:pt modelId="{23B8421C-762E-489B-9332-0B57D97782A1}" type="parTrans" cxnId="{DC4C7E9B-2C1C-4208-A094-8263296182D0}">
+      <dgm:prSet/>
+      <dgm:spPr/>
+      <dgm:t>
+        <a:bodyPr/>
+        <a:lstStyle/>
+        <a:p>
+          <a:endParaRPr lang="es-ES"/>
+        </a:p>
+      </dgm:t>
+    </dgm:pt>
+    <dgm:pt modelId="{3410DEB5-474D-4EAF-8C09-07571FAFE2BB}" type="sibTrans" cxnId="{DC4C7E9B-2C1C-4208-A094-8263296182D0}">
+      <dgm:prSet/>
+      <dgm:spPr/>
+      <dgm:t>
+        <a:bodyPr/>
+        <a:lstStyle/>
+        <a:p>
+          <a:endParaRPr lang="es-ES"/>
+        </a:p>
+      </dgm:t>
+    </dgm:pt>
+    <dgm:pt modelId="{EA4957E1-2203-41F4-8527-91F161FB61AB}">
+      <dgm:prSet phldrT="[Texto]"/>
+      <dgm:spPr/>
+      <dgm:t>
+        <a:bodyPr/>
+        <a:lstStyle/>
+        <a:p>
+          <a:r>
+            <a:rPr lang="es-ES" dirty="0" smtClean="0"/>
+            <a:t>README.txt</a:t>
+          </a:r>
+          <a:endParaRPr lang="es-ES" dirty="0"/>
+        </a:p>
+      </dgm:t>
+    </dgm:pt>
+    <dgm:pt modelId="{A08AF538-9DC0-477A-97E0-427A2FCBD772}" type="parTrans" cxnId="{8F3EC83F-464B-41B4-8A85-895CB94C0EF0}">
+      <dgm:prSet/>
+      <dgm:spPr/>
+      <dgm:t>
+        <a:bodyPr/>
+        <a:lstStyle/>
+        <a:p>
+          <a:endParaRPr lang="es-ES"/>
+        </a:p>
+      </dgm:t>
+    </dgm:pt>
+    <dgm:pt modelId="{A6BCFA5C-8F53-438E-B222-FDF092961C5F}" type="sibTrans" cxnId="{8F3EC83F-464B-41B4-8A85-895CB94C0EF0}">
+      <dgm:prSet/>
+      <dgm:spPr/>
+      <dgm:t>
+        <a:bodyPr/>
+        <a:lstStyle/>
+        <a:p>
+          <a:endParaRPr lang="es-ES"/>
+        </a:p>
+      </dgm:t>
+    </dgm:pt>
+    <dgm:pt modelId="{7D2740CB-8955-4F2B-A74E-5C3D534E1661}">
+      <dgm:prSet phldrT="[Texto]"/>
+      <dgm:spPr/>
+      <dgm:t>
+        <a:bodyPr/>
+        <a:lstStyle/>
+        <a:p>
+          <a:r>
+            <a:rPr lang="es-ES" dirty="0" smtClean="0"/>
+            <a:t>SRC</a:t>
+          </a:r>
+          <a:endParaRPr lang="es-ES" dirty="0"/>
+        </a:p>
+      </dgm:t>
+    </dgm:pt>
+    <dgm:pt modelId="{182D2F3E-D978-48EC-B5F7-FBE10F45FF5F}" type="parTrans" cxnId="{E18C06F4-CD54-4D22-8CB7-782F46D3B804}">
+      <dgm:prSet/>
+      <dgm:spPr/>
+      <dgm:t>
+        <a:bodyPr/>
+        <a:lstStyle/>
+        <a:p>
+          <a:endParaRPr lang="es-ES"/>
+        </a:p>
+      </dgm:t>
+    </dgm:pt>
+    <dgm:pt modelId="{BD4D9235-EB10-44E7-8964-AEBDE9087697}" type="sibTrans" cxnId="{E18C06F4-CD54-4D22-8CB7-782F46D3B804}">
+      <dgm:prSet/>
+      <dgm:spPr/>
+      <dgm:t>
+        <a:bodyPr/>
+        <a:lstStyle/>
+        <a:p>
+          <a:endParaRPr lang="es-ES"/>
+        </a:p>
+      </dgm:t>
+    </dgm:pt>
+    <dgm:pt modelId="{3321EB6A-04D3-426B-9D26-3193521B91A8}">
+      <dgm:prSet phldrT="[Texto]"/>
+      <dgm:spPr/>
+      <dgm:t>
+        <a:bodyPr/>
+        <a:lstStyle/>
+        <a:p>
+          <a:r>
+            <a:rPr lang="es-ES" dirty="0" smtClean="0"/>
+            <a:t>Proyecto 2</a:t>
+          </a:r>
+          <a:endParaRPr lang="es-ES" dirty="0"/>
+        </a:p>
+      </dgm:t>
+    </dgm:pt>
+    <dgm:pt modelId="{FFDFBB64-5D75-4F3A-AB68-37A821B16910}" type="parTrans" cxnId="{2A641921-4BE1-4C66-834E-47068B468CB7}">
+      <dgm:prSet/>
+      <dgm:spPr/>
+      <dgm:t>
+        <a:bodyPr/>
+        <a:lstStyle/>
+        <a:p>
+          <a:endParaRPr lang="es-ES"/>
+        </a:p>
+      </dgm:t>
+    </dgm:pt>
+    <dgm:pt modelId="{76480BA7-F23B-4A7D-B990-A81FF0C52A3F}" type="sibTrans" cxnId="{2A641921-4BE1-4C66-834E-47068B468CB7}">
+      <dgm:prSet/>
+      <dgm:spPr/>
+      <dgm:t>
+        <a:bodyPr/>
+        <a:lstStyle/>
+        <a:p>
+          <a:endParaRPr lang="es-ES"/>
+        </a:p>
+      </dgm:t>
+    </dgm:pt>
+    <dgm:pt modelId="{41BF6771-2BED-4CBB-95E5-5B2CE3CAAFF3}">
+      <dgm:prSet phldrT="[Texto]"/>
+      <dgm:spPr/>
+      <dgm:t>
+        <a:bodyPr/>
+        <a:lstStyle/>
+        <a:p>
+          <a:r>
+            <a:rPr lang="es-ES" dirty="0" smtClean="0"/>
+            <a:t>README.txt</a:t>
+          </a:r>
+          <a:endParaRPr lang="es-ES" dirty="0"/>
+        </a:p>
+      </dgm:t>
+    </dgm:pt>
+    <dgm:pt modelId="{E1FBA7A5-874D-4706-AF99-194FC61807A3}" type="parTrans" cxnId="{2AFEBC83-119A-410C-83A3-502FC7B8C8BE}">
+      <dgm:prSet/>
+      <dgm:spPr/>
+      <dgm:t>
+        <a:bodyPr/>
+        <a:lstStyle/>
+        <a:p>
+          <a:endParaRPr lang="es-ES"/>
+        </a:p>
+      </dgm:t>
+    </dgm:pt>
+    <dgm:pt modelId="{C5C1B819-34E9-4841-8CE8-8B1BA7A81BB9}" type="sibTrans" cxnId="{2AFEBC83-119A-410C-83A3-502FC7B8C8BE}">
+      <dgm:prSet/>
+      <dgm:spPr/>
+      <dgm:t>
+        <a:bodyPr/>
+        <a:lstStyle/>
+        <a:p>
+          <a:endParaRPr lang="es-ES"/>
+        </a:p>
+      </dgm:t>
+    </dgm:pt>
+    <dgm:pt modelId="{7650684E-19D9-4FED-A944-A98CDDB9B945}">
+      <dgm:prSet phldrT="[Texto]"/>
+      <dgm:spPr/>
+      <dgm:t>
+        <a:bodyPr/>
+        <a:lstStyle/>
+        <a:p>
+          <a:r>
+            <a:rPr lang="es-ES" dirty="0" smtClean="0"/>
+            <a:t>MisDatos.txt</a:t>
+          </a:r>
+          <a:endParaRPr lang="es-ES" dirty="0"/>
+        </a:p>
+      </dgm:t>
+    </dgm:pt>
+    <dgm:pt modelId="{5EFD99CF-228F-46AA-8542-3A5304F34700}" type="parTrans" cxnId="{3DF511F1-00BE-4307-9489-38563DC73EA4}">
+      <dgm:prSet/>
+      <dgm:spPr/>
+      <dgm:t>
+        <a:bodyPr/>
+        <a:lstStyle/>
+        <a:p>
+          <a:endParaRPr lang="es-ES"/>
+        </a:p>
+      </dgm:t>
+    </dgm:pt>
+    <dgm:pt modelId="{ED77A561-3A93-43A6-ABD3-12DED33E4559}" type="sibTrans" cxnId="{3DF511F1-00BE-4307-9489-38563DC73EA4}">
+      <dgm:prSet/>
+      <dgm:spPr/>
+      <dgm:t>
+        <a:bodyPr/>
+        <a:lstStyle/>
+        <a:p>
+          <a:endParaRPr lang="es-ES"/>
+        </a:p>
+      </dgm:t>
+    </dgm:pt>
+    <dgm:pt modelId="{06979D2A-9FD4-4BE6-AEBE-B0BF366A107A}">
+      <dgm:prSet phldrT="[Texto]"/>
+      <dgm:spPr/>
+      <dgm:t>
+        <a:bodyPr/>
+        <a:lstStyle/>
+        <a:p>
+          <a:r>
+            <a:rPr lang="es-ES" dirty="0" smtClean="0"/>
+            <a:t>Programa.py</a:t>
+          </a:r>
+          <a:endParaRPr lang="es-ES" dirty="0"/>
+        </a:p>
+      </dgm:t>
+    </dgm:pt>
+    <dgm:pt modelId="{C9B3E5B6-21B1-4913-B755-FC7863323A74}" type="parTrans" cxnId="{2FE356B0-4CB1-427A-A7FC-345F8B66545E}">
+      <dgm:prSet/>
+      <dgm:spPr/>
+      <dgm:t>
+        <a:bodyPr/>
+        <a:lstStyle/>
+        <a:p>
+          <a:endParaRPr lang="es-ES"/>
+        </a:p>
+      </dgm:t>
+    </dgm:pt>
+    <dgm:pt modelId="{FD10C26C-D0DE-4811-A384-E635371B5FF9}" type="sibTrans" cxnId="{2FE356B0-4CB1-427A-A7FC-345F8B66545E}">
+      <dgm:prSet/>
+      <dgm:spPr/>
+      <dgm:t>
+        <a:bodyPr/>
+        <a:lstStyle/>
+        <a:p>
+          <a:endParaRPr lang="es-ES"/>
+        </a:p>
+      </dgm:t>
+    </dgm:pt>
+    <dgm:pt modelId="{E5C0E2B1-A7CE-4FF6-B609-6459865F7EEA}">
+      <dgm:prSet phldrT="[Texto]"/>
+      <dgm:spPr/>
+      <dgm:t>
+        <a:bodyPr/>
+        <a:lstStyle/>
+        <a:p>
+          <a:r>
+            <a:rPr lang="es-ES" dirty="0" err="1" smtClean="0"/>
+            <a:t>lib</a:t>
+          </a:r>
+          <a:endParaRPr lang="es-ES" dirty="0"/>
+        </a:p>
+      </dgm:t>
+    </dgm:pt>
+    <dgm:pt modelId="{62EB841B-D2E8-4CC2-891B-6DCA31AFC31A}" type="parTrans" cxnId="{3007242A-A06E-47FA-88AC-5EAC5FAFAF7D}">
+      <dgm:prSet/>
+      <dgm:spPr/>
+      <dgm:t>
+        <a:bodyPr/>
+        <a:lstStyle/>
+        <a:p>
+          <a:endParaRPr lang="es-ES"/>
+        </a:p>
+      </dgm:t>
+    </dgm:pt>
+    <dgm:pt modelId="{1BF74A51-CFF6-44FA-8001-69B39419687F}" type="sibTrans" cxnId="{3007242A-A06E-47FA-88AC-5EAC5FAFAF7D}">
+      <dgm:prSet/>
+      <dgm:spPr/>
+      <dgm:t>
+        <a:bodyPr/>
+        <a:lstStyle/>
+        <a:p>
+          <a:endParaRPr lang="es-ES"/>
+        </a:p>
+      </dgm:t>
+    </dgm:pt>
+    <dgm:pt modelId="{B0FAC8D9-0ADE-45E8-B4B3-F7A7DA8217B0}" type="pres">
+      <dgm:prSet presAssocID="{242A66F2-8CFD-43B0-A348-C3AFB093CB6C}" presName="mainComposite" presStyleCnt="0">
+        <dgm:presLayoutVars>
+          <dgm:chPref val="1"/>
+          <dgm:dir/>
+          <dgm:animOne val="branch"/>
+          <dgm:animLvl val="lvl"/>
+          <dgm:resizeHandles val="exact"/>
+        </dgm:presLayoutVars>
+      </dgm:prSet>
+      <dgm:spPr/>
+    </dgm:pt>
+    <dgm:pt modelId="{8E63D4E6-E82B-497B-88B0-FEC30CFC30CC}" type="pres">
+      <dgm:prSet presAssocID="{242A66F2-8CFD-43B0-A348-C3AFB093CB6C}" presName="hierFlow" presStyleCnt="0"/>
+      <dgm:spPr/>
+    </dgm:pt>
+    <dgm:pt modelId="{A89E7572-AD53-4AC4-BABA-173881A9FE95}" type="pres">
+      <dgm:prSet presAssocID="{242A66F2-8CFD-43B0-A348-C3AFB093CB6C}" presName="hierChild1" presStyleCnt="0">
+        <dgm:presLayoutVars>
+          <dgm:chPref val="1"/>
+          <dgm:animOne val="branch"/>
+          <dgm:animLvl val="lvl"/>
+        </dgm:presLayoutVars>
+      </dgm:prSet>
+      <dgm:spPr/>
+    </dgm:pt>
+    <dgm:pt modelId="{CA044068-D31D-4678-A377-31C9609DC1E7}" type="pres">
+      <dgm:prSet presAssocID="{399287D2-9324-4855-BC0A-EE107DE5C02B}" presName="Name14" presStyleCnt="0"/>
+      <dgm:spPr/>
+    </dgm:pt>
+    <dgm:pt modelId="{2F2E3994-6370-410F-8E7A-6A09AF6C2F54}" type="pres">
+      <dgm:prSet presAssocID="{399287D2-9324-4855-BC0A-EE107DE5C02B}" presName="level1Shape" presStyleLbl="node0" presStyleIdx="0" presStyleCnt="1">
+        <dgm:presLayoutVars>
+          <dgm:chPref val="3"/>
+        </dgm:presLayoutVars>
+      </dgm:prSet>
+      <dgm:spPr/>
+    </dgm:pt>
+    <dgm:pt modelId="{E2E5CD47-D069-49D7-8A53-E99BCB2B1575}" type="pres">
+      <dgm:prSet presAssocID="{399287D2-9324-4855-BC0A-EE107DE5C02B}" presName="hierChild2" presStyleCnt="0"/>
+      <dgm:spPr/>
+    </dgm:pt>
+    <dgm:pt modelId="{BF1BDCF1-51B0-4E51-AD04-F3D7B241E3D6}" type="pres">
+      <dgm:prSet presAssocID="{23B8421C-762E-489B-9332-0B57D97782A1}" presName="Name19" presStyleLbl="parChTrans1D2" presStyleIdx="0" presStyleCnt="3"/>
+      <dgm:spPr/>
+    </dgm:pt>
+    <dgm:pt modelId="{ACF14A1F-70C9-4C77-B3E1-298078A729C3}" type="pres">
+      <dgm:prSet presAssocID="{89D03CF1-D1BC-401A-A749-1821F47B5A55}" presName="Name21" presStyleCnt="0"/>
+      <dgm:spPr/>
+    </dgm:pt>
+    <dgm:pt modelId="{45AF435D-069D-4B71-B996-A1F8F3AF5A12}" type="pres">
+      <dgm:prSet presAssocID="{89D03CF1-D1BC-401A-A749-1821F47B5A55}" presName="level2Shape" presStyleLbl="node2" presStyleIdx="0" presStyleCnt="3"/>
+      <dgm:spPr/>
+      <dgm:t>
+        <a:bodyPr/>
+        <a:lstStyle/>
+        <a:p>
+          <a:endParaRPr lang="es-ES"/>
+        </a:p>
+      </dgm:t>
+    </dgm:pt>
+    <dgm:pt modelId="{5DCDC656-C462-4410-BD24-74D9BD2CF5C7}" type="pres">
+      <dgm:prSet presAssocID="{89D03CF1-D1BC-401A-A749-1821F47B5A55}" presName="hierChild3" presStyleCnt="0"/>
+      <dgm:spPr/>
+    </dgm:pt>
+    <dgm:pt modelId="{3B6F1DFC-4A0A-4143-9082-567B526C5958}" type="pres">
+      <dgm:prSet presAssocID="{A08AF538-9DC0-477A-97E0-427A2FCBD772}" presName="Name19" presStyleLbl="parChTrans1D3" presStyleIdx="0" presStyleCnt="3"/>
+      <dgm:spPr/>
+    </dgm:pt>
+    <dgm:pt modelId="{91ECCA84-139F-422C-83F6-3166A251E77A}" type="pres">
+      <dgm:prSet presAssocID="{EA4957E1-2203-41F4-8527-91F161FB61AB}" presName="Name21" presStyleCnt="0"/>
+      <dgm:spPr/>
+    </dgm:pt>
+    <dgm:pt modelId="{E4A1FBC9-4D7F-48F1-82B7-FA011CC48BAF}" type="pres">
+      <dgm:prSet presAssocID="{EA4957E1-2203-41F4-8527-91F161FB61AB}" presName="level2Shape" presStyleLbl="node3" presStyleIdx="0" presStyleCnt="3"/>
+      <dgm:spPr/>
+      <dgm:t>
+        <a:bodyPr/>
+        <a:lstStyle/>
+        <a:p>
+          <a:endParaRPr lang="es-ES"/>
+        </a:p>
+      </dgm:t>
+    </dgm:pt>
+    <dgm:pt modelId="{D57E32E2-5480-4CF9-8790-4E6469371797}" type="pres">
+      <dgm:prSet presAssocID="{EA4957E1-2203-41F4-8527-91F161FB61AB}" presName="hierChild3" presStyleCnt="0"/>
+      <dgm:spPr/>
+    </dgm:pt>
+    <dgm:pt modelId="{92EA04B5-EFD2-4602-AA31-B3771AA8D3A2}" type="pres">
+      <dgm:prSet presAssocID="{182D2F3E-D978-48EC-B5F7-FBE10F45FF5F}" presName="Name19" presStyleLbl="parChTrans1D3" presStyleIdx="1" presStyleCnt="3"/>
+      <dgm:spPr/>
+    </dgm:pt>
+    <dgm:pt modelId="{68288F26-22A4-4958-9D0A-656E083C47DB}" type="pres">
+      <dgm:prSet presAssocID="{7D2740CB-8955-4F2B-A74E-5C3D534E1661}" presName="Name21" presStyleCnt="0"/>
+      <dgm:spPr/>
+    </dgm:pt>
+    <dgm:pt modelId="{72C2D5A3-2DF3-4768-B680-B0DE023C5CFA}" type="pres">
+      <dgm:prSet presAssocID="{7D2740CB-8955-4F2B-A74E-5C3D534E1661}" presName="level2Shape" presStyleLbl="node3" presStyleIdx="1" presStyleCnt="3"/>
+      <dgm:spPr/>
+      <dgm:t>
+        <a:bodyPr/>
+        <a:lstStyle/>
+        <a:p>
+          <a:endParaRPr lang="es-ES"/>
+        </a:p>
+      </dgm:t>
+    </dgm:pt>
+    <dgm:pt modelId="{0AB9F4A1-421F-443D-BBC1-4A73B14241EB}" type="pres">
+      <dgm:prSet presAssocID="{7D2740CB-8955-4F2B-A74E-5C3D534E1661}" presName="hierChild3" presStyleCnt="0"/>
+      <dgm:spPr/>
+    </dgm:pt>
+    <dgm:pt modelId="{4F02A12B-2984-47CA-9E1D-F0DE40642FDF}" type="pres">
+      <dgm:prSet presAssocID="{62EB841B-D2E8-4CC2-891B-6DCA31AFC31A}" presName="Name19" presStyleLbl="parChTrans1D4" presStyleIdx="0" presStyleCnt="2"/>
+      <dgm:spPr/>
+    </dgm:pt>
+    <dgm:pt modelId="{31B32346-1421-418F-AC04-E6AA53537084}" type="pres">
+      <dgm:prSet presAssocID="{E5C0E2B1-A7CE-4FF6-B609-6459865F7EEA}" presName="Name21" presStyleCnt="0"/>
+      <dgm:spPr/>
+    </dgm:pt>
+    <dgm:pt modelId="{F9D9732D-A01A-4A76-996E-ED8B12E52A1A}" type="pres">
+      <dgm:prSet presAssocID="{E5C0E2B1-A7CE-4FF6-B609-6459865F7EEA}" presName="level2Shape" presStyleLbl="node4" presStyleIdx="0" presStyleCnt="2"/>
+      <dgm:spPr/>
+      <dgm:t>
+        <a:bodyPr/>
+        <a:lstStyle/>
+        <a:p>
+          <a:endParaRPr lang="es-ES"/>
+        </a:p>
+      </dgm:t>
+    </dgm:pt>
+    <dgm:pt modelId="{430EC6F5-4B59-40C2-99C9-6954419549C1}" type="pres">
+      <dgm:prSet presAssocID="{E5C0E2B1-A7CE-4FF6-B609-6459865F7EEA}" presName="hierChild3" presStyleCnt="0"/>
+      <dgm:spPr/>
+    </dgm:pt>
+    <dgm:pt modelId="{EC61DFCC-9B10-49CE-B9D5-33C9C500D616}" type="pres">
+      <dgm:prSet presAssocID="{C9B3E5B6-21B1-4913-B755-FC7863323A74}" presName="Name19" presStyleLbl="parChTrans1D4" presStyleIdx="1" presStyleCnt="2"/>
+      <dgm:spPr/>
+    </dgm:pt>
+    <dgm:pt modelId="{5F5F13DC-9A8E-41D4-A517-F42D0DD25B3C}" type="pres">
+      <dgm:prSet presAssocID="{06979D2A-9FD4-4BE6-AEBE-B0BF366A107A}" presName="Name21" presStyleCnt="0"/>
+      <dgm:spPr/>
+    </dgm:pt>
+    <dgm:pt modelId="{964617BE-DE24-4838-972F-9DC8C94C82CA}" type="pres">
+      <dgm:prSet presAssocID="{06979D2A-9FD4-4BE6-AEBE-B0BF366A107A}" presName="level2Shape" presStyleLbl="node4" presStyleIdx="1" presStyleCnt="2"/>
+      <dgm:spPr/>
+      <dgm:t>
+        <a:bodyPr/>
+        <a:lstStyle/>
+        <a:p>
+          <a:endParaRPr lang="es-ES"/>
+        </a:p>
+      </dgm:t>
+    </dgm:pt>
+    <dgm:pt modelId="{741A8B63-1188-448B-9B18-158C2BDA4B7C}" type="pres">
+      <dgm:prSet presAssocID="{06979D2A-9FD4-4BE6-AEBE-B0BF366A107A}" presName="hierChild3" presStyleCnt="0"/>
+      <dgm:spPr/>
+    </dgm:pt>
+    <dgm:pt modelId="{15863952-7B81-41B1-A0BC-4FE7F34C0C98}" type="pres">
+      <dgm:prSet presAssocID="{FFDFBB64-5D75-4F3A-AB68-37A821B16910}" presName="Name19" presStyleLbl="parChTrans1D2" presStyleIdx="1" presStyleCnt="3"/>
+      <dgm:spPr/>
+    </dgm:pt>
+    <dgm:pt modelId="{6E397E5E-F3AA-47E6-999C-9864121D04B7}" type="pres">
+      <dgm:prSet presAssocID="{3321EB6A-04D3-426B-9D26-3193521B91A8}" presName="Name21" presStyleCnt="0"/>
+      <dgm:spPr/>
+    </dgm:pt>
+    <dgm:pt modelId="{558BB4EE-B293-4D5B-A5B0-815FA307C224}" type="pres">
+      <dgm:prSet presAssocID="{3321EB6A-04D3-426B-9D26-3193521B91A8}" presName="level2Shape" presStyleLbl="node2" presStyleIdx="1" presStyleCnt="3"/>
+      <dgm:spPr/>
+      <dgm:t>
+        <a:bodyPr/>
+        <a:lstStyle/>
+        <a:p>
+          <a:endParaRPr lang="es-ES"/>
+        </a:p>
+      </dgm:t>
+    </dgm:pt>
+    <dgm:pt modelId="{8306B61B-F9B6-4D58-89F1-0D2EFC6E5F8E}" type="pres">
+      <dgm:prSet presAssocID="{3321EB6A-04D3-426B-9D26-3193521B91A8}" presName="hierChild3" presStyleCnt="0"/>
+      <dgm:spPr/>
+    </dgm:pt>
+    <dgm:pt modelId="{89E60071-E2DA-4F11-AD68-4CCFCD9F95EC}" type="pres">
+      <dgm:prSet presAssocID="{E1FBA7A5-874D-4706-AF99-194FC61807A3}" presName="Name19" presStyleLbl="parChTrans1D3" presStyleIdx="2" presStyleCnt="3"/>
+      <dgm:spPr/>
+    </dgm:pt>
+    <dgm:pt modelId="{39B36A77-C09F-4DC1-8E8B-CB8AC7B4E7A8}" type="pres">
+      <dgm:prSet presAssocID="{41BF6771-2BED-4CBB-95E5-5B2CE3CAAFF3}" presName="Name21" presStyleCnt="0"/>
+      <dgm:spPr/>
+    </dgm:pt>
+    <dgm:pt modelId="{FD1325DF-C167-45D2-91BE-F1C5AED0E2DD}" type="pres">
+      <dgm:prSet presAssocID="{41BF6771-2BED-4CBB-95E5-5B2CE3CAAFF3}" presName="level2Shape" presStyleLbl="node3" presStyleIdx="2" presStyleCnt="3"/>
+      <dgm:spPr/>
+    </dgm:pt>
+    <dgm:pt modelId="{1B23D2D8-2A3D-4CB6-B124-A174C99A99C7}" type="pres">
+      <dgm:prSet presAssocID="{41BF6771-2BED-4CBB-95E5-5B2CE3CAAFF3}" presName="hierChild3" presStyleCnt="0"/>
+      <dgm:spPr/>
+    </dgm:pt>
+    <dgm:pt modelId="{EF60CD8F-B668-4DD1-A6F4-AA9B154A34E3}" type="pres">
+      <dgm:prSet presAssocID="{5EFD99CF-228F-46AA-8542-3A5304F34700}" presName="Name19" presStyleLbl="parChTrans1D2" presStyleIdx="2" presStyleCnt="3"/>
+      <dgm:spPr/>
+    </dgm:pt>
+    <dgm:pt modelId="{2E4B3DFC-B35C-46CC-BA4B-768E7901788D}" type="pres">
+      <dgm:prSet presAssocID="{7650684E-19D9-4FED-A944-A98CDDB9B945}" presName="Name21" presStyleCnt="0"/>
+      <dgm:spPr/>
+    </dgm:pt>
+    <dgm:pt modelId="{CB5B0711-9068-4D08-A32D-0ED9F95DB1B2}" type="pres">
+      <dgm:prSet presAssocID="{7650684E-19D9-4FED-A944-A98CDDB9B945}" presName="level2Shape" presStyleLbl="node2" presStyleIdx="2" presStyleCnt="3"/>
+      <dgm:spPr/>
+      <dgm:t>
+        <a:bodyPr/>
+        <a:lstStyle/>
+        <a:p>
+          <a:endParaRPr lang="es-ES"/>
+        </a:p>
+      </dgm:t>
+    </dgm:pt>
+    <dgm:pt modelId="{031F7A92-9FFF-412A-80D7-814039BFA520}" type="pres">
+      <dgm:prSet presAssocID="{7650684E-19D9-4FED-A944-A98CDDB9B945}" presName="hierChild3" presStyleCnt="0"/>
+      <dgm:spPr/>
+    </dgm:pt>
+    <dgm:pt modelId="{5752C60D-DD2D-4BB4-BFD8-D727AB1F54AE}" type="pres">
+      <dgm:prSet presAssocID="{242A66F2-8CFD-43B0-A348-C3AFB093CB6C}" presName="bgShapesFlow" presStyleCnt="0"/>
+      <dgm:spPr/>
+    </dgm:pt>
+  </dgm:ptLst>
+  <dgm:cxnLst>
+    <dgm:cxn modelId="{8F3EC83F-464B-41B4-8A85-895CB94C0EF0}" srcId="{89D03CF1-D1BC-401A-A749-1821F47B5A55}" destId="{EA4957E1-2203-41F4-8527-91F161FB61AB}" srcOrd="0" destOrd="0" parTransId="{A08AF538-9DC0-477A-97E0-427A2FCBD772}" sibTransId="{A6BCFA5C-8F53-438E-B222-FDF092961C5F}"/>
+    <dgm:cxn modelId="{2FE356B0-4CB1-427A-A7FC-345F8B66545E}" srcId="{7D2740CB-8955-4F2B-A74E-5C3D534E1661}" destId="{06979D2A-9FD4-4BE6-AEBE-B0BF366A107A}" srcOrd="1" destOrd="0" parTransId="{C9B3E5B6-21B1-4913-B755-FC7863323A74}" sibTransId="{FD10C26C-D0DE-4811-A384-E635371B5FF9}"/>
+    <dgm:cxn modelId="{F5CEB791-5DCC-40F6-9A05-5A19D7EA4136}" type="presOf" srcId="{EA4957E1-2203-41F4-8527-91F161FB61AB}" destId="{E4A1FBC9-4D7F-48F1-82B7-FA011CC48BAF}" srcOrd="0" destOrd="0" presId="urn:microsoft.com/office/officeart/2005/8/layout/hierarchy6"/>
+    <dgm:cxn modelId="{3DF511F1-00BE-4307-9489-38563DC73EA4}" srcId="{399287D2-9324-4855-BC0A-EE107DE5C02B}" destId="{7650684E-19D9-4FED-A944-A98CDDB9B945}" srcOrd="2" destOrd="0" parTransId="{5EFD99CF-228F-46AA-8542-3A5304F34700}" sibTransId="{ED77A561-3A93-43A6-ABD3-12DED33E4559}"/>
+    <dgm:cxn modelId="{2BD4E1DD-250D-40BF-8BBF-C832DA1592EE}" type="presOf" srcId="{FFDFBB64-5D75-4F3A-AB68-37A821B16910}" destId="{15863952-7B81-41B1-A0BC-4FE7F34C0C98}" srcOrd="0" destOrd="0" presId="urn:microsoft.com/office/officeart/2005/8/layout/hierarchy6"/>
+    <dgm:cxn modelId="{DCF9C6CD-F276-48F9-A49B-26FE14CC8EF4}" type="presOf" srcId="{A08AF538-9DC0-477A-97E0-427A2FCBD772}" destId="{3B6F1DFC-4A0A-4143-9082-567B526C5958}" srcOrd="0" destOrd="0" presId="urn:microsoft.com/office/officeart/2005/8/layout/hierarchy6"/>
+    <dgm:cxn modelId="{FD934E72-DD7D-4BBA-9449-62C4EB32266D}" type="presOf" srcId="{7D2740CB-8955-4F2B-A74E-5C3D534E1661}" destId="{72C2D5A3-2DF3-4768-B680-B0DE023C5CFA}" srcOrd="0" destOrd="0" presId="urn:microsoft.com/office/officeart/2005/8/layout/hierarchy6"/>
+    <dgm:cxn modelId="{1D48E23C-EA99-4E36-991D-4E643D79BCE8}" type="presOf" srcId="{E5C0E2B1-A7CE-4FF6-B609-6459865F7EEA}" destId="{F9D9732D-A01A-4A76-996E-ED8B12E52A1A}" srcOrd="0" destOrd="0" presId="urn:microsoft.com/office/officeart/2005/8/layout/hierarchy6"/>
+    <dgm:cxn modelId="{E18C06F4-CD54-4D22-8CB7-782F46D3B804}" srcId="{89D03CF1-D1BC-401A-A749-1821F47B5A55}" destId="{7D2740CB-8955-4F2B-A74E-5C3D534E1661}" srcOrd="1" destOrd="0" parTransId="{182D2F3E-D978-48EC-B5F7-FBE10F45FF5F}" sibTransId="{BD4D9235-EB10-44E7-8964-AEBDE9087697}"/>
+    <dgm:cxn modelId="{8747C91E-3D3F-4472-85B1-EA3CD2408BE5}" type="presOf" srcId="{7650684E-19D9-4FED-A944-A98CDDB9B945}" destId="{CB5B0711-9068-4D08-A32D-0ED9F95DB1B2}" srcOrd="0" destOrd="0" presId="urn:microsoft.com/office/officeart/2005/8/layout/hierarchy6"/>
+    <dgm:cxn modelId="{1DD604B7-388B-4091-BC98-C914C2B84871}" type="presOf" srcId="{23B8421C-762E-489B-9332-0B57D97782A1}" destId="{BF1BDCF1-51B0-4E51-AD04-F3D7B241E3D6}" srcOrd="0" destOrd="0" presId="urn:microsoft.com/office/officeart/2005/8/layout/hierarchy6"/>
+    <dgm:cxn modelId="{89BAE03C-1228-42B5-994B-1982FC1E74D1}" type="presOf" srcId="{62EB841B-D2E8-4CC2-891B-6DCA31AFC31A}" destId="{4F02A12B-2984-47CA-9E1D-F0DE40642FDF}" srcOrd="0" destOrd="0" presId="urn:microsoft.com/office/officeart/2005/8/layout/hierarchy6"/>
+    <dgm:cxn modelId="{DC4C7E9B-2C1C-4208-A094-8263296182D0}" srcId="{399287D2-9324-4855-BC0A-EE107DE5C02B}" destId="{89D03CF1-D1BC-401A-A749-1821F47B5A55}" srcOrd="0" destOrd="0" parTransId="{23B8421C-762E-489B-9332-0B57D97782A1}" sibTransId="{3410DEB5-474D-4EAF-8C09-07571FAFE2BB}"/>
+    <dgm:cxn modelId="{94E67B34-EDBE-465F-87C9-2A27AF948E99}" type="presOf" srcId="{89D03CF1-D1BC-401A-A749-1821F47B5A55}" destId="{45AF435D-069D-4B71-B996-A1F8F3AF5A12}" srcOrd="0" destOrd="0" presId="urn:microsoft.com/office/officeart/2005/8/layout/hierarchy6"/>
+    <dgm:cxn modelId="{7356AB81-2E97-4CF8-A981-9A92BB33D93E}" type="presOf" srcId="{C9B3E5B6-21B1-4913-B755-FC7863323A74}" destId="{EC61DFCC-9B10-49CE-B9D5-33C9C500D616}" srcOrd="0" destOrd="0" presId="urn:microsoft.com/office/officeart/2005/8/layout/hierarchy6"/>
+    <dgm:cxn modelId="{6F504CE8-CC99-4F01-8B8C-4181F51B83AA}" type="presOf" srcId="{E1FBA7A5-874D-4706-AF99-194FC61807A3}" destId="{89E60071-E2DA-4F11-AD68-4CCFCD9F95EC}" srcOrd="0" destOrd="0" presId="urn:microsoft.com/office/officeart/2005/8/layout/hierarchy6"/>
+    <dgm:cxn modelId="{48A4F35A-CB8E-4C0E-A2AD-9A50B9B0AADB}" type="presOf" srcId="{399287D2-9324-4855-BC0A-EE107DE5C02B}" destId="{2F2E3994-6370-410F-8E7A-6A09AF6C2F54}" srcOrd="0" destOrd="0" presId="urn:microsoft.com/office/officeart/2005/8/layout/hierarchy6"/>
+    <dgm:cxn modelId="{66B426ED-D31D-4931-B9FB-2A370BD1B329}" type="presOf" srcId="{06979D2A-9FD4-4BE6-AEBE-B0BF366A107A}" destId="{964617BE-DE24-4838-972F-9DC8C94C82CA}" srcOrd="0" destOrd="0" presId="urn:microsoft.com/office/officeart/2005/8/layout/hierarchy6"/>
+    <dgm:cxn modelId="{A60D05E1-066B-4E76-91CC-24769C4FFDF8}" srcId="{242A66F2-8CFD-43B0-A348-C3AFB093CB6C}" destId="{399287D2-9324-4855-BC0A-EE107DE5C02B}" srcOrd="0" destOrd="0" parTransId="{93FB6855-3E21-4143-A718-96556DCE096B}" sibTransId="{7D692EC2-567A-4C9B-800C-D3CE89D3619D}"/>
+    <dgm:cxn modelId="{14F3CB45-5987-4390-8146-DE80075D1332}" type="presOf" srcId="{5EFD99CF-228F-46AA-8542-3A5304F34700}" destId="{EF60CD8F-B668-4DD1-A6F4-AA9B154A34E3}" srcOrd="0" destOrd="0" presId="urn:microsoft.com/office/officeart/2005/8/layout/hierarchy6"/>
+    <dgm:cxn modelId="{3007242A-A06E-47FA-88AC-5EAC5FAFAF7D}" srcId="{7D2740CB-8955-4F2B-A74E-5C3D534E1661}" destId="{E5C0E2B1-A7CE-4FF6-B609-6459865F7EEA}" srcOrd="0" destOrd="0" parTransId="{62EB841B-D2E8-4CC2-891B-6DCA31AFC31A}" sibTransId="{1BF74A51-CFF6-44FA-8001-69B39419687F}"/>
+    <dgm:cxn modelId="{93C48B99-83E6-4A98-A838-623341040A0B}" type="presOf" srcId="{182D2F3E-D978-48EC-B5F7-FBE10F45FF5F}" destId="{92EA04B5-EFD2-4602-AA31-B3771AA8D3A2}" srcOrd="0" destOrd="0" presId="urn:microsoft.com/office/officeart/2005/8/layout/hierarchy6"/>
+    <dgm:cxn modelId="{2AFEBC83-119A-410C-83A3-502FC7B8C8BE}" srcId="{3321EB6A-04D3-426B-9D26-3193521B91A8}" destId="{41BF6771-2BED-4CBB-95E5-5B2CE3CAAFF3}" srcOrd="0" destOrd="0" parTransId="{E1FBA7A5-874D-4706-AF99-194FC61807A3}" sibTransId="{C5C1B819-34E9-4841-8CE8-8B1BA7A81BB9}"/>
+    <dgm:cxn modelId="{FBD45A82-7974-4096-8B70-4CC33BFA67FB}" type="presOf" srcId="{3321EB6A-04D3-426B-9D26-3193521B91A8}" destId="{558BB4EE-B293-4D5B-A5B0-815FA307C224}" srcOrd="0" destOrd="0" presId="urn:microsoft.com/office/officeart/2005/8/layout/hierarchy6"/>
+    <dgm:cxn modelId="{510293C9-C08D-40E3-90BB-161413FF38F9}" type="presOf" srcId="{242A66F2-8CFD-43B0-A348-C3AFB093CB6C}" destId="{B0FAC8D9-0ADE-45E8-B4B3-F7A7DA8217B0}" srcOrd="0" destOrd="0" presId="urn:microsoft.com/office/officeart/2005/8/layout/hierarchy6"/>
+    <dgm:cxn modelId="{D1F49562-FBCA-416D-B690-E6A8476D8D10}" type="presOf" srcId="{41BF6771-2BED-4CBB-95E5-5B2CE3CAAFF3}" destId="{FD1325DF-C167-45D2-91BE-F1C5AED0E2DD}" srcOrd="0" destOrd="0" presId="urn:microsoft.com/office/officeart/2005/8/layout/hierarchy6"/>
+    <dgm:cxn modelId="{2A641921-4BE1-4C66-834E-47068B468CB7}" srcId="{399287D2-9324-4855-BC0A-EE107DE5C02B}" destId="{3321EB6A-04D3-426B-9D26-3193521B91A8}" srcOrd="1" destOrd="0" parTransId="{FFDFBB64-5D75-4F3A-AB68-37A821B16910}" sibTransId="{76480BA7-F23B-4A7D-B990-A81FF0C52A3F}"/>
+    <dgm:cxn modelId="{B3AAD06A-1531-4E65-9CE4-16B004982BB0}" type="presParOf" srcId="{B0FAC8D9-0ADE-45E8-B4B3-F7A7DA8217B0}" destId="{8E63D4E6-E82B-497B-88B0-FEC30CFC30CC}" srcOrd="0" destOrd="0" presId="urn:microsoft.com/office/officeart/2005/8/layout/hierarchy6"/>
+    <dgm:cxn modelId="{700836F7-60A0-4C0B-9FF9-3AEF56526B6D}" type="presParOf" srcId="{8E63D4E6-E82B-497B-88B0-FEC30CFC30CC}" destId="{A89E7572-AD53-4AC4-BABA-173881A9FE95}" srcOrd="0" destOrd="0" presId="urn:microsoft.com/office/officeart/2005/8/layout/hierarchy6"/>
+    <dgm:cxn modelId="{F038256A-7E2B-4D02-A456-BF208EDA9A3E}" type="presParOf" srcId="{A89E7572-AD53-4AC4-BABA-173881A9FE95}" destId="{CA044068-D31D-4678-A377-31C9609DC1E7}" srcOrd="0" destOrd="0" presId="urn:microsoft.com/office/officeart/2005/8/layout/hierarchy6"/>
+    <dgm:cxn modelId="{F26CBA04-C775-4DE7-8820-A8DFEB50089A}" type="presParOf" srcId="{CA044068-D31D-4678-A377-31C9609DC1E7}" destId="{2F2E3994-6370-410F-8E7A-6A09AF6C2F54}" srcOrd="0" destOrd="0" presId="urn:microsoft.com/office/officeart/2005/8/layout/hierarchy6"/>
+    <dgm:cxn modelId="{3BC6732C-257D-4441-A311-F21B88C47D88}" type="presParOf" srcId="{CA044068-D31D-4678-A377-31C9609DC1E7}" destId="{E2E5CD47-D069-49D7-8A53-E99BCB2B1575}" srcOrd="1" destOrd="0" presId="urn:microsoft.com/office/officeart/2005/8/layout/hierarchy6"/>
+    <dgm:cxn modelId="{920B56B2-80F0-4F88-82B6-A62508E4D7B4}" type="presParOf" srcId="{E2E5CD47-D069-49D7-8A53-E99BCB2B1575}" destId="{BF1BDCF1-51B0-4E51-AD04-F3D7B241E3D6}" srcOrd="0" destOrd="0" presId="urn:microsoft.com/office/officeart/2005/8/layout/hierarchy6"/>
+    <dgm:cxn modelId="{8BD5D6BD-74B9-4047-B7A3-E29869E52088}" type="presParOf" srcId="{E2E5CD47-D069-49D7-8A53-E99BCB2B1575}" destId="{ACF14A1F-70C9-4C77-B3E1-298078A729C3}" srcOrd="1" destOrd="0" presId="urn:microsoft.com/office/officeart/2005/8/layout/hierarchy6"/>
+    <dgm:cxn modelId="{602A19B6-2DFD-4D9F-A488-C29366366770}" type="presParOf" srcId="{ACF14A1F-70C9-4C77-B3E1-298078A729C3}" destId="{45AF435D-069D-4B71-B996-A1F8F3AF5A12}" srcOrd="0" destOrd="0" presId="urn:microsoft.com/office/officeart/2005/8/layout/hierarchy6"/>
+    <dgm:cxn modelId="{786B2BA9-ADCC-4B80-B9F2-51AC95760E33}" type="presParOf" srcId="{ACF14A1F-70C9-4C77-B3E1-298078A729C3}" destId="{5DCDC656-C462-4410-BD24-74D9BD2CF5C7}" srcOrd="1" destOrd="0" presId="urn:microsoft.com/office/officeart/2005/8/layout/hierarchy6"/>
+    <dgm:cxn modelId="{2D72A551-AF3E-4473-8C14-E0CC495BE43F}" type="presParOf" srcId="{5DCDC656-C462-4410-BD24-74D9BD2CF5C7}" destId="{3B6F1DFC-4A0A-4143-9082-567B526C5958}" srcOrd="0" destOrd="0" presId="urn:microsoft.com/office/officeart/2005/8/layout/hierarchy6"/>
+    <dgm:cxn modelId="{0408401B-7B62-4546-89C2-BCD16FE4A8F7}" type="presParOf" srcId="{5DCDC656-C462-4410-BD24-74D9BD2CF5C7}" destId="{91ECCA84-139F-422C-83F6-3166A251E77A}" srcOrd="1" destOrd="0" presId="urn:microsoft.com/office/officeart/2005/8/layout/hierarchy6"/>
+    <dgm:cxn modelId="{5ECB4E1F-0C03-43D5-9E7E-6CC9F930F59D}" type="presParOf" srcId="{91ECCA84-139F-422C-83F6-3166A251E77A}" destId="{E4A1FBC9-4D7F-48F1-82B7-FA011CC48BAF}" srcOrd="0" destOrd="0" presId="urn:microsoft.com/office/officeart/2005/8/layout/hierarchy6"/>
+    <dgm:cxn modelId="{288C7332-7E37-4EBB-A9E7-FDA6586F7146}" type="presParOf" srcId="{91ECCA84-139F-422C-83F6-3166A251E77A}" destId="{D57E32E2-5480-4CF9-8790-4E6469371797}" srcOrd="1" destOrd="0" presId="urn:microsoft.com/office/officeart/2005/8/layout/hierarchy6"/>
+    <dgm:cxn modelId="{4A6CFC47-85FF-486B-89CD-BCEA789CA645}" type="presParOf" srcId="{5DCDC656-C462-4410-BD24-74D9BD2CF5C7}" destId="{92EA04B5-EFD2-4602-AA31-B3771AA8D3A2}" srcOrd="2" destOrd="0" presId="urn:microsoft.com/office/officeart/2005/8/layout/hierarchy6"/>
+    <dgm:cxn modelId="{996CC7C2-0F1E-49C9-B3EF-E82F38012F81}" type="presParOf" srcId="{5DCDC656-C462-4410-BD24-74D9BD2CF5C7}" destId="{68288F26-22A4-4958-9D0A-656E083C47DB}" srcOrd="3" destOrd="0" presId="urn:microsoft.com/office/officeart/2005/8/layout/hierarchy6"/>
+    <dgm:cxn modelId="{2B43B626-7C11-42FB-9D0D-91BDA643C284}" type="presParOf" srcId="{68288F26-22A4-4958-9D0A-656E083C47DB}" destId="{72C2D5A3-2DF3-4768-B680-B0DE023C5CFA}" srcOrd="0" destOrd="0" presId="urn:microsoft.com/office/officeart/2005/8/layout/hierarchy6"/>
+    <dgm:cxn modelId="{DA07A2E8-AC98-4948-BF5C-C92AC49AF621}" type="presParOf" srcId="{68288F26-22A4-4958-9D0A-656E083C47DB}" destId="{0AB9F4A1-421F-443D-BBC1-4A73B14241EB}" srcOrd="1" destOrd="0" presId="urn:microsoft.com/office/officeart/2005/8/layout/hierarchy6"/>
+    <dgm:cxn modelId="{4D5BF0F2-9DC9-4B08-A9A6-0E5334D2A6BF}" type="presParOf" srcId="{0AB9F4A1-421F-443D-BBC1-4A73B14241EB}" destId="{4F02A12B-2984-47CA-9E1D-F0DE40642FDF}" srcOrd="0" destOrd="0" presId="urn:microsoft.com/office/officeart/2005/8/layout/hierarchy6"/>
+    <dgm:cxn modelId="{C1C8CFF8-08A5-4223-9440-E4E4E193EA64}" type="presParOf" srcId="{0AB9F4A1-421F-443D-BBC1-4A73B14241EB}" destId="{31B32346-1421-418F-AC04-E6AA53537084}" srcOrd="1" destOrd="0" presId="urn:microsoft.com/office/officeart/2005/8/layout/hierarchy6"/>
+    <dgm:cxn modelId="{2F846A80-41E3-43FC-92FE-F399C3592151}" type="presParOf" srcId="{31B32346-1421-418F-AC04-E6AA53537084}" destId="{F9D9732D-A01A-4A76-996E-ED8B12E52A1A}" srcOrd="0" destOrd="0" presId="urn:microsoft.com/office/officeart/2005/8/layout/hierarchy6"/>
+    <dgm:cxn modelId="{2044CDAD-E0CC-44A9-86A5-3A8905C49319}" type="presParOf" srcId="{31B32346-1421-418F-AC04-E6AA53537084}" destId="{430EC6F5-4B59-40C2-99C9-6954419549C1}" srcOrd="1" destOrd="0" presId="urn:microsoft.com/office/officeart/2005/8/layout/hierarchy6"/>
+    <dgm:cxn modelId="{1EB19C16-5010-4600-82D7-E21F8910D8C8}" type="presParOf" srcId="{0AB9F4A1-421F-443D-BBC1-4A73B14241EB}" destId="{EC61DFCC-9B10-49CE-B9D5-33C9C500D616}" srcOrd="2" destOrd="0" presId="urn:microsoft.com/office/officeart/2005/8/layout/hierarchy6"/>
+    <dgm:cxn modelId="{2CB55296-C1CF-4D34-8BC5-10A7D4880AA3}" type="presParOf" srcId="{0AB9F4A1-421F-443D-BBC1-4A73B14241EB}" destId="{5F5F13DC-9A8E-41D4-A517-F42D0DD25B3C}" srcOrd="3" destOrd="0" presId="urn:microsoft.com/office/officeart/2005/8/layout/hierarchy6"/>
+    <dgm:cxn modelId="{FE7C59C6-6506-427E-B3F2-BD0756A823B6}" type="presParOf" srcId="{5F5F13DC-9A8E-41D4-A517-F42D0DD25B3C}" destId="{964617BE-DE24-4838-972F-9DC8C94C82CA}" srcOrd="0" destOrd="0" presId="urn:microsoft.com/office/officeart/2005/8/layout/hierarchy6"/>
+    <dgm:cxn modelId="{CDB0E8EE-2115-42A4-AF3C-848360496A8D}" type="presParOf" srcId="{5F5F13DC-9A8E-41D4-A517-F42D0DD25B3C}" destId="{741A8B63-1188-448B-9B18-158C2BDA4B7C}" srcOrd="1" destOrd="0" presId="urn:microsoft.com/office/officeart/2005/8/layout/hierarchy6"/>
+    <dgm:cxn modelId="{655DA4EE-9A3C-42E4-A853-BDB8C13A4FD6}" type="presParOf" srcId="{E2E5CD47-D069-49D7-8A53-E99BCB2B1575}" destId="{15863952-7B81-41B1-A0BC-4FE7F34C0C98}" srcOrd="2" destOrd="0" presId="urn:microsoft.com/office/officeart/2005/8/layout/hierarchy6"/>
+    <dgm:cxn modelId="{5D0114F2-B22B-4B87-9AA0-B0FB75830040}" type="presParOf" srcId="{E2E5CD47-D069-49D7-8A53-E99BCB2B1575}" destId="{6E397E5E-F3AA-47E6-999C-9864121D04B7}" srcOrd="3" destOrd="0" presId="urn:microsoft.com/office/officeart/2005/8/layout/hierarchy6"/>
+    <dgm:cxn modelId="{8CB0EC04-0839-48A0-9BF5-886655DF4222}" type="presParOf" srcId="{6E397E5E-F3AA-47E6-999C-9864121D04B7}" destId="{558BB4EE-B293-4D5B-A5B0-815FA307C224}" srcOrd="0" destOrd="0" presId="urn:microsoft.com/office/officeart/2005/8/layout/hierarchy6"/>
+    <dgm:cxn modelId="{D99278DD-F033-467A-B60A-92652AE7DBC0}" type="presParOf" srcId="{6E397E5E-F3AA-47E6-999C-9864121D04B7}" destId="{8306B61B-F9B6-4D58-89F1-0D2EFC6E5F8E}" srcOrd="1" destOrd="0" presId="urn:microsoft.com/office/officeart/2005/8/layout/hierarchy6"/>
+    <dgm:cxn modelId="{F141C1F1-EDFF-4D29-A310-43BCE8A505EA}" type="presParOf" srcId="{8306B61B-F9B6-4D58-89F1-0D2EFC6E5F8E}" destId="{89E60071-E2DA-4F11-AD68-4CCFCD9F95EC}" srcOrd="0" destOrd="0" presId="urn:microsoft.com/office/officeart/2005/8/layout/hierarchy6"/>
+    <dgm:cxn modelId="{CD215D6A-3FAA-4900-9557-485CA3DECB14}" type="presParOf" srcId="{8306B61B-F9B6-4D58-89F1-0D2EFC6E5F8E}" destId="{39B36A77-C09F-4DC1-8E8B-CB8AC7B4E7A8}" srcOrd="1" destOrd="0" presId="urn:microsoft.com/office/officeart/2005/8/layout/hierarchy6"/>
+    <dgm:cxn modelId="{1D9C94A1-1304-483D-9628-550C33A3FC76}" type="presParOf" srcId="{39B36A77-C09F-4DC1-8E8B-CB8AC7B4E7A8}" destId="{FD1325DF-C167-45D2-91BE-F1C5AED0E2DD}" srcOrd="0" destOrd="0" presId="urn:microsoft.com/office/officeart/2005/8/layout/hierarchy6"/>
+    <dgm:cxn modelId="{9F84C8A3-5803-4873-B199-06965822B55A}" type="presParOf" srcId="{39B36A77-C09F-4DC1-8E8B-CB8AC7B4E7A8}" destId="{1B23D2D8-2A3D-4CB6-B124-A174C99A99C7}" srcOrd="1" destOrd="0" presId="urn:microsoft.com/office/officeart/2005/8/layout/hierarchy6"/>
+    <dgm:cxn modelId="{CA8C5531-1B61-4E79-A141-3A8EB3C01587}" type="presParOf" srcId="{E2E5CD47-D069-49D7-8A53-E99BCB2B1575}" destId="{EF60CD8F-B668-4DD1-A6F4-AA9B154A34E3}" srcOrd="4" destOrd="0" presId="urn:microsoft.com/office/officeart/2005/8/layout/hierarchy6"/>
+    <dgm:cxn modelId="{A4D4C7D2-8DD9-410F-9308-294ACA978E15}" type="presParOf" srcId="{E2E5CD47-D069-49D7-8A53-E99BCB2B1575}" destId="{2E4B3DFC-B35C-46CC-BA4B-768E7901788D}" srcOrd="5" destOrd="0" presId="urn:microsoft.com/office/officeart/2005/8/layout/hierarchy6"/>
+    <dgm:cxn modelId="{000FACAE-5521-455A-82BC-451C627B3293}" type="presParOf" srcId="{2E4B3DFC-B35C-46CC-BA4B-768E7901788D}" destId="{CB5B0711-9068-4D08-A32D-0ED9F95DB1B2}" srcOrd="0" destOrd="0" presId="urn:microsoft.com/office/officeart/2005/8/layout/hierarchy6"/>
+    <dgm:cxn modelId="{C587E49C-8727-4F55-AD3D-DADFB9190655}" type="presParOf" srcId="{2E4B3DFC-B35C-46CC-BA4B-768E7901788D}" destId="{031F7A92-9FFF-412A-80D7-814039BFA520}" srcOrd="1" destOrd="0" presId="urn:microsoft.com/office/officeart/2005/8/layout/hierarchy6"/>
+    <dgm:cxn modelId="{D42D7398-4C33-4FE2-A473-0D0E56745559}" type="presParOf" srcId="{B0FAC8D9-0ADE-45E8-B4B3-F7A7DA8217B0}" destId="{5752C60D-DD2D-4BB4-BFD8-D727AB1F54AE}" srcOrd="1" destOrd="0" presId="urn:microsoft.com/office/officeart/2005/8/layout/hierarchy6"/>
+  </dgm:cxnLst>
+  <dgm:bg/>
+  <dgm:whole/>
+  <dgm:extLst>
+    <a:ext uri="http://schemas.microsoft.com/office/drawing/2008/diagram">
+      <dsp:dataModelExt xmlns:dsp="http://schemas.microsoft.com/office/drawing/2008/diagram" relId="rId6" minVer="http://schemas.openxmlformats.org/drawingml/2006/diagram"/>
+    </a:ext>
+  </dgm:extLst>
+</dgm:dataModel>
+</file>
+
+<file path=ppt/diagrams/drawing1.xml><?xml version="1.0" encoding="utf-8"?>
+<dsp:drawing xmlns:dgm="http://schemas.openxmlformats.org/drawingml/2006/diagram" xmlns:dsp="http://schemas.microsoft.com/office/drawing/2008/diagram" xmlns:a="http://schemas.openxmlformats.org/drawingml/2006/main">
+  <dsp:spTree>
+    <dsp:nvGrpSpPr>
+      <dsp:cNvPr id="0" name=""/>
+      <dsp:cNvGrpSpPr/>
+    </dsp:nvGrpSpPr>
+    <dsp:grpSpPr/>
+    <dsp:sp modelId="{2F2E3994-6370-410F-8E7A-6A09AF6C2F54}">
+      <dsp:nvSpPr>
+        <dsp:cNvPr id="0" name=""/>
+        <dsp:cNvSpPr/>
+      </dsp:nvSpPr>
+      <dsp:spPr>
+        <a:xfrm>
+          <a:off x="3421584" y="587"/>
+          <a:ext cx="1084467" cy="722978"/>
+        </a:xfrm>
+        <a:prstGeom prst="roundRect">
+          <a:avLst>
+            <a:gd name="adj" fmla="val 10000"/>
+          </a:avLst>
+        </a:prstGeom>
+        <a:solidFill>
+          <a:schemeClr val="accent1">
+            <a:hueOff val="0"/>
+            <a:satOff val="0"/>
+            <a:lumOff val="0"/>
+            <a:alphaOff val="0"/>
+          </a:schemeClr>
+        </a:solidFill>
+        <a:ln w="19050" cap="flat" cmpd="sng" algn="ctr">
+          <a:solidFill>
+            <a:schemeClr val="lt1">
+              <a:hueOff val="0"/>
+              <a:satOff val="0"/>
+              <a:lumOff val="0"/>
+              <a:alphaOff val="0"/>
+            </a:schemeClr>
+          </a:solidFill>
+          <a:prstDash val="solid"/>
+        </a:ln>
+        <a:effectLst/>
+      </dsp:spPr>
+      <dsp:style>
+        <a:lnRef idx="2">
+          <a:scrgbClr r="0" g="0" b="0"/>
+        </a:lnRef>
+        <a:fillRef idx="1">
+          <a:scrgbClr r="0" g="0" b="0"/>
+        </a:fillRef>
+        <a:effectRef idx="0">
+          <a:scrgbClr r="0" g="0" b="0"/>
+        </a:effectRef>
+        <a:fontRef idx="minor">
+          <a:schemeClr val="lt1"/>
+        </a:fontRef>
+      </dsp:style>
+      <dsp:txBody>
+        <a:bodyPr spcFirstLastPara="0" vert="horz" wrap="square" lIns="45720" tIns="45720" rIns="45720" bIns="45720" numCol="1" spcCol="1270" anchor="ctr" anchorCtr="0">
+          <a:noAutofit/>
+        </a:bodyPr>
+        <a:lstStyle/>
+        <a:p>
+          <a:pPr lvl="0" algn="ctr" defTabSz="533400">
+            <a:lnSpc>
+              <a:spcPct val="90000"/>
+            </a:lnSpc>
+            <a:spcBef>
+              <a:spcPct val="0"/>
+            </a:spcBef>
+            <a:spcAft>
+              <a:spcPct val="35000"/>
+            </a:spcAft>
+          </a:pPr>
+          <a:r>
+            <a:rPr lang="es-ES" sz="1200" kern="1200" dirty="0" smtClean="0"/>
+            <a:t>Nombre</a:t>
+          </a:r>
+          <a:endParaRPr lang="es-ES" sz="1200" kern="1200" dirty="0"/>
+        </a:p>
+      </dsp:txBody>
+      <dsp:txXfrm>
+        <a:off x="3442759" y="21762"/>
+        <a:ext cx="1042117" cy="680628"/>
+      </dsp:txXfrm>
+    </dsp:sp>
+    <dsp:sp modelId="{BF1BDCF1-51B0-4E51-AD04-F3D7B241E3D6}">
+      <dsp:nvSpPr>
+        <dsp:cNvPr id="0" name=""/>
+        <dsp:cNvSpPr/>
+      </dsp:nvSpPr>
+      <dsp:spPr>
+        <a:xfrm>
+          <a:off x="2201557" y="723565"/>
+          <a:ext cx="1762260" cy="289191"/>
+        </a:xfrm>
+        <a:custGeom>
+          <a:avLst/>
+          <a:gdLst/>
+          <a:ahLst/>
+          <a:cxnLst/>
+          <a:rect l="0" t="0" r="0" b="0"/>
+          <a:pathLst>
+            <a:path>
+              <a:moveTo>
+                <a:pt x="1762260" y="0"/>
+              </a:moveTo>
+              <a:lnTo>
+                <a:pt x="1762260" y="144595"/>
+              </a:lnTo>
+              <a:lnTo>
+                <a:pt x="0" y="144595"/>
+              </a:lnTo>
+              <a:lnTo>
+                <a:pt x="0" y="289191"/>
+              </a:lnTo>
+            </a:path>
+          </a:pathLst>
+        </a:custGeom>
+        <a:noFill/>
+        <a:ln w="19050" cap="flat" cmpd="sng" algn="ctr">
+          <a:solidFill>
+            <a:schemeClr val="accent1">
+              <a:shade val="60000"/>
+              <a:hueOff val="0"/>
+              <a:satOff val="0"/>
+              <a:lumOff val="0"/>
+              <a:alphaOff val="0"/>
+            </a:schemeClr>
+          </a:solidFill>
+          <a:prstDash val="solid"/>
+        </a:ln>
+        <a:effectLst/>
+      </dsp:spPr>
+      <dsp:style>
+        <a:lnRef idx="2">
+          <a:scrgbClr r="0" g="0" b="0"/>
+        </a:lnRef>
+        <a:fillRef idx="0">
+          <a:scrgbClr r="0" g="0" b="0"/>
+        </a:fillRef>
+        <a:effectRef idx="0">
+          <a:scrgbClr r="0" g="0" b="0"/>
+        </a:effectRef>
+        <a:fontRef idx="minor"/>
+      </dsp:style>
+    </dsp:sp>
+    <dsp:sp modelId="{45AF435D-069D-4B71-B996-A1F8F3AF5A12}">
+      <dsp:nvSpPr>
+        <dsp:cNvPr id="0" name=""/>
+        <dsp:cNvSpPr/>
+      </dsp:nvSpPr>
+      <dsp:spPr>
+        <a:xfrm>
+          <a:off x="1659323" y="1012757"/>
+          <a:ext cx="1084467" cy="722978"/>
+        </a:xfrm>
+        <a:prstGeom prst="roundRect">
+          <a:avLst>
+            <a:gd name="adj" fmla="val 10000"/>
+          </a:avLst>
+        </a:prstGeom>
+        <a:solidFill>
+          <a:schemeClr val="accent1">
+            <a:hueOff val="0"/>
+            <a:satOff val="0"/>
+            <a:lumOff val="0"/>
+            <a:alphaOff val="0"/>
+          </a:schemeClr>
+        </a:solidFill>
+        <a:ln w="19050" cap="flat" cmpd="sng" algn="ctr">
+          <a:solidFill>
+            <a:schemeClr val="lt1">
+              <a:hueOff val="0"/>
+              <a:satOff val="0"/>
+              <a:lumOff val="0"/>
+              <a:alphaOff val="0"/>
+            </a:schemeClr>
+          </a:solidFill>
+          <a:prstDash val="solid"/>
+        </a:ln>
+        <a:effectLst/>
+      </dsp:spPr>
+      <dsp:style>
+        <a:lnRef idx="2">
+          <a:scrgbClr r="0" g="0" b="0"/>
+        </a:lnRef>
+        <a:fillRef idx="1">
+          <a:scrgbClr r="0" g="0" b="0"/>
+        </a:fillRef>
+        <a:effectRef idx="0">
+          <a:scrgbClr r="0" g="0" b="0"/>
+        </a:effectRef>
+        <a:fontRef idx="minor">
+          <a:schemeClr val="lt1"/>
+        </a:fontRef>
+      </dsp:style>
+      <dsp:txBody>
+        <a:bodyPr spcFirstLastPara="0" vert="horz" wrap="square" lIns="45720" tIns="45720" rIns="45720" bIns="45720" numCol="1" spcCol="1270" anchor="ctr" anchorCtr="0">
+          <a:noAutofit/>
+        </a:bodyPr>
+        <a:lstStyle/>
+        <a:p>
+          <a:pPr lvl="0" algn="ctr" defTabSz="533400">
+            <a:lnSpc>
+              <a:spcPct val="90000"/>
+            </a:lnSpc>
+            <a:spcBef>
+              <a:spcPct val="0"/>
+            </a:spcBef>
+            <a:spcAft>
+              <a:spcPct val="35000"/>
+            </a:spcAft>
+          </a:pPr>
+          <a:r>
+            <a:rPr lang="es-ES" sz="1200" kern="1200" dirty="0" smtClean="0"/>
+            <a:t>Proyecto 1</a:t>
+          </a:r>
+          <a:endParaRPr lang="es-ES" sz="1200" kern="1200" dirty="0"/>
+        </a:p>
+      </dsp:txBody>
+      <dsp:txXfrm>
+        <a:off x="1680498" y="1033932"/>
+        <a:ext cx="1042117" cy="680628"/>
+      </dsp:txXfrm>
+    </dsp:sp>
+    <dsp:sp modelId="{3B6F1DFC-4A0A-4143-9082-567B526C5958}">
+      <dsp:nvSpPr>
+        <dsp:cNvPr id="0" name=""/>
+        <dsp:cNvSpPr/>
+      </dsp:nvSpPr>
+      <dsp:spPr>
+        <a:xfrm>
+          <a:off x="1496653" y="1735735"/>
+          <a:ext cx="704904" cy="289191"/>
+        </a:xfrm>
+        <a:custGeom>
+          <a:avLst/>
+          <a:gdLst/>
+          <a:ahLst/>
+          <a:cxnLst/>
+          <a:rect l="0" t="0" r="0" b="0"/>
+          <a:pathLst>
+            <a:path>
+              <a:moveTo>
+                <a:pt x="704904" y="0"/>
+              </a:moveTo>
+              <a:lnTo>
+                <a:pt x="704904" y="144595"/>
+              </a:lnTo>
+              <a:lnTo>
+                <a:pt x="0" y="144595"/>
+              </a:lnTo>
+              <a:lnTo>
+                <a:pt x="0" y="289191"/>
+              </a:lnTo>
+            </a:path>
+          </a:pathLst>
+        </a:custGeom>
+        <a:noFill/>
+        <a:ln w="19050" cap="flat" cmpd="sng" algn="ctr">
+          <a:solidFill>
+            <a:schemeClr val="accent1">
+              <a:shade val="80000"/>
+              <a:hueOff val="0"/>
+              <a:satOff val="0"/>
+              <a:lumOff val="0"/>
+              <a:alphaOff val="0"/>
+            </a:schemeClr>
+          </a:solidFill>
+          <a:prstDash val="solid"/>
+        </a:ln>
+        <a:effectLst/>
+      </dsp:spPr>
+      <dsp:style>
+        <a:lnRef idx="2">
+          <a:scrgbClr r="0" g="0" b="0"/>
+        </a:lnRef>
+        <a:fillRef idx="0">
+          <a:scrgbClr r="0" g="0" b="0"/>
+        </a:fillRef>
+        <a:effectRef idx="0">
+          <a:scrgbClr r="0" g="0" b="0"/>
+        </a:effectRef>
+        <a:fontRef idx="minor"/>
+      </dsp:style>
+    </dsp:sp>
+    <dsp:sp modelId="{E4A1FBC9-4D7F-48F1-82B7-FA011CC48BAF}">
+      <dsp:nvSpPr>
+        <dsp:cNvPr id="0" name=""/>
+        <dsp:cNvSpPr/>
+      </dsp:nvSpPr>
+      <dsp:spPr>
+        <a:xfrm>
+          <a:off x="954419" y="2024927"/>
+          <a:ext cx="1084467" cy="722978"/>
+        </a:xfrm>
+        <a:prstGeom prst="roundRect">
+          <a:avLst>
+            <a:gd name="adj" fmla="val 10000"/>
+          </a:avLst>
+        </a:prstGeom>
+        <a:solidFill>
+          <a:schemeClr val="accent1">
+            <a:hueOff val="0"/>
+            <a:satOff val="0"/>
+            <a:lumOff val="0"/>
+            <a:alphaOff val="0"/>
+          </a:schemeClr>
+        </a:solidFill>
+        <a:ln w="19050" cap="flat" cmpd="sng" algn="ctr">
+          <a:solidFill>
+            <a:schemeClr val="lt1">
+              <a:hueOff val="0"/>
+              <a:satOff val="0"/>
+              <a:lumOff val="0"/>
+              <a:alphaOff val="0"/>
+            </a:schemeClr>
+          </a:solidFill>
+          <a:prstDash val="solid"/>
+        </a:ln>
+        <a:effectLst/>
+      </dsp:spPr>
+      <dsp:style>
+        <a:lnRef idx="2">
+          <a:scrgbClr r="0" g="0" b="0"/>
+        </a:lnRef>
+        <a:fillRef idx="1">
+          <a:scrgbClr r="0" g="0" b="0"/>
+        </a:fillRef>
+        <a:effectRef idx="0">
+          <a:scrgbClr r="0" g="0" b="0"/>
+        </a:effectRef>
+        <a:fontRef idx="minor">
+          <a:schemeClr val="lt1"/>
+        </a:fontRef>
+      </dsp:style>
+      <dsp:txBody>
+        <a:bodyPr spcFirstLastPara="0" vert="horz" wrap="square" lIns="45720" tIns="45720" rIns="45720" bIns="45720" numCol="1" spcCol="1270" anchor="ctr" anchorCtr="0">
+          <a:noAutofit/>
+        </a:bodyPr>
+        <a:lstStyle/>
+        <a:p>
+          <a:pPr lvl="0" algn="ctr" defTabSz="533400">
+            <a:lnSpc>
+              <a:spcPct val="90000"/>
+            </a:lnSpc>
+            <a:spcBef>
+              <a:spcPct val="0"/>
+            </a:spcBef>
+            <a:spcAft>
+              <a:spcPct val="35000"/>
+            </a:spcAft>
+          </a:pPr>
+          <a:r>
+            <a:rPr lang="es-ES" sz="1200" kern="1200" dirty="0" smtClean="0"/>
+            <a:t>README.txt</a:t>
+          </a:r>
+          <a:endParaRPr lang="es-ES" sz="1200" kern="1200" dirty="0"/>
+        </a:p>
+      </dsp:txBody>
+      <dsp:txXfrm>
+        <a:off x="975594" y="2046102"/>
+        <a:ext cx="1042117" cy="680628"/>
+      </dsp:txXfrm>
+    </dsp:sp>
+    <dsp:sp modelId="{92EA04B5-EFD2-4602-AA31-B3771AA8D3A2}">
+      <dsp:nvSpPr>
+        <dsp:cNvPr id="0" name=""/>
+        <dsp:cNvSpPr/>
+      </dsp:nvSpPr>
+      <dsp:spPr>
+        <a:xfrm>
+          <a:off x="2201557" y="1735735"/>
+          <a:ext cx="704904" cy="289191"/>
+        </a:xfrm>
+        <a:custGeom>
+          <a:avLst/>
+          <a:gdLst/>
+          <a:ahLst/>
+          <a:cxnLst/>
+          <a:rect l="0" t="0" r="0" b="0"/>
+          <a:pathLst>
+            <a:path>
+              <a:moveTo>
+                <a:pt x="0" y="0"/>
+              </a:moveTo>
+              <a:lnTo>
+                <a:pt x="0" y="144595"/>
+              </a:lnTo>
+              <a:lnTo>
+                <a:pt x="704904" y="144595"/>
+              </a:lnTo>
+              <a:lnTo>
+                <a:pt x="704904" y="289191"/>
+              </a:lnTo>
+            </a:path>
+          </a:pathLst>
+        </a:custGeom>
+        <a:noFill/>
+        <a:ln w="19050" cap="flat" cmpd="sng" algn="ctr">
+          <a:solidFill>
+            <a:schemeClr val="accent1">
+              <a:shade val="80000"/>
+              <a:hueOff val="0"/>
+              <a:satOff val="0"/>
+              <a:lumOff val="0"/>
+              <a:alphaOff val="0"/>
+            </a:schemeClr>
+          </a:solidFill>
+          <a:prstDash val="solid"/>
+        </a:ln>
+        <a:effectLst/>
+      </dsp:spPr>
+      <dsp:style>
+        <a:lnRef idx="2">
+          <a:scrgbClr r="0" g="0" b="0"/>
+        </a:lnRef>
+        <a:fillRef idx="0">
+          <a:scrgbClr r="0" g="0" b="0"/>
+        </a:fillRef>
+        <a:effectRef idx="0">
+          <a:scrgbClr r="0" g="0" b="0"/>
+        </a:effectRef>
+        <a:fontRef idx="minor"/>
+      </dsp:style>
+    </dsp:sp>
+    <dsp:sp modelId="{72C2D5A3-2DF3-4768-B680-B0DE023C5CFA}">
+      <dsp:nvSpPr>
+        <dsp:cNvPr id="0" name=""/>
+        <dsp:cNvSpPr/>
+      </dsp:nvSpPr>
+      <dsp:spPr>
+        <a:xfrm>
+          <a:off x="2364228" y="2024927"/>
+          <a:ext cx="1084467" cy="722978"/>
+        </a:xfrm>
+        <a:prstGeom prst="roundRect">
+          <a:avLst>
+            <a:gd name="adj" fmla="val 10000"/>
+          </a:avLst>
+        </a:prstGeom>
+        <a:solidFill>
+          <a:schemeClr val="accent1">
+            <a:hueOff val="0"/>
+            <a:satOff val="0"/>
+            <a:lumOff val="0"/>
+            <a:alphaOff val="0"/>
+          </a:schemeClr>
+        </a:solidFill>
+        <a:ln w="19050" cap="flat" cmpd="sng" algn="ctr">
+          <a:solidFill>
+            <a:schemeClr val="lt1">
+              <a:hueOff val="0"/>
+              <a:satOff val="0"/>
+              <a:lumOff val="0"/>
+              <a:alphaOff val="0"/>
+            </a:schemeClr>
+          </a:solidFill>
+          <a:prstDash val="solid"/>
+        </a:ln>
+        <a:effectLst/>
+      </dsp:spPr>
+      <dsp:style>
+        <a:lnRef idx="2">
+          <a:scrgbClr r="0" g="0" b="0"/>
+        </a:lnRef>
+        <a:fillRef idx="1">
+          <a:scrgbClr r="0" g="0" b="0"/>
+        </a:fillRef>
+        <a:effectRef idx="0">
+          <a:scrgbClr r="0" g="0" b="0"/>
+        </a:effectRef>
+        <a:fontRef idx="minor">
+          <a:schemeClr val="lt1"/>
+        </a:fontRef>
+      </dsp:style>
+      <dsp:txBody>
+        <a:bodyPr spcFirstLastPara="0" vert="horz" wrap="square" lIns="45720" tIns="45720" rIns="45720" bIns="45720" numCol="1" spcCol="1270" anchor="ctr" anchorCtr="0">
+          <a:noAutofit/>
+        </a:bodyPr>
+        <a:lstStyle/>
+        <a:p>
+          <a:pPr lvl="0" algn="ctr" defTabSz="533400">
+            <a:lnSpc>
+              <a:spcPct val="90000"/>
+            </a:lnSpc>
+            <a:spcBef>
+              <a:spcPct val="0"/>
+            </a:spcBef>
+            <a:spcAft>
+              <a:spcPct val="35000"/>
+            </a:spcAft>
+          </a:pPr>
+          <a:r>
+            <a:rPr lang="es-ES" sz="1200" kern="1200" dirty="0" smtClean="0"/>
+            <a:t>SRC</a:t>
+          </a:r>
+          <a:endParaRPr lang="es-ES" sz="1200" kern="1200" dirty="0"/>
+        </a:p>
+      </dsp:txBody>
+      <dsp:txXfrm>
+        <a:off x="2385403" y="2046102"/>
+        <a:ext cx="1042117" cy="680628"/>
+      </dsp:txXfrm>
+    </dsp:sp>
+    <dsp:sp modelId="{4F02A12B-2984-47CA-9E1D-F0DE40642FDF}">
+      <dsp:nvSpPr>
+        <dsp:cNvPr id="0" name=""/>
+        <dsp:cNvSpPr/>
+      </dsp:nvSpPr>
+      <dsp:spPr>
+        <a:xfrm>
+          <a:off x="2201557" y="2747905"/>
+          <a:ext cx="704904" cy="289191"/>
+        </a:xfrm>
+        <a:custGeom>
+          <a:avLst/>
+          <a:gdLst/>
+          <a:ahLst/>
+          <a:cxnLst/>
+          <a:rect l="0" t="0" r="0" b="0"/>
+          <a:pathLst>
+            <a:path>
+              <a:moveTo>
+                <a:pt x="704904" y="0"/>
+              </a:moveTo>
+              <a:lnTo>
+                <a:pt x="704904" y="144595"/>
+              </a:lnTo>
+              <a:lnTo>
+                <a:pt x="0" y="144595"/>
+              </a:lnTo>
+              <a:lnTo>
+                <a:pt x="0" y="289191"/>
+              </a:lnTo>
+            </a:path>
+          </a:pathLst>
+        </a:custGeom>
+        <a:noFill/>
+        <a:ln w="19050" cap="flat" cmpd="sng" algn="ctr">
+          <a:solidFill>
+            <a:schemeClr val="accent1">
+              <a:shade val="80000"/>
+              <a:hueOff val="0"/>
+              <a:satOff val="0"/>
+              <a:lumOff val="0"/>
+              <a:alphaOff val="0"/>
+            </a:schemeClr>
+          </a:solidFill>
+          <a:prstDash val="solid"/>
+        </a:ln>
+        <a:effectLst/>
+      </dsp:spPr>
+      <dsp:style>
+        <a:lnRef idx="2">
+          <a:scrgbClr r="0" g="0" b="0"/>
+        </a:lnRef>
+        <a:fillRef idx="0">
+          <a:scrgbClr r="0" g="0" b="0"/>
+        </a:fillRef>
+        <a:effectRef idx="0">
+          <a:scrgbClr r="0" g="0" b="0"/>
+        </a:effectRef>
+        <a:fontRef idx="minor"/>
+      </dsp:style>
+    </dsp:sp>
+    <dsp:sp modelId="{F9D9732D-A01A-4A76-996E-ED8B12E52A1A}">
+      <dsp:nvSpPr>
+        <dsp:cNvPr id="0" name=""/>
+        <dsp:cNvSpPr/>
+      </dsp:nvSpPr>
+      <dsp:spPr>
+        <a:xfrm>
+          <a:off x="1659323" y="3037097"/>
+          <a:ext cx="1084467" cy="722978"/>
+        </a:xfrm>
+        <a:prstGeom prst="roundRect">
+          <a:avLst>
+            <a:gd name="adj" fmla="val 10000"/>
+          </a:avLst>
+        </a:prstGeom>
+        <a:solidFill>
+          <a:schemeClr val="accent1">
+            <a:hueOff val="0"/>
+            <a:satOff val="0"/>
+            <a:lumOff val="0"/>
+            <a:alphaOff val="0"/>
+          </a:schemeClr>
+        </a:solidFill>
+        <a:ln w="19050" cap="flat" cmpd="sng" algn="ctr">
+          <a:solidFill>
+            <a:schemeClr val="lt1">
+              <a:hueOff val="0"/>
+              <a:satOff val="0"/>
+              <a:lumOff val="0"/>
+              <a:alphaOff val="0"/>
+            </a:schemeClr>
+          </a:solidFill>
+          <a:prstDash val="solid"/>
+        </a:ln>
+        <a:effectLst/>
+      </dsp:spPr>
+      <dsp:style>
+        <a:lnRef idx="2">
+          <a:scrgbClr r="0" g="0" b="0"/>
+        </a:lnRef>
+        <a:fillRef idx="1">
+          <a:scrgbClr r="0" g="0" b="0"/>
+        </a:fillRef>
+        <a:effectRef idx="0">
+          <a:scrgbClr r="0" g="0" b="0"/>
+        </a:effectRef>
+        <a:fontRef idx="minor">
+          <a:schemeClr val="lt1"/>
+        </a:fontRef>
+      </dsp:style>
+      <dsp:txBody>
+        <a:bodyPr spcFirstLastPara="0" vert="horz" wrap="square" lIns="45720" tIns="45720" rIns="45720" bIns="45720" numCol="1" spcCol="1270" anchor="ctr" anchorCtr="0">
+          <a:noAutofit/>
+        </a:bodyPr>
+        <a:lstStyle/>
+        <a:p>
+          <a:pPr lvl="0" algn="ctr" defTabSz="533400">
+            <a:lnSpc>
+              <a:spcPct val="90000"/>
+            </a:lnSpc>
+            <a:spcBef>
+              <a:spcPct val="0"/>
+            </a:spcBef>
+            <a:spcAft>
+              <a:spcPct val="35000"/>
+            </a:spcAft>
+          </a:pPr>
+          <a:r>
+            <a:rPr lang="es-ES" sz="1200" kern="1200" dirty="0" err="1" smtClean="0"/>
+            <a:t>lib</a:t>
+          </a:r>
+          <a:endParaRPr lang="es-ES" sz="1200" kern="1200" dirty="0"/>
+        </a:p>
+      </dsp:txBody>
+      <dsp:txXfrm>
+        <a:off x="1680498" y="3058272"/>
+        <a:ext cx="1042117" cy="680628"/>
+      </dsp:txXfrm>
+    </dsp:sp>
+    <dsp:sp modelId="{EC61DFCC-9B10-49CE-B9D5-33C9C500D616}">
+      <dsp:nvSpPr>
+        <dsp:cNvPr id="0" name=""/>
+        <dsp:cNvSpPr/>
+      </dsp:nvSpPr>
+      <dsp:spPr>
+        <a:xfrm>
+          <a:off x="2906461" y="2747905"/>
+          <a:ext cx="704904" cy="289191"/>
+        </a:xfrm>
+        <a:custGeom>
+          <a:avLst/>
+          <a:gdLst/>
+          <a:ahLst/>
+          <a:cxnLst/>
+          <a:rect l="0" t="0" r="0" b="0"/>
+          <a:pathLst>
+            <a:path>
+              <a:moveTo>
+                <a:pt x="0" y="0"/>
+              </a:moveTo>
+              <a:lnTo>
+                <a:pt x="0" y="144595"/>
+              </a:lnTo>
+              <a:lnTo>
+                <a:pt x="704904" y="144595"/>
+              </a:lnTo>
+              <a:lnTo>
+                <a:pt x="704904" y="289191"/>
+              </a:lnTo>
+            </a:path>
+          </a:pathLst>
+        </a:custGeom>
+        <a:noFill/>
+        <a:ln w="19050" cap="flat" cmpd="sng" algn="ctr">
+          <a:solidFill>
+            <a:schemeClr val="accent1">
+              <a:shade val="80000"/>
+              <a:hueOff val="0"/>
+              <a:satOff val="0"/>
+              <a:lumOff val="0"/>
+              <a:alphaOff val="0"/>
+            </a:schemeClr>
+          </a:solidFill>
+          <a:prstDash val="solid"/>
+        </a:ln>
+        <a:effectLst/>
+      </dsp:spPr>
+      <dsp:style>
+        <a:lnRef idx="2">
+          <a:scrgbClr r="0" g="0" b="0"/>
+        </a:lnRef>
+        <a:fillRef idx="0">
+          <a:scrgbClr r="0" g="0" b="0"/>
+        </a:fillRef>
+        <a:effectRef idx="0">
+          <a:scrgbClr r="0" g="0" b="0"/>
+        </a:effectRef>
+        <a:fontRef idx="minor"/>
+      </dsp:style>
+    </dsp:sp>
+    <dsp:sp modelId="{964617BE-DE24-4838-972F-9DC8C94C82CA}">
+      <dsp:nvSpPr>
+        <dsp:cNvPr id="0" name=""/>
+        <dsp:cNvSpPr/>
+      </dsp:nvSpPr>
+      <dsp:spPr>
+        <a:xfrm>
+          <a:off x="3069132" y="3037097"/>
+          <a:ext cx="1084467" cy="722978"/>
+        </a:xfrm>
+        <a:prstGeom prst="roundRect">
+          <a:avLst>
+            <a:gd name="adj" fmla="val 10000"/>
+          </a:avLst>
+        </a:prstGeom>
+        <a:solidFill>
+          <a:schemeClr val="accent1">
+            <a:hueOff val="0"/>
+            <a:satOff val="0"/>
+            <a:lumOff val="0"/>
+            <a:alphaOff val="0"/>
+          </a:schemeClr>
+        </a:solidFill>
+        <a:ln w="19050" cap="flat" cmpd="sng" algn="ctr">
+          <a:solidFill>
+            <a:schemeClr val="lt1">
+              <a:hueOff val="0"/>
+              <a:satOff val="0"/>
+              <a:lumOff val="0"/>
+              <a:alphaOff val="0"/>
+            </a:schemeClr>
+          </a:solidFill>
+          <a:prstDash val="solid"/>
+        </a:ln>
+        <a:effectLst/>
+      </dsp:spPr>
+      <dsp:style>
+        <a:lnRef idx="2">
+          <a:scrgbClr r="0" g="0" b="0"/>
+        </a:lnRef>
+        <a:fillRef idx="1">
+          <a:scrgbClr r="0" g="0" b="0"/>
+        </a:fillRef>
+        <a:effectRef idx="0">
+          <a:scrgbClr r="0" g="0" b="0"/>
+        </a:effectRef>
+        <a:fontRef idx="minor">
+          <a:schemeClr val="lt1"/>
+        </a:fontRef>
+      </dsp:style>
+      <dsp:txBody>
+        <a:bodyPr spcFirstLastPara="0" vert="horz" wrap="square" lIns="45720" tIns="45720" rIns="45720" bIns="45720" numCol="1" spcCol="1270" anchor="ctr" anchorCtr="0">
+          <a:noAutofit/>
+        </a:bodyPr>
+        <a:lstStyle/>
+        <a:p>
+          <a:pPr lvl="0" algn="ctr" defTabSz="533400">
+            <a:lnSpc>
+              <a:spcPct val="90000"/>
+            </a:lnSpc>
+            <a:spcBef>
+              <a:spcPct val="0"/>
+            </a:spcBef>
+            <a:spcAft>
+              <a:spcPct val="35000"/>
+            </a:spcAft>
+          </a:pPr>
+          <a:r>
+            <a:rPr lang="es-ES" sz="1200" kern="1200" dirty="0" smtClean="0"/>
+            <a:t>Programa.py</a:t>
+          </a:r>
+          <a:endParaRPr lang="es-ES" sz="1200" kern="1200" dirty="0"/>
+        </a:p>
+      </dsp:txBody>
+      <dsp:txXfrm>
+        <a:off x="3090307" y="3058272"/>
+        <a:ext cx="1042117" cy="680628"/>
+      </dsp:txXfrm>
+    </dsp:sp>
+    <dsp:sp modelId="{15863952-7B81-41B1-A0BC-4FE7F34C0C98}">
+      <dsp:nvSpPr>
+        <dsp:cNvPr id="0" name=""/>
+        <dsp:cNvSpPr/>
+      </dsp:nvSpPr>
+      <dsp:spPr>
+        <a:xfrm>
+          <a:off x="3963818" y="723565"/>
+          <a:ext cx="352452" cy="289191"/>
+        </a:xfrm>
+        <a:custGeom>
+          <a:avLst/>
+          <a:gdLst/>
+          <a:ahLst/>
+          <a:cxnLst/>
+          <a:rect l="0" t="0" r="0" b="0"/>
+          <a:pathLst>
+            <a:path>
+              <a:moveTo>
+                <a:pt x="0" y="0"/>
+              </a:moveTo>
+              <a:lnTo>
+                <a:pt x="0" y="144595"/>
+              </a:lnTo>
+              <a:lnTo>
+                <a:pt x="352452" y="144595"/>
+              </a:lnTo>
+              <a:lnTo>
+                <a:pt x="352452" y="289191"/>
+              </a:lnTo>
+            </a:path>
+          </a:pathLst>
+        </a:custGeom>
+        <a:noFill/>
+        <a:ln w="19050" cap="flat" cmpd="sng" algn="ctr">
+          <a:solidFill>
+            <a:schemeClr val="accent1">
+              <a:shade val="60000"/>
+              <a:hueOff val="0"/>
+              <a:satOff val="0"/>
+              <a:lumOff val="0"/>
+              <a:alphaOff val="0"/>
+            </a:schemeClr>
+          </a:solidFill>
+          <a:prstDash val="solid"/>
+        </a:ln>
+        <a:effectLst/>
+      </dsp:spPr>
+      <dsp:style>
+        <a:lnRef idx="2">
+          <a:scrgbClr r="0" g="0" b="0"/>
+        </a:lnRef>
+        <a:fillRef idx="0">
+          <a:scrgbClr r="0" g="0" b="0"/>
+        </a:fillRef>
+        <a:effectRef idx="0">
+          <a:scrgbClr r="0" g="0" b="0"/>
+        </a:effectRef>
+        <a:fontRef idx="minor"/>
+      </dsp:style>
+    </dsp:sp>
+    <dsp:sp modelId="{558BB4EE-B293-4D5B-A5B0-815FA307C224}">
+      <dsp:nvSpPr>
+        <dsp:cNvPr id="0" name=""/>
+        <dsp:cNvSpPr/>
+      </dsp:nvSpPr>
+      <dsp:spPr>
+        <a:xfrm>
+          <a:off x="3774036" y="1012757"/>
+          <a:ext cx="1084467" cy="722978"/>
+        </a:xfrm>
+        <a:prstGeom prst="roundRect">
+          <a:avLst>
+            <a:gd name="adj" fmla="val 10000"/>
+          </a:avLst>
+        </a:prstGeom>
+        <a:solidFill>
+          <a:schemeClr val="accent1">
+            <a:hueOff val="0"/>
+            <a:satOff val="0"/>
+            <a:lumOff val="0"/>
+            <a:alphaOff val="0"/>
+          </a:schemeClr>
+        </a:solidFill>
+        <a:ln w="19050" cap="flat" cmpd="sng" algn="ctr">
+          <a:solidFill>
+            <a:schemeClr val="lt1">
+              <a:hueOff val="0"/>
+              <a:satOff val="0"/>
+              <a:lumOff val="0"/>
+              <a:alphaOff val="0"/>
+            </a:schemeClr>
+          </a:solidFill>
+          <a:prstDash val="solid"/>
+        </a:ln>
+        <a:effectLst/>
+      </dsp:spPr>
+      <dsp:style>
+        <a:lnRef idx="2">
+          <a:scrgbClr r="0" g="0" b="0"/>
+        </a:lnRef>
+        <a:fillRef idx="1">
+          <a:scrgbClr r="0" g="0" b="0"/>
+        </a:fillRef>
+        <a:effectRef idx="0">
+          <a:scrgbClr r="0" g="0" b="0"/>
+        </a:effectRef>
+        <a:fontRef idx="minor">
+          <a:schemeClr val="lt1"/>
+        </a:fontRef>
+      </dsp:style>
+      <dsp:txBody>
+        <a:bodyPr spcFirstLastPara="0" vert="horz" wrap="square" lIns="45720" tIns="45720" rIns="45720" bIns="45720" numCol="1" spcCol="1270" anchor="ctr" anchorCtr="0">
+          <a:noAutofit/>
+        </a:bodyPr>
+        <a:lstStyle/>
+        <a:p>
+          <a:pPr lvl="0" algn="ctr" defTabSz="533400">
+            <a:lnSpc>
+              <a:spcPct val="90000"/>
+            </a:lnSpc>
+            <a:spcBef>
+              <a:spcPct val="0"/>
+            </a:spcBef>
+            <a:spcAft>
+              <a:spcPct val="35000"/>
+            </a:spcAft>
+          </a:pPr>
+          <a:r>
+            <a:rPr lang="es-ES" sz="1200" kern="1200" dirty="0" smtClean="0"/>
+            <a:t>Proyecto 2</a:t>
+          </a:r>
+          <a:endParaRPr lang="es-ES" sz="1200" kern="1200" dirty="0"/>
+        </a:p>
+      </dsp:txBody>
+      <dsp:txXfrm>
+        <a:off x="3795211" y="1033932"/>
+        <a:ext cx="1042117" cy="680628"/>
+      </dsp:txXfrm>
+    </dsp:sp>
+    <dsp:sp modelId="{89E60071-E2DA-4F11-AD68-4CCFCD9F95EC}">
+      <dsp:nvSpPr>
+        <dsp:cNvPr id="0" name=""/>
+        <dsp:cNvSpPr/>
+      </dsp:nvSpPr>
+      <dsp:spPr>
+        <a:xfrm>
+          <a:off x="4270550" y="1735735"/>
+          <a:ext cx="91440" cy="289191"/>
+        </a:xfrm>
+        <a:custGeom>
+          <a:avLst/>
+          <a:gdLst/>
+          <a:ahLst/>
+          <a:cxnLst/>
+          <a:rect l="0" t="0" r="0" b="0"/>
+          <a:pathLst>
+            <a:path>
+              <a:moveTo>
+                <a:pt x="45720" y="0"/>
+              </a:moveTo>
+              <a:lnTo>
+                <a:pt x="45720" y="289191"/>
+              </a:lnTo>
+            </a:path>
+          </a:pathLst>
+        </a:custGeom>
+        <a:noFill/>
+        <a:ln w="19050" cap="flat" cmpd="sng" algn="ctr">
+          <a:solidFill>
+            <a:schemeClr val="accent1">
+              <a:shade val="80000"/>
+              <a:hueOff val="0"/>
+              <a:satOff val="0"/>
+              <a:lumOff val="0"/>
+              <a:alphaOff val="0"/>
+            </a:schemeClr>
+          </a:solidFill>
+          <a:prstDash val="solid"/>
+        </a:ln>
+        <a:effectLst/>
+      </dsp:spPr>
+      <dsp:style>
+        <a:lnRef idx="2">
+          <a:scrgbClr r="0" g="0" b="0"/>
+        </a:lnRef>
+        <a:fillRef idx="0">
+          <a:scrgbClr r="0" g="0" b="0"/>
+        </a:fillRef>
+        <a:effectRef idx="0">
+          <a:scrgbClr r="0" g="0" b="0"/>
+        </a:effectRef>
+        <a:fontRef idx="minor"/>
+      </dsp:style>
+    </dsp:sp>
+    <dsp:sp modelId="{FD1325DF-C167-45D2-91BE-F1C5AED0E2DD}">
+      <dsp:nvSpPr>
+        <dsp:cNvPr id="0" name=""/>
+        <dsp:cNvSpPr/>
+      </dsp:nvSpPr>
+      <dsp:spPr>
+        <a:xfrm>
+          <a:off x="3774036" y="2024927"/>
+          <a:ext cx="1084467" cy="722978"/>
+        </a:xfrm>
+        <a:prstGeom prst="roundRect">
+          <a:avLst>
+            <a:gd name="adj" fmla="val 10000"/>
+          </a:avLst>
+        </a:prstGeom>
+        <a:solidFill>
+          <a:schemeClr val="accent1">
+            <a:hueOff val="0"/>
+            <a:satOff val="0"/>
+            <a:lumOff val="0"/>
+            <a:alphaOff val="0"/>
+          </a:schemeClr>
+        </a:solidFill>
+        <a:ln w="19050" cap="flat" cmpd="sng" algn="ctr">
+          <a:solidFill>
+            <a:schemeClr val="lt1">
+              <a:hueOff val="0"/>
+              <a:satOff val="0"/>
+              <a:lumOff val="0"/>
+              <a:alphaOff val="0"/>
+            </a:schemeClr>
+          </a:solidFill>
+          <a:prstDash val="solid"/>
+        </a:ln>
+        <a:effectLst/>
+      </dsp:spPr>
+      <dsp:style>
+        <a:lnRef idx="2">
+          <a:scrgbClr r="0" g="0" b="0"/>
+        </a:lnRef>
+        <a:fillRef idx="1">
+          <a:scrgbClr r="0" g="0" b="0"/>
+        </a:fillRef>
+        <a:effectRef idx="0">
+          <a:scrgbClr r="0" g="0" b="0"/>
+        </a:effectRef>
+        <a:fontRef idx="minor">
+          <a:schemeClr val="lt1"/>
+        </a:fontRef>
+      </dsp:style>
+      <dsp:txBody>
+        <a:bodyPr spcFirstLastPara="0" vert="horz" wrap="square" lIns="45720" tIns="45720" rIns="45720" bIns="45720" numCol="1" spcCol="1270" anchor="ctr" anchorCtr="0">
+          <a:noAutofit/>
+        </a:bodyPr>
+        <a:lstStyle/>
+        <a:p>
+          <a:pPr lvl="0" algn="ctr" defTabSz="533400">
+            <a:lnSpc>
+              <a:spcPct val="90000"/>
+            </a:lnSpc>
+            <a:spcBef>
+              <a:spcPct val="0"/>
+            </a:spcBef>
+            <a:spcAft>
+              <a:spcPct val="35000"/>
+            </a:spcAft>
+          </a:pPr>
+          <a:r>
+            <a:rPr lang="es-ES" sz="1200" kern="1200" dirty="0" smtClean="0"/>
+            <a:t>README.txt</a:t>
+          </a:r>
+          <a:endParaRPr lang="es-ES" sz="1200" kern="1200" dirty="0"/>
+        </a:p>
+      </dsp:txBody>
+      <dsp:txXfrm>
+        <a:off x="3795211" y="2046102"/>
+        <a:ext cx="1042117" cy="680628"/>
+      </dsp:txXfrm>
+    </dsp:sp>
+    <dsp:sp modelId="{EF60CD8F-B668-4DD1-A6F4-AA9B154A34E3}">
+      <dsp:nvSpPr>
+        <dsp:cNvPr id="0" name=""/>
+        <dsp:cNvSpPr/>
+      </dsp:nvSpPr>
+      <dsp:spPr>
+        <a:xfrm>
+          <a:off x="3963818" y="723565"/>
+          <a:ext cx="1762260" cy="289191"/>
+        </a:xfrm>
+        <a:custGeom>
+          <a:avLst/>
+          <a:gdLst/>
+          <a:ahLst/>
+          <a:cxnLst/>
+          <a:rect l="0" t="0" r="0" b="0"/>
+          <a:pathLst>
+            <a:path>
+              <a:moveTo>
+                <a:pt x="0" y="0"/>
+              </a:moveTo>
+              <a:lnTo>
+                <a:pt x="0" y="144595"/>
+              </a:lnTo>
+              <a:lnTo>
+                <a:pt x="1762260" y="144595"/>
+              </a:lnTo>
+              <a:lnTo>
+                <a:pt x="1762260" y="289191"/>
+              </a:lnTo>
+            </a:path>
+          </a:pathLst>
+        </a:custGeom>
+        <a:noFill/>
+        <a:ln w="19050" cap="flat" cmpd="sng" algn="ctr">
+          <a:solidFill>
+            <a:schemeClr val="accent1">
+              <a:shade val="60000"/>
+              <a:hueOff val="0"/>
+              <a:satOff val="0"/>
+              <a:lumOff val="0"/>
+              <a:alphaOff val="0"/>
+            </a:schemeClr>
+          </a:solidFill>
+          <a:prstDash val="solid"/>
+        </a:ln>
+        <a:effectLst/>
+      </dsp:spPr>
+      <dsp:style>
+        <a:lnRef idx="2">
+          <a:scrgbClr r="0" g="0" b="0"/>
+        </a:lnRef>
+        <a:fillRef idx="0">
+          <a:scrgbClr r="0" g="0" b="0"/>
+        </a:fillRef>
+        <a:effectRef idx="0">
+          <a:scrgbClr r="0" g="0" b="0"/>
+        </a:effectRef>
+        <a:fontRef idx="minor"/>
+      </dsp:style>
+    </dsp:sp>
+    <dsp:sp modelId="{CB5B0711-9068-4D08-A32D-0ED9F95DB1B2}">
+      <dsp:nvSpPr>
+        <dsp:cNvPr id="0" name=""/>
+        <dsp:cNvSpPr/>
+      </dsp:nvSpPr>
+      <dsp:spPr>
+        <a:xfrm>
+          <a:off x="5183844" y="1012757"/>
+          <a:ext cx="1084467" cy="722978"/>
+        </a:xfrm>
+        <a:prstGeom prst="roundRect">
+          <a:avLst>
+            <a:gd name="adj" fmla="val 10000"/>
+          </a:avLst>
+        </a:prstGeom>
+        <a:solidFill>
+          <a:schemeClr val="accent1">
+            <a:hueOff val="0"/>
+            <a:satOff val="0"/>
+            <a:lumOff val="0"/>
+            <a:alphaOff val="0"/>
+          </a:schemeClr>
+        </a:solidFill>
+        <a:ln w="19050" cap="flat" cmpd="sng" algn="ctr">
+          <a:solidFill>
+            <a:schemeClr val="lt1">
+              <a:hueOff val="0"/>
+              <a:satOff val="0"/>
+              <a:lumOff val="0"/>
+              <a:alphaOff val="0"/>
+            </a:schemeClr>
+          </a:solidFill>
+          <a:prstDash val="solid"/>
+        </a:ln>
+        <a:effectLst/>
+      </dsp:spPr>
+      <dsp:style>
+        <a:lnRef idx="2">
+          <a:scrgbClr r="0" g="0" b="0"/>
+        </a:lnRef>
+        <a:fillRef idx="1">
+          <a:scrgbClr r="0" g="0" b="0"/>
+        </a:fillRef>
+        <a:effectRef idx="0">
+          <a:scrgbClr r="0" g="0" b="0"/>
+        </a:effectRef>
+        <a:fontRef idx="minor">
+          <a:schemeClr val="lt1"/>
+        </a:fontRef>
+      </dsp:style>
+      <dsp:txBody>
+        <a:bodyPr spcFirstLastPara="0" vert="horz" wrap="square" lIns="45720" tIns="45720" rIns="45720" bIns="45720" numCol="1" spcCol="1270" anchor="ctr" anchorCtr="0">
+          <a:noAutofit/>
+        </a:bodyPr>
+        <a:lstStyle/>
+        <a:p>
+          <a:pPr lvl="0" algn="ctr" defTabSz="533400">
+            <a:lnSpc>
+              <a:spcPct val="90000"/>
+            </a:lnSpc>
+            <a:spcBef>
+              <a:spcPct val="0"/>
+            </a:spcBef>
+            <a:spcAft>
+              <a:spcPct val="35000"/>
+            </a:spcAft>
+          </a:pPr>
+          <a:r>
+            <a:rPr lang="es-ES" sz="1200" kern="1200" dirty="0" smtClean="0"/>
+            <a:t>MisDatos.txt</a:t>
+          </a:r>
+          <a:endParaRPr lang="es-ES" sz="1200" kern="1200" dirty="0"/>
+        </a:p>
+      </dsp:txBody>
+      <dsp:txXfrm>
+        <a:off x="5205019" y="1033932"/>
+        <a:ext cx="1042117" cy="680628"/>
+      </dsp:txXfrm>
+    </dsp:sp>
+  </dsp:spTree>
+</dsp:drawing>
+</file>
+
+<file path=ppt/diagrams/layout1.xml><?xml version="1.0" encoding="utf-8"?>
+<dgm:layoutDef xmlns:dgm="http://schemas.openxmlformats.org/drawingml/2006/diagram" xmlns:a="http://schemas.openxmlformats.org/drawingml/2006/main" uniqueId="urn:microsoft.com/office/officeart/2005/8/layout/hierarchy6">
+  <dgm:title val=""/>
+  <dgm:desc val=""/>
+  <dgm:catLst>
+    <dgm:cat type="hierarchy" pri="3000"/>
+  </dgm:catLst>
+  <dgm:sampData>
+    <dgm:dataModel>
+      <dgm:ptLst>
+        <dgm:pt modelId="0" type="doc"/>
+        <dgm:pt modelId="1">
+          <dgm:prSet phldr="1"/>
+        </dgm:pt>
+        <dgm:pt modelId="2">
+          <dgm:prSet phldr="1"/>
+        </dgm:pt>
+        <dgm:pt modelId="21">
+          <dgm:prSet phldr="1"/>
+        </dgm:pt>
+        <dgm:pt modelId="22">
+          <dgm:prSet phldr="1"/>
+        </dgm:pt>
+        <dgm:pt modelId="3">
+          <dgm:prSet phldr="1"/>
+        </dgm:pt>
+        <dgm:pt modelId="31">
+          <dgm:prSet phldr="1"/>
+        </dgm:pt>
+        <dgm:pt modelId="4">
+          <dgm:prSet phldr="1"/>
+        </dgm:pt>
+        <dgm:pt modelId="5">
+          <dgm:prSet phldr="1"/>
+        </dgm:pt>
+        <dgm:pt modelId="6">
+          <dgm:prSet phldr="1"/>
+        </dgm:pt>
+      </dgm:ptLst>
+      <dgm:cxnLst>
+        <dgm:cxn modelId="7" srcId="0" destId="1" srcOrd="0" destOrd="0"/>
+        <dgm:cxn modelId="8" srcId="1" destId="2" srcOrd="0" destOrd="0"/>
+        <dgm:cxn modelId="9" srcId="1" destId="3" srcOrd="1" destOrd="0"/>
+        <dgm:cxn modelId="23" srcId="2" destId="21" srcOrd="0" destOrd="0"/>
+        <dgm:cxn modelId="24" srcId="2" destId="22" srcOrd="1" destOrd="0"/>
+        <dgm:cxn modelId="33" srcId="3" destId="31" srcOrd="0" destOrd="0"/>
+        <dgm:cxn modelId="10" srcId="0" destId="4" srcOrd="1" destOrd="0"/>
+        <dgm:cxn modelId="11" srcId="0" destId="5" srcOrd="2" destOrd="0"/>
+        <dgm:cxn modelId="12" srcId="0" destId="6" srcOrd="3" destOrd="0"/>
+      </dgm:cxnLst>
+      <dgm:bg/>
+      <dgm:whole/>
+    </dgm:dataModel>
+  </dgm:sampData>
+  <dgm:styleData>
+    <dgm:dataModel>
+      <dgm:ptLst>
+        <dgm:pt modelId="0" type="doc"/>
+        <dgm:pt modelId="1"/>
+        <dgm:pt modelId="11"/>
+        <dgm:pt modelId="12"/>
+        <dgm:pt modelId="2"/>
+        <dgm:pt modelId="3"/>
+      </dgm:ptLst>
+      <dgm:cxnLst>
+        <dgm:cxn modelId="4" srcId="0" destId="1" srcOrd="0" destOrd="0"/>
+        <dgm:cxn modelId="13" srcId="1" destId="11" srcOrd="0" destOrd="0"/>
+        <dgm:cxn modelId="14" srcId="1" destId="12" srcOrd="1" destOrd="0"/>
+        <dgm:cxn modelId="5" srcId="0" destId="2" srcOrd="1" destOrd="0"/>
+        <dgm:cxn modelId="6" srcId="0" destId="3" srcOrd="2" destOrd="0"/>
+      </dgm:cxnLst>
+      <dgm:bg/>
+      <dgm:whole/>
+    </dgm:dataModel>
+  </dgm:styleData>
+  <dgm:clrData>
+    <dgm:dataModel>
+      <dgm:ptLst>
+        <dgm:pt modelId="0" type="doc"/>
+        <dgm:pt modelId="1"/>
+        <dgm:pt modelId="2"/>
+        <dgm:pt modelId="21"/>
+        <dgm:pt modelId="211"/>
+        <dgm:pt modelId="3"/>
+        <dgm:pt modelId="31"/>
+        <dgm:pt modelId="311"/>
+        <dgm:pt modelId="4"/>
+        <dgm:pt modelId="5"/>
+        <dgm:pt modelId="6"/>
+        <dgm:pt modelId="7"/>
+      </dgm:ptLst>
+      <dgm:cxnLst>
+        <dgm:cxn modelId="8" srcId="0" destId="1" srcOrd="0" destOrd="0"/>
+        <dgm:cxn modelId="9" srcId="1" destId="2" srcOrd="0" destOrd="0"/>
+        <dgm:cxn modelId="10" srcId="1" destId="3" srcOrd="1" destOrd="0"/>
+        <dgm:cxn modelId="23" srcId="2" destId="21" srcOrd="0" destOrd="0"/>
+        <dgm:cxn modelId="24" srcId="21" destId="211" srcOrd="0" destOrd="0"/>
+        <dgm:cxn modelId="33" srcId="3" destId="31" srcOrd="0" destOrd="0"/>
+        <dgm:cxn modelId="34" srcId="31" destId="311" srcOrd="0" destOrd="0"/>
+        <dgm:cxn modelId="11" srcId="0" destId="4" srcOrd="1" destOrd="0"/>
+        <dgm:cxn modelId="12" srcId="0" destId="5" srcOrd="2" destOrd="0"/>
+        <dgm:cxn modelId="13" srcId="0" destId="6" srcOrd="3" destOrd="0"/>
+        <dgm:cxn modelId="14" srcId="0" destId="7" srcOrd="4" destOrd="0"/>
+      </dgm:cxnLst>
+      <dgm:bg/>
+      <dgm:whole/>
+    </dgm:dataModel>
+  </dgm:clrData>
+  <dgm:layoutNode name="mainComposite">
+    <dgm:varLst>
+      <dgm:chPref val="1"/>
+      <dgm:dir/>
+      <dgm:animOne val="branch"/>
+      <dgm:animLvl val="lvl"/>
+      <dgm:resizeHandles val="exact"/>
+    </dgm:varLst>
+    <dgm:alg type="composite">
+      <dgm:param type="vertAlign" val="mid"/>
+      <dgm:param type="horzAlign" val="ctr"/>
+    </dgm:alg>
+    <dgm:shape xmlns:r="http://schemas.openxmlformats.org/officeDocument/2006/relationships" r:blip="">
+      <dgm:adjLst/>
+    </dgm:shape>
+    <dgm:presOf/>
+    <dgm:choose name="Name0">
+      <dgm:if name="Name1" axis="ch" ptType="node" func="cnt" op="gte" val="2">
+        <dgm:choose name="Name2">
+          <dgm:if name="Name3" func="var" arg="dir" op="equ" val="norm">
+            <dgm:constrLst>
+              <dgm:constr type="l" for="ch" forName="hierFlow" refType="w" fact="0.3"/>
+              <dgm:constr type="t" for="ch" forName="hierFlow"/>
+              <dgm:constr type="r" for="ch" forName="hierFlow" refType="w" fact="0.98"/>
+              <dgm:constr type="b" for="ch" forName="hierFlow" refType="h" fact="0.98"/>
+              <dgm:constr type="l" for="ch" forName="bgShapesFlow"/>
+              <dgm:constr type="t" for="ch" forName="bgShapesFlow"/>
+              <dgm:constr type="r" for="ch" forName="bgShapesFlow" refType="w"/>
+              <dgm:constr type="b" for="ch" forName="bgShapesFlow" refType="h"/>
+              <dgm:constr type="w" for="des" forName="level1Shape" refType="w"/>
+              <dgm:constr type="h" for="des" forName="level1Shape" refType="w" refFor="des" refForName="level1Shape" fact="0.66667"/>
+              <dgm:constr type="w" for="des" forName="level2Shape" refType="w" refFor="des" refForName="level1Shape" op="equ"/>
+              <dgm:constr type="h" for="des" forName="level2Shape" refType="h" refFor="des" refForName="level1Shape" op="equ"/>
+              <dgm:constr type="sp" for="des" refType="h" refFor="des" refForName="level1Shape" op="equ" fact="0.4"/>
+              <dgm:constr type="sibSp" for="des" forName="hierChild1" refType="w" refFor="des" refForName="level1Shape" op="equ" fact="0.3"/>
+              <dgm:constr type="sibSp" for="des" forName="hierChild2" refType="sibSp" refFor="des" refForName="hierChild1" op="equ"/>
+              <dgm:constr type="sibSp" for="des" forName="hierChild3" refType="sibSp" refFor="des" refForName="hierChild1" op="equ"/>
+              <dgm:constr type="userA" for="des" refType="h" refFor="des" refForName="level1Shape" op="equ"/>
+              <dgm:constr type="userB" for="des" refType="sp" refFor="des" op="equ"/>
+              <dgm:constr type="h" for="des" forName="firstBuf" refType="h" refFor="des" refForName="level1Shape" fact="0.1"/>
+            </dgm:constrLst>
+          </dgm:if>
+          <dgm:else name="Name4">
+            <dgm:constrLst>
+              <dgm:constr type="l" for="ch" forName="hierFlow" refType="w" fact="0.02"/>
+              <dgm:constr type="t" for="ch" forName="hierFlow"/>
+              <dgm:constr type="r" for="ch" forName="hierFlow" refType="w" fact="0.7"/>
+              <dgm:constr type="b" for="ch" forName="hierFlow" refType="h" fact="0.98"/>
+              <dgm:constr type="l" for="ch" forName="bgShapesFlow"/>
+              <dgm:constr type="t" for="ch" forName="bgShapesFlow"/>
+              <dgm:constr type="r" for="ch" forName="bgShapesFlow" refType="w"/>
+              <dgm:constr type="b" for="ch" forName="bgShapesFlow" refType="h"/>
+              <dgm:constr type="w" for="des" forName="level1Shape" refType="w"/>
+              <dgm:constr type="h" for="des" forName="level1Shape" refType="w" refFor="des" refForName="level1Shape" fact="0.66667"/>
+              <dgm:constr type="w" for="des" forName="level2Shape" refType="w" refFor="des" refForName="level1Shape" op="equ"/>
+              <dgm:constr type="h" for="des" forName="level2Shape" refType="h" refFor="des" refForName="level1Shape" op="equ"/>
+              <dgm:constr type="sp" for="des" refType="h" refFor="des" refForName="level1Shape" op="equ" fact="0.4"/>
+              <dgm:constr type="sibSp" for="des" forName="hierChild1" refType="w" refFor="des" refForName="level1Shape" op="equ" fact="0.3"/>
+              <dgm:constr type="sibSp" for="des" forName="hierChild2" refType="sibSp" refFor="des" refForName="hierChild1" op="equ"/>
+              <dgm:constr type="sibSp" for="des" forName="hierChild3" refType="sibSp" refFor="des" refForName="hierChild1" op="equ"/>
+              <dgm:constr type="userA" for="des" refType="h" refFor="des" refForName="level1Shape" op="equ"/>
+              <dgm:constr type="userB" for="des" refType="sp" refFor="des" op="equ"/>
+              <dgm:constr type="h" for="des" forName="firstBuf" refType="h" refFor="des" refForName="level1Shape" fact="0.1"/>
+            </dgm:constrLst>
+          </dgm:else>
+        </dgm:choose>
+      </dgm:if>
+      <dgm:else name="Name5">
+        <dgm:constrLst>
+          <dgm:constr type="l" for="ch" forName="hierFlow"/>
+          <dgm:constr type="t" for="ch" forName="hierFlow"/>
+          <dgm:constr type="r" for="ch" forName="hierFlow" refType="w"/>
+          <dgm:constr type="b" for="ch" forName="hierFlow" refType="h"/>
+          <dgm:constr type="l" for="ch" forName="bgShapesFlow"/>
+          <dgm:constr type="t" for="ch" forName="bgShapesFlow"/>
+          <dgm:constr type="r" for="ch" forName="bgShapesFlow" refType="w"/>
+          <dgm:constr type="b" for="ch" forName="bgShapesFlow" refType="h"/>
+          <dgm:constr type="w" for="des" forName="level1Shape" refType="w"/>
+          <dgm:constr type="h" for="des" forName="level1Shape" refType="w" refFor="des" refForName="level1Shape" fact="0.66667"/>
+          <dgm:constr type="w" for="des" forName="level2Shape" refType="w" refFor="des" refForName="level1Shape" op="equ"/>
+          <dgm:constr type="h" for="des" forName="level2Shape" refType="h" refFor="des" refForName="level1Shape" op="equ"/>
+          <dgm:constr type="sp" for="des" refType="h" refFor="des" refForName="level1Shape" op="equ" fact="0.4"/>
+          <dgm:constr type="sibSp" for="des" forName="hierChild1" refType="w" refFor="des" refForName="level1Shape" op="equ" fact="0.3"/>
+          <dgm:constr type="sibSp" for="des" forName="hierChild2" refType="sibSp" refFor="des" refForName="hierChild1" op="equ"/>
+          <dgm:constr type="sibSp" for="des" forName="hierChild3" refType="sibSp" refFor="des" refForName="hierChild1" op="equ"/>
+          <dgm:constr type="userA" for="des" refType="h" refFor="des" refForName="level1Shape" op="equ"/>
+          <dgm:constr type="userB" for="des" refType="sp" refFor="des" op="equ"/>
+          <dgm:constr type="h" for="des" forName="firstBuf" refType="h" refFor="des" refForName="level1Shape" fact="0.1"/>
+        </dgm:constrLst>
+      </dgm:else>
+    </dgm:choose>
+    <dgm:ruleLst/>
+    <dgm:layoutNode name="hierFlow">
+      <dgm:alg type="lin">
+        <dgm:param type="linDir" val="fromT"/>
+        <dgm:param type="nodeVertAlign" val="t"/>
+        <dgm:param type="vertAlign" val="t"/>
+        <dgm:param type="nodeHorzAlign" val="ctr"/>
+        <dgm:param type="fallback" val="2D"/>
+      </dgm:alg>
+      <dgm:shape xmlns:r="http://schemas.openxmlformats.org/officeDocument/2006/relationships" r:blip="">
+        <dgm:adjLst/>
+      </dgm:shape>
+      <dgm:presOf/>
+      <dgm:constrLst/>
+      <dgm:ruleLst/>
+      <dgm:choose name="Name6">
+        <dgm:if name="Name7" axis="ch" ptType="node" func="cnt" op="gte" val="2">
+          <dgm:layoutNode name="firstBuf">
+            <dgm:alg type="sp"/>
+            <dgm:shape xmlns:r="http://schemas.openxmlformats.org/officeDocument/2006/relationships" r:blip="">
+              <dgm:adjLst/>
+            </dgm:shape>
+            <dgm:presOf/>
+            <dgm:constrLst/>
+            <dgm:ruleLst/>
+          </dgm:layoutNode>
+        </dgm:if>
+        <dgm:else name="Name8"/>
+      </dgm:choose>
+      <dgm:layoutNode name="hierChild1">
+        <dgm:varLst>
+          <dgm:chPref val="1"/>
+          <dgm:animOne val="branch"/>
+          <dgm:animLvl val="lvl"/>
+        </dgm:varLst>
+        <dgm:choose name="Name9">
+          <dgm:if name="Name10" func="var" arg="dir" op="equ" val="norm">
+            <dgm:alg type="hierChild">
+              <dgm:param type="linDir" val="fromL"/>
+              <dgm:param type="vertAlign" val="t"/>
+            </dgm:alg>
+          </dgm:if>
+          <dgm:else name="Name11">
+            <dgm:alg type="hierChild">
+              <dgm:param type="linDir" val="fromR"/>
+              <dgm:param type="vertAlign" val="t"/>
+            </dgm:alg>
+          </dgm:else>
+        </dgm:choose>
+        <dgm:shape xmlns:r="http://schemas.openxmlformats.org/officeDocument/2006/relationships" r:blip="">
+          <dgm:adjLst/>
+        </dgm:shape>
+        <dgm:presOf/>
+        <dgm:constrLst>
+          <dgm:constr type="primFontSz" for="des" ptType="node" op="equ"/>
+        </dgm:constrLst>
+        <dgm:ruleLst/>
+        <dgm:forEach name="Name12" axis="ch" cnt="3">
+          <dgm:forEach name="Name13" axis="self" ptType="node">
+            <dgm:layoutNode name="Name14">
+              <dgm:alg type="hierRoot"/>
+              <dgm:shape xmlns:r="http://schemas.openxmlformats.org/officeDocument/2006/relationships" r:blip="">
+                <dgm:adjLst/>
+              </dgm:shape>
+              <dgm:presOf/>
+              <dgm:constrLst/>
+              <dgm:ruleLst/>
+              <dgm:layoutNode name="level1Shape" styleLbl="node0">
+                <dgm:varLst>
+                  <dgm:chPref val="3"/>
+                </dgm:varLst>
+                <dgm:alg type="tx"/>
+                <dgm:shape xmlns:r="http://schemas.openxmlformats.org/officeDocument/2006/relationships" type="roundRect" r:blip="">
+                  <dgm:adjLst>
+                    <dgm:adj idx="1" val="0.1"/>
+                  </dgm:adjLst>
+                </dgm:shape>
+                <dgm:presOf axis="self"/>
+                <dgm:constrLst>
+                  <dgm:constr type="primFontSz" val="65"/>
+                  <dgm:constr type="tMarg" refType="primFontSz" fact="0.3"/>
+                  <dgm:constr type="bMarg" refType="primFontSz" fact="0.3"/>
+                  <dgm:constr type="lMarg" refType="primFontSz" fact="0.3"/>
+                  <dgm:constr type="rMarg" refType="primFontSz" fact="0.3"/>
+                </dgm:constrLst>
+                <dgm:ruleLst>
+                  <dgm:rule type="primFontSz" val="5" fact="NaN" max="NaN"/>
+                </dgm:ruleLst>
+              </dgm:layoutNode>
+              <dgm:layoutNode name="hierChild2">
+                <dgm:choose name="Name15">
+                  <dgm:if name="Name16" func="var" arg="dir" op="equ" val="norm">
+                    <dgm:alg type="hierChild">
+                      <dgm:param type="linDir" val="fromL"/>
+                    </dgm:alg>
+                  </dgm:if>
+                  <dgm:else name="Name17">
+                    <dgm:alg type="hierChild">
+                      <dgm:param type="linDir" val="fromR"/>
+                    </dgm:alg>
+                  </dgm:else>
+                </dgm:choose>
+                <dgm:shape xmlns:r="http://schemas.openxmlformats.org/officeDocument/2006/relationships" r:blip="">
+                  <dgm:adjLst/>
+                </dgm:shape>
+                <dgm:presOf/>
+                <dgm:constrLst/>
+                <dgm:ruleLst/>
+                <dgm:forEach name="repeat" axis="ch">
+                  <dgm:forEach name="Name18" axis="self" ptType="parTrans" cnt="1">
+                    <dgm:layoutNode name="Name19">
+                      <dgm:alg type="conn">
+                        <dgm:param type="dim" val="1D"/>
+                        <dgm:param type="endSty" val="noArr"/>
+                        <dgm:param type="connRout" val="bend"/>
+                        <dgm:param type="begPts" val="bCtr"/>
+                        <dgm:param type="endPts" val="tCtr"/>
+                      </dgm:alg>
+                      <dgm:shape xmlns:r="http://schemas.openxmlformats.org/officeDocument/2006/relationships" type="conn" r:blip="">
+                        <dgm:adjLst/>
+                      </dgm:shape>
+                      <dgm:presOf axis="self"/>
+                      <dgm:constrLst>
+                        <dgm:constr type="w" val="1"/>
+                        <dgm:constr type="h" val="1"/>
+                        <dgm:constr type="begPad"/>
+                        <dgm:constr type="endPad"/>
+                      </dgm:constrLst>
+                      <dgm:ruleLst/>
+                    </dgm:layoutNode>
+                  </dgm:forEach>
+                  <dgm:forEach name="Name20" axis="self" ptType="node">
+                    <dgm:layoutNode name="Name21">
+                      <dgm:alg type="hierRoot"/>
+                      <dgm:shape xmlns:r="http://schemas.openxmlformats.org/officeDocument/2006/relationships" r:blip="">
+                        <dgm:adjLst/>
+                      </dgm:shape>
+                      <dgm:presOf/>
+                      <dgm:constrLst/>
+                      <dgm:ruleLst/>
+                      <dgm:layoutNode name="level2Shape">
+                        <dgm:alg type="tx"/>
+                        <dgm:shape xmlns:r="http://schemas.openxmlformats.org/officeDocument/2006/relationships" type="roundRect" r:blip="">
+                          <dgm:adjLst>
+                            <dgm:adj idx="1" val="0.1"/>
+                          </dgm:adjLst>
+                        </dgm:shape>
+                        <dgm:presOf axis="self"/>
+                        <dgm:constrLst>
+                          <dgm:constr type="primFontSz" val="65"/>
+                          <dgm:constr type="tMarg" refType="primFontSz" fact="0.3"/>
+                          <dgm:constr type="bMarg" refType="primFontSz" fact="0.3"/>
+                          <dgm:constr type="lMarg" refType="primFontSz" fact="0.3"/>
+                          <dgm:constr type="rMarg" refType="primFontSz" fact="0.3"/>
+                        </dgm:constrLst>
+                        <dgm:ruleLst>
+                          <dgm:rule type="primFontSz" val="5" fact="NaN" max="NaN"/>
+                        </dgm:ruleLst>
+                      </dgm:layoutNode>
+                      <dgm:layoutNode name="hierChild3">
+                        <dgm:choose name="Name22">
+                          <dgm:if name="Name23" func="var" arg="dir" op="equ" val="norm">
+                            <dgm:alg type="hierChild">
+                              <dgm:param type="linDir" val="fromL"/>
+                            </dgm:alg>
+                          </dgm:if>
+                          <dgm:else name="Name24">
+                            <dgm:alg type="hierChild">
+                              <dgm:param type="linDir" val="fromR"/>
+                            </dgm:alg>
+                          </dgm:else>
+                        </dgm:choose>
+                        <dgm:shape xmlns:r="http://schemas.openxmlformats.org/officeDocument/2006/relationships" r:blip="">
+                          <dgm:adjLst/>
+                        </dgm:shape>
+                        <dgm:presOf/>
+                        <dgm:constrLst/>
+                        <dgm:ruleLst/>
+                        <dgm:forEach name="Name25" ref="repeat"/>
+                      </dgm:layoutNode>
+                    </dgm:layoutNode>
+                  </dgm:forEach>
+                </dgm:forEach>
+              </dgm:layoutNode>
+            </dgm:layoutNode>
+          </dgm:forEach>
+        </dgm:forEach>
+      </dgm:layoutNode>
+    </dgm:layoutNode>
+    <dgm:layoutNode name="bgShapesFlow">
+      <dgm:alg type="lin">
+        <dgm:param type="linDir" val="fromT"/>
+        <dgm:param type="nodeVertAlign" val="t"/>
+        <dgm:param type="vertAlign" val="t"/>
+        <dgm:param type="nodeHorzAlign" val="ctr"/>
+      </dgm:alg>
+      <dgm:shape xmlns:r="http://schemas.openxmlformats.org/officeDocument/2006/relationships" r:blip="">
+        <dgm:adjLst/>
+      </dgm:shape>
+      <dgm:presOf/>
+      <dgm:constrLst>
+        <dgm:constr type="userB"/>
+        <dgm:constr type="w" for="ch" forName="rectComp" refType="w"/>
+        <dgm:constr type="h" for="ch" forName="rectComp" refType="h"/>
+        <dgm:constr type="w" for="des" forName="bgRect" refType="w"/>
+        <dgm:constr type="primFontSz" for="des" forName="bgRectTx" op="equ"/>
+      </dgm:constrLst>
+      <dgm:ruleLst/>
+      <dgm:forEach name="Name26" axis="ch" ptType="node" st="2">
+        <dgm:layoutNode name="rectComp">
+          <dgm:alg type="composite">
+            <dgm:param type="vertAlign" val="t"/>
+            <dgm:param type="horzAlign" val="ctr"/>
+          </dgm:alg>
+          <dgm:shape xmlns:r="http://schemas.openxmlformats.org/officeDocument/2006/relationships" r:blip="">
+            <dgm:adjLst/>
+          </dgm:shape>
+          <dgm:presOf/>
+          <dgm:choose name="Name27">
+            <dgm:if name="Name28" func="var" arg="dir" op="equ" val="norm">
+              <dgm:constrLst>
+                <dgm:constr type="userA"/>
+                <dgm:constr type="l" for="ch" forName="bgRect"/>
+                <dgm:constr type="t" for="ch" forName="bgRect"/>
+                <dgm:constr type="h" for="ch" forName="bgRect" refType="userA" fact="1.2"/>
+                <dgm:constr type="l" for="ch" forName="bgRectTx"/>
+                <dgm:constr type="t" for="ch" forName="bgRectTx"/>
+                <dgm:constr type="w" for="ch" forName="bgRectTx" refType="w" refFor="ch" refForName="bgRect" fact="0.3"/>
+                <dgm:constr type="h" for="ch" forName="bgRectTx" refType="h" refFor="ch" refForName="bgRect" op="equ"/>
+              </dgm:constrLst>
+            </dgm:if>
+            <dgm:else name="Name29">
+              <dgm:constrLst>
+                <dgm:constr type="userA"/>
+                <dgm:constr type="l" for="ch" forName="bgRect"/>
+                <dgm:constr type="t" for="ch" forName="bgRect"/>
+                <dgm:constr type="h" for="ch" forName="bgRect" refType="userA" fact="1.2"/>
+                <dgm:constr type="r" for="ch" forName="bgRectTx" refType="w"/>
+                <dgm:constr type="t" for="ch" forName="bgRectTx"/>
+                <dgm:constr type="w" for="ch" forName="bgRectTx" refType="w" refFor="ch" refForName="bgRect" fact="0.3"/>
+                <dgm:constr type="h" for="ch" forName="bgRectTx" refType="h" refFor="ch" refForName="bgRect" op="equ"/>
+              </dgm:constrLst>
+            </dgm:else>
+          </dgm:choose>
+          <dgm:ruleLst/>
+          <dgm:layoutNode name="bgRect" styleLbl="bgShp">
+            <dgm:alg type="sp"/>
+            <dgm:shape xmlns:r="http://schemas.openxmlformats.org/officeDocument/2006/relationships" type="roundRect" r:blip="" zOrderOff="-999">
+              <dgm:adjLst>
+                <dgm:adj idx="1" val="0.1"/>
+              </dgm:adjLst>
+            </dgm:shape>
+            <dgm:presOf axis="desOrSelf" ptType="node"/>
+            <dgm:constrLst/>
+            <dgm:ruleLst/>
+          </dgm:layoutNode>
+          <dgm:layoutNode name="bgRectTx" styleLbl="bgShp">
+            <dgm:varLst>
+              <dgm:bulletEnabled val="1"/>
+            </dgm:varLst>
+            <dgm:alg type="tx"/>
+            <dgm:presOf axis="desOrSelf" ptType="node"/>
+            <dgm:shape xmlns:r="http://schemas.openxmlformats.org/officeDocument/2006/relationships" type="rect" r:blip="" zOrderOff="-999" hideGeom="1">
+              <dgm:adjLst/>
+            </dgm:shape>
+            <dgm:constrLst>
+              <dgm:constr type="primFontSz" val="65"/>
+            </dgm:constrLst>
+            <dgm:ruleLst>
+              <dgm:rule type="primFontSz" val="5" fact="NaN" max="NaN"/>
+            </dgm:ruleLst>
+          </dgm:layoutNode>
+        </dgm:layoutNode>
+        <dgm:choose name="Name30">
+          <dgm:if name="Name31" axis="self" ptType="node" func="revPos" op="gte" val="2">
+            <dgm:layoutNode name="spComp">
+              <dgm:alg type="composite">
+                <dgm:param type="vertAlign" val="t"/>
+                <dgm:param type="horzAlign" val="ctr"/>
+              </dgm:alg>
+              <dgm:shape xmlns:r="http://schemas.openxmlformats.org/officeDocument/2006/relationships" r:blip="">
+                <dgm:adjLst/>
+              </dgm:shape>
+              <dgm:presOf/>
+              <dgm:constrLst>
+                <dgm:constr type="userA"/>
+                <dgm:constr type="userB"/>
+                <dgm:constr type="l" for="ch" forName="vSp"/>
+                <dgm:constr type="t" for="ch" forName="vSp"/>
+                <dgm:constr type="h" for="ch" forName="vSp" refType="userB"/>
+                <dgm:constr type="hOff" for="ch" forName="vSp" refType="userA" fact="-0.2"/>
+              </dgm:constrLst>
+              <dgm:ruleLst/>
+              <dgm:layoutNode name="vSp">
+                <dgm:alg type="sp"/>
+                <dgm:shape xmlns:r="http://schemas.openxmlformats.org/officeDocument/2006/relationships" r:blip="">
+                  <dgm:adjLst/>
+                </dgm:shape>
+                <dgm:presOf/>
+                <dgm:constrLst/>
+                <dgm:ruleLst/>
+              </dgm:layoutNode>
+            </dgm:layoutNode>
+          </dgm:if>
+          <dgm:else name="Name32"/>
+        </dgm:choose>
+      </dgm:forEach>
+    </dgm:layoutNode>
+  </dgm:layoutNode>
+</dgm:layoutDef>
+</file>
+
+<file path=ppt/diagrams/quickStyle1.xml><?xml version="1.0" encoding="utf-8"?>
+<dgm:styleDef xmlns:dgm="http://schemas.openxmlformats.org/drawingml/2006/diagram" xmlns:a="http://schemas.openxmlformats.org/drawingml/2006/main" uniqueId="urn:microsoft.com/office/officeart/2005/8/quickstyle/simple1">
+  <dgm:title val=""/>
+  <dgm:desc val=""/>
+  <dgm:catLst>
+    <dgm:cat type="simple" pri="10100"/>
+  </dgm:catLst>
+  <dgm:scene3d>
+    <a:camera prst="orthographicFront"/>
+    <a:lightRig rig="threePt" dir="t"/>
+  </dgm:scene3d>
+  <dgm:styleLbl name="node0">
+    <dgm:scene3d>
+      <a:camera prst="orthographicFront"/>
+      <a:lightRig rig="threePt" dir="t"/>
+    </dgm:scene3d>
+    <dgm:sp3d/>
+    <dgm:txPr/>
+    <dgm:style>
+      <a:lnRef idx="2">
+        <a:scrgbClr r="0" g="0" b="0"/>
+      </a:lnRef>
+      <a:fillRef idx="1">
+        <a:scrgbClr r="0" g="0" b="0"/>
+      </a:fillRef>
+      <a:effectRef idx="0">
+        <a:scrgbClr r="0" g="0" b="0"/>
+      </a:effectRef>
+      <a:fontRef idx="minor">
+        <a:schemeClr val="lt1"/>
+      </a:fontRef>
+    </dgm:style>
+  </dgm:styleLbl>
+  <dgm:styleLbl name="lnNode1">
+    <dgm:scene3d>
+      <a:camera prst="orthographicFront"/>
+      <a:lightRig rig="threePt" dir="t"/>
+    </dgm:scene3d>
+    <dgm:sp3d/>
+    <dgm:txPr/>
+    <dgm:style>
+      <a:lnRef idx="2">
+        <a:scrgbClr r="0" g="0" b="0"/>
+      </a:lnRef>
+      <a:fillRef idx="1">
+        <a:scrgbClr r="0" g="0" b="0"/>
+      </a:fillRef>
+      <a:effectRef idx="0">
+        <a:scrgbClr r="0" g="0" b="0"/>
+      </a:effectRef>
+      <a:fontRef idx="minor">
+        <a:schemeClr val="lt1"/>
+      </a:fontRef>
+    </dgm:style>
+  </dgm:styleLbl>
+  <dgm:styleLbl name="vennNode1">
+    <dgm:scene3d>
+      <a:camera prst="orthographicFront"/>
+      <a:lightRig rig="threePt" dir="t"/>
+    </dgm:scene3d>
+    <dgm:sp3d/>
+    <dgm:txPr/>
+    <dgm:style>
+      <a:lnRef idx="2">
+        <a:scrgbClr r="0" g="0" b="0"/>
+      </a:lnRef>
+      <a:fillRef idx="1">
+        <a:scrgbClr r="0" g="0" b="0"/>
+      </a:fillRef>
+      <a:effectRef idx="0">
+        <a:scrgbClr r="0" g="0" b="0"/>
+      </a:effectRef>
+      <a:fontRef idx="minor">
+        <a:schemeClr val="tx1"/>
+      </a:fontRef>
+    </dgm:style>
+  </dgm:styleLbl>
+  <dgm:styleLbl name="alignNode1">
+    <dgm:scene3d>
+      <a:camera prst="orthographicFront"/>
+      <a:lightRig rig="threePt" dir="t"/>
+    </dgm:scene3d>
+    <dgm:sp3d/>
+    <dgm:txPr/>
+    <dgm:style>
+      <a:lnRef idx="2">
+        <a:scrgbClr r="0" g="0" b="0"/>
+      </a:lnRef>
+      <a:fillRef idx="1">
+        <a:scrgbClr r="0" g="0" b="0"/>
+      </a:fillRef>
+      <a:effectRef idx="0">
+        <a:scrgbClr r="0" g="0" b="0"/>
+      </a:effectRef>
+      <a:fontRef idx="minor">
+        <a:schemeClr val="lt1"/>
+      </a:fontRef>
+    </dgm:style>
+  </dgm:styleLbl>
+  <dgm:styleLbl name="node1">
+    <dgm:scene3d>
+      <a:camera prst="orthographicFront"/>
+      <a:lightRig rig="threePt" dir="t"/>
+    </dgm:scene3d>
+    <dgm:sp3d/>
+    <dgm:txPr/>
+    <dgm:style>
+      <a:lnRef idx="2">
+        <a:scrgbClr r="0" g="0" b="0"/>
+      </a:lnRef>
+      <a:fillRef idx="1">
+        <a:scrgbClr r="0" g="0" b="0"/>
+      </a:fillRef>
+      <a:effectRef idx="0">
+        <a:scrgbClr r="0" g="0" b="0"/>
+      </a:effectRef>
+      <a:fontRef idx="minor">
+        <a:schemeClr val="lt1"/>
+      </a:fontRef>
+    </dgm:style>
+  </dgm:styleLbl>
+  <dgm:styleLbl name="node2">
+    <dgm:scene3d>
+      <a:camera prst="orthographicFront"/>
+      <a:lightRig rig="threePt" dir="t"/>
+    </dgm:scene3d>
+    <dgm:sp3d/>
+    <dgm:txPr/>
+    <dgm:style>
+      <a:lnRef idx="2">
+        <a:scrgbClr r="0" g="0" b="0"/>
+      </a:lnRef>
+      <a:fillRef idx="1">
+        <a:scrgbClr r="0" g="0" b="0"/>
+      </a:fillRef>
+      <a:effectRef idx="0">
+        <a:scrgbClr r="0" g="0" b="0"/>
+      </a:effectRef>
+      <a:fontRef idx="minor">
+        <a:schemeClr val="lt1"/>
+      </a:fontRef>
+    </dgm:style>
+  </dgm:styleLbl>
+  <dgm:styleLbl name="node3">
+    <dgm:scene3d>
+      <a:camera prst="orthographicFront"/>
+      <a:lightRig rig="threePt" dir="t"/>
+    </dgm:scene3d>
+    <dgm:sp3d/>
+    <dgm:txPr/>
+    <dgm:style>
+      <a:lnRef idx="2">
+        <a:scrgbClr r="0" g="0" b="0"/>
+      </a:lnRef>
+      <a:fillRef idx="1">
+        <a:scrgbClr r="0" g="0" b="0"/>
+      </a:fillRef>
+      <a:effectRef idx="0">
+        <a:scrgbClr r="0" g="0" b="0"/>
+      </a:effectRef>
+      <a:fontRef idx="minor">
+        <a:schemeClr val="lt1"/>
+      </a:fontRef>
+    </dgm:style>
+  </dgm:styleLbl>
+  <dgm:styleLbl name="node4">
+    <dgm:scene3d>
+      <a:camera prst="orthographicFront"/>
+      <a:lightRig rig="threePt" dir="t"/>
+    </dgm:scene3d>
+    <dgm:sp3d/>
+    <dgm:txPr/>
+    <dgm:style>
+      <a:lnRef idx="2">
+        <a:scrgbClr r="0" g="0" b="0"/>
+      </a:lnRef>
+      <a:fillRef idx="1">
+        <a:scrgbClr r="0" g="0" b="0"/>
+      </a:fillRef>
+      <a:effectRef idx="0">
+        <a:scrgbClr r="0" g="0" b="0"/>
+      </a:effectRef>
+      <a:fontRef idx="minor">
+        <a:schemeClr val="lt1"/>
+      </a:fontRef>
+    </dgm:style>
+  </dgm:styleLbl>
+  <dgm:styleLbl name="fgImgPlace1">
+    <dgm:scene3d>
+      <a:camera prst="orthographicFront"/>
+      <a:lightRig rig="threePt" dir="t"/>
+    </dgm:scene3d>
+    <dgm:sp3d/>
+    <dgm:txPr/>
+    <dgm:style>
+      <a:lnRef idx="2">
+        <a:scrgbClr r="0" g="0" b="0"/>
+      </a:lnRef>
+      <a:fillRef idx="1">
+        <a:scrgbClr r="0" g="0" b="0"/>
+      </a:fillRef>
+      <a:effectRef idx="0">
+        <a:scrgbClr r="0" g="0" b="0"/>
+      </a:effectRef>
+      <a:fontRef idx="minor"/>
+    </dgm:style>
+  </dgm:styleLbl>
+  <dgm:styleLbl name="alignImgPlace1">
+    <dgm:scene3d>
+      <a:camera prst="orthographicFront"/>
+      <a:lightRig rig="threePt" dir="t"/>
+    </dgm:scene3d>
+    <dgm:sp3d/>
+    <dgm:txPr/>
+    <dgm:style>
+      <a:lnRef idx="2">
+        <a:scrgbClr r="0" g="0" b="0"/>
+      </a:lnRef>
+      <a:fillRef idx="1">
+        <a:scrgbClr r="0" g="0" b="0"/>
+      </a:fillRef>
+      <a:effectRef idx="0">
+        <a:scrgbClr r="0" g="0" b="0"/>
+      </a:effectRef>
+      <a:fontRef idx="minor"/>
+    </dgm:style>
+  </dgm:styleLbl>
+  <dgm:styleLbl name="bgImgPlace1">
+    <dgm:scene3d>
+      <a:camera prst="orthographicFront"/>
+      <a:lightRig rig="threePt" dir="t"/>
+    </dgm:scene3d>
+    <dgm:sp3d/>
+    <dgm:txPr/>
+    <dgm:style>
+      <a:lnRef idx="2">
+        <a:scrgbClr r="0" g="0" b="0"/>
+      </a:lnRef>
+      <a:fillRef idx="1">
+        <a:scrgbClr r="0" g="0" b="0"/>
+      </a:fillRef>
+      <a:effectRef idx="0">
+        <a:scrgbClr r="0" g="0" b="0"/>
+      </a:effectRef>
+      <a:fontRef idx="minor"/>
+    </dgm:style>
+  </dgm:styleLbl>
+  <dgm:styleLbl name="sibTrans2D1">
+    <dgm:scene3d>
+      <a:camera prst="orthographicFront"/>
+      <a:lightRig rig="threePt" dir="t"/>
+    </dgm:scene3d>
+    <dgm:sp3d/>
+    <dgm:txPr/>
+    <dgm:style>
+      <a:lnRef idx="0">
+        <a:scrgbClr r="0" g="0" b="0"/>
+      </a:lnRef>
+      <a:fillRef idx="1">
+        <a:scrgbClr r="0" g="0" b="0"/>
+      </a:fillRef>
+      <a:effectRef idx="0">
+        <a:scrgbClr r="0" g="0" b="0"/>
+      </a:effectRef>
+      <a:fontRef idx="minor">
+        <a:schemeClr val="lt1"/>
+      </a:fontRef>
+    </dgm:style>
+  </dgm:styleLbl>
+  <dgm:styleLbl name="fgSibTrans2D1">
+    <dgm:scene3d>
+      <a:camera prst="orthographicFront"/>
+      <a:lightRig rig="threePt" dir="t"/>
+    </dgm:scene3d>
+    <dgm:sp3d/>
+    <dgm:txPr/>
+    <dgm:style>
+      <a:lnRef idx="0">
+        <a:scrgbClr r="0" g="0" b="0"/>
+      </a:lnRef>
+      <a:fillRef idx="1">
+        <a:scrgbClr r="0" g="0" b="0"/>
+      </a:fillRef>
+      <a:effectRef idx="0">
+        <a:scrgbClr r="0" g="0" b="0"/>
+      </a:effectRef>
+      <a:fontRef idx="minor">
+        <a:schemeClr val="lt1"/>
+      </a:fontRef>
+    </dgm:style>
+  </dgm:styleLbl>
+  <dgm:styleLbl name="bgSibTrans2D1">
+    <dgm:scene3d>
+      <a:camera prst="orthographicFront"/>
+      <a:lightRig rig="threePt" dir="t"/>
+    </dgm:scene3d>
+    <dgm:sp3d/>
+    <dgm:txPr/>
+    <dgm:style>
+      <a:lnRef idx="0">
+        <a:scrgbClr r="0" g="0" b="0"/>
+      </a:lnRef>
+      <a:fillRef idx="1">
+        <a:scrgbClr r="0" g="0" b="0"/>
+      </a:fillRef>
+      <a:effectRef idx="0">
+        <a:scrgbClr r="0" g="0" b="0"/>
+      </a:effectRef>
+      <a:fontRef idx="minor">
+        <a:schemeClr val="lt1"/>
+      </a:fontRef>
+    </dgm:style>
+  </dgm:styleLbl>
+  <dgm:styleLbl name="sibTrans1D1">
+    <dgm:scene3d>
+      <a:camera prst="orthographicFront"/>
+      <a:lightRig rig="threePt" dir="t"/>
+    </dgm:scene3d>
+    <dgm:sp3d/>
+    <dgm:txPr/>
+    <dgm:style>
+      <a:lnRef idx="1">
+        <a:scrgbClr r="0" g="0" b="0"/>
+      </a:lnRef>
+      <a:fillRef idx="0">
+        <a:scrgbClr r="0" g="0" b="0"/>
+      </a:fillRef>
+      <a:effectRef idx="0">
+        <a:scrgbClr r="0" g="0" b="0"/>
+      </a:effectRef>
+      <a:fontRef idx="minor"/>
+    </dgm:style>
+  </dgm:styleLbl>
+  <dgm:styleLbl name="callout">
+    <dgm:scene3d>
+      <a:camera prst="orthographicFront"/>
+      <a:lightRig rig="threePt" dir="t"/>
+    </dgm:scene3d>
+    <dgm:sp3d/>
+    <dgm:txPr/>
+    <dgm:style>
+      <a:lnRef idx="2">
+        <a:scrgbClr r="0" g="0" b="0"/>
+      </a:lnRef>
+      <a:fillRef idx="1">
+        <a:scrgbClr r="0" g="0" b="0"/>
+      </a:fillRef>
+      <a:effectRef idx="0">
+        <a:scrgbClr r="0" g="0" b="0"/>
+      </a:effectRef>
+      <a:fontRef idx="minor"/>
+    </dgm:style>
+  </dgm:styleLbl>
+  <dgm:styleLbl name="asst0">
+    <dgm:scene3d>
+      <a:camera prst="orthographicFront"/>
+      <a:lightRig rig="threePt" dir="t"/>
+    </dgm:scene3d>
+    <dgm:sp3d/>
+    <dgm:txPr/>
+    <dgm:style>
+      <a:lnRef idx="2">
+        <a:scrgbClr r="0" g="0" b="0"/>
+      </a:lnRef>
+      <a:fillRef idx="1">
+        <a:scrgbClr r="0" g="0" b="0"/>
+      </a:fillRef>
+      <a:effectRef idx="0">
+        <a:scrgbClr r="0" g="0" b="0"/>
+      </a:effectRef>
+      <a:fontRef idx="minor">
+        <a:schemeClr val="lt1"/>
+      </a:fontRef>
+    </dgm:style>
+  </dgm:styleLbl>
+  <dgm:styleLbl name="asst1">
+    <dgm:scene3d>
+      <a:camera prst="orthographicFront"/>
+      <a:lightRig rig="threePt" dir="t"/>
+    </dgm:scene3d>
+    <dgm:sp3d/>
+    <dgm:txPr/>
+    <dgm:style>
+      <a:lnRef idx="2">
+        <a:scrgbClr r="0" g="0" b="0"/>
+      </a:lnRef>
+      <a:fillRef idx="1">
+        <a:scrgbClr r="0" g="0" b="0"/>
+      </a:fillRef>
+      <a:effectRef idx="0">
+        <a:scrgbClr r="0" g="0" b="0"/>
+      </a:effectRef>
+      <a:fontRef idx="minor">
+        <a:schemeClr val="lt1"/>
+      </a:fontRef>
+    </dgm:style>
+  </dgm:styleLbl>
+  <dgm:styleLbl name="asst2">
+    <dgm:scene3d>
+      <a:camera prst="orthographicFront"/>
+      <a:lightRig rig="threePt" dir="t"/>
+    </dgm:scene3d>
+    <dgm:sp3d/>
+    <dgm:txPr/>
+    <dgm:style>
+      <a:lnRef idx="2">
+        <a:scrgbClr r="0" g="0" b="0"/>
+      </a:lnRef>
+      <a:fillRef idx="1">
+        <a:scrgbClr r="0" g="0" b="0"/>
+      </a:fillRef>
+      <a:effectRef idx="0">
+        <a:scrgbClr r="0" g="0" b="0"/>
+      </a:effectRef>
+      <a:fontRef idx="minor">
+        <a:schemeClr val="lt1"/>
+      </a:fontRef>
+    </dgm:style>
+  </dgm:styleLbl>
+  <dgm:styleLbl name="asst3">
+    <dgm:scene3d>
+      <a:camera prst="orthographicFront"/>
+      <a:lightRig rig="threePt" dir="t"/>
+    </dgm:scene3d>
+    <dgm:sp3d/>
+    <dgm:txPr/>
+    <dgm:style>
+      <a:lnRef idx="2">
+        <a:scrgbClr r="0" g="0" b="0"/>
+      </a:lnRef>
+      <a:fillRef idx="1">
+        <a:scrgbClr r="0" g="0" b="0"/>
+      </a:fillRef>
+      <a:effectRef idx="0">
+        <a:scrgbClr r="0" g="0" b="0"/>
+      </a:effectRef>
+      <a:fontRef idx="minor">
+        <a:schemeClr val="lt1"/>
+      </a:fontRef>
+    </dgm:style>
+  </dgm:styleLbl>
+  <dgm:styleLbl name="asst4">
+    <dgm:scene3d>
+      <a:camera prst="orthographicFront"/>
+      <a:lightRig rig="threePt" dir="t"/>
+    </dgm:scene3d>
+    <dgm:sp3d/>
+    <dgm:txPr/>
+    <dgm:style>
+      <a:lnRef idx="2">
+        <a:scrgbClr r="0" g="0" b="0"/>
+      </a:lnRef>
+      <a:fillRef idx="1">
+        <a:scrgbClr r="0" g="0" b="0"/>
+      </a:fillRef>
+      <a:effectRef idx="0">
+        <a:scrgbClr r="0" g="0" b="0"/>
+      </a:effectRef>
+      <a:fontRef idx="minor">
+        <a:schemeClr val="lt1"/>
+      </a:fontRef>
+    </dgm:style>
+  </dgm:styleLbl>
+  <dgm:styleLbl name="parChTrans2D1">
+    <dgm:scene3d>
+      <a:camera prst="orthographicFront"/>
+      <a:lightRig rig="threePt" dir="t"/>
+    </dgm:scene3d>
+    <dgm:sp3d/>
+    <dgm:txPr/>
+    <dgm:style>
+      <a:lnRef idx="2">
+        <a:scrgbClr r="0" g="0" b="0"/>
+      </a:lnRef>
+      <a:fillRef idx="1">
+        <a:scrgbClr r="0" g="0" b="0"/>
+      </a:fillRef>
+      <a:effectRef idx="0">
+        <a:scrgbClr r="0" g="0" b="0"/>
+      </a:effectRef>
+      <a:fontRef idx="minor">
+        <a:schemeClr val="lt1"/>
+      </a:fontRef>
+    </dgm:style>
+  </dgm:styleLbl>
+  <dgm:styleLbl name="parChTrans2D2">
+    <dgm:scene3d>
+      <a:camera prst="orthographicFront"/>
+      <a:lightRig rig="threePt" dir="t"/>
+    </dgm:scene3d>
+    <dgm:sp3d/>
+    <dgm:txPr/>
+    <dgm:style>
+      <a:lnRef idx="2">
+        <a:scrgbClr r="0" g="0" b="0"/>
+      </a:lnRef>
+      <a:fillRef idx="1">
+        <a:scrgbClr r="0" g="0" b="0"/>
+      </a:fillRef>
+      <a:effectRef idx="0">
+        <a:scrgbClr r="0" g="0" b="0"/>
+      </a:effectRef>
+      <a:fontRef idx="minor">
+        <a:schemeClr val="lt1"/>
+      </a:fontRef>
+    </dgm:style>
+  </dgm:styleLbl>
+  <dgm:styleLbl name="parChTrans2D3">
+    <dgm:scene3d>
+      <a:camera prst="orthographicFront"/>
+      <a:lightRig rig="threePt" dir="t"/>
+    </dgm:scene3d>
+    <dgm:sp3d/>
+    <dgm:txPr/>
+    <dgm:style>
+      <a:lnRef idx="2">
+        <a:scrgbClr r="0" g="0" b="0"/>
+      </a:lnRef>
+      <a:fillRef idx="1">
+        <a:scrgbClr r="0" g="0" b="0"/>
+      </a:fillRef>
+      <a:effectRef idx="0">
+        <a:scrgbClr r="0" g="0" b="0"/>
+      </a:effectRef>
+      <a:fontRef idx="minor">
+        <a:schemeClr val="lt1"/>
+      </a:fontRef>
+    </dgm:style>
+  </dgm:styleLbl>
+  <dgm:styleLbl name="parChTrans2D4">
+    <dgm:scene3d>
+      <a:camera prst="orthographicFront"/>
+      <a:lightRig rig="threePt" dir="t"/>
+    </dgm:scene3d>
+    <dgm:sp3d/>
+    <dgm:txPr/>
+    <dgm:style>
+      <a:lnRef idx="2">
+        <a:scrgbClr r="0" g="0" b="0"/>
+      </a:lnRef>
+      <a:fillRef idx="1">
+        <a:scrgbClr r="0" g="0" b="0"/>
+      </a:fillRef>
+      <a:effectRef idx="0">
+        <a:scrgbClr r="0" g="0" b="0"/>
+      </a:effectRef>
+      <a:fontRef idx="minor">
+        <a:schemeClr val="lt1"/>
+      </a:fontRef>
+    </dgm:style>
+  </dgm:styleLbl>
+  <dgm:styleLbl name="parChTrans1D1">
+    <dgm:scene3d>
+      <a:camera prst="orthographicFront"/>
+      <a:lightRig rig="threePt" dir="t"/>
+    </dgm:scene3d>
+    <dgm:sp3d/>
+    <dgm:txPr/>
+    <dgm:style>
+      <a:lnRef idx="2">
+        <a:scrgbClr r="0" g="0" b="0"/>
+      </a:lnRef>
+      <a:fillRef idx="0">
+        <a:scrgbClr r="0" g="0" b="0"/>
+      </a:fillRef>
+      <a:effectRef idx="0">
+        <a:scrgbClr r="0" g="0" b="0"/>
+      </a:effectRef>
+      <a:fontRef idx="minor"/>
+    </dgm:style>
+  </dgm:styleLbl>
+  <dgm:styleLbl name="parChTrans1D2">
+    <dgm:scene3d>
+      <a:camera prst="orthographicFront"/>
+      <a:lightRig rig="threePt" dir="t"/>
+    </dgm:scene3d>
+    <dgm:sp3d/>
+    <dgm:txPr/>
+    <dgm:style>
+      <a:lnRef idx="2">
+        <a:scrgbClr r="0" g="0" b="0"/>
+      </a:lnRef>
+      <a:fillRef idx="0">
+        <a:scrgbClr r="0" g="0" b="0"/>
+      </a:fillRef>
+      <a:effectRef idx="0">
+        <a:scrgbClr r="0" g="0" b="0"/>
+      </a:effectRef>
+      <a:fontRef idx="minor"/>
+    </dgm:style>
+  </dgm:styleLbl>
+  <dgm:styleLbl name="parChTrans1D3">
+    <dgm:scene3d>
+      <a:camera prst="orthographicFront"/>
+      <a:lightRig rig="threePt" dir="t"/>
+    </dgm:scene3d>
+    <dgm:sp3d/>
+    <dgm:txPr/>
+    <dgm:style>
+      <a:lnRef idx="2">
+        <a:scrgbClr r="0" g="0" b="0"/>
+      </a:lnRef>
+      <a:fillRef idx="0">
+        <a:scrgbClr r="0" g="0" b="0"/>
+      </a:fillRef>
+      <a:effectRef idx="0">
+        <a:scrgbClr r="0" g="0" b="0"/>
+      </a:effectRef>
+      <a:fontRef idx="minor"/>
+    </dgm:style>
+  </dgm:styleLbl>
+  <dgm:styleLbl name="parChTrans1D4">
+    <dgm:scene3d>
+      <a:camera prst="orthographicFront"/>
+      <a:lightRig rig="threePt" dir="t"/>
+    </dgm:scene3d>
+    <dgm:sp3d/>
+    <dgm:txPr/>
+    <dgm:style>
+      <a:lnRef idx="2">
+        <a:scrgbClr r="0" g="0" b="0"/>
+      </a:lnRef>
+      <a:fillRef idx="0">
+        <a:scrgbClr r="0" g="0" b="0"/>
+      </a:fillRef>
+      <a:effectRef idx="0">
+        <a:scrgbClr r="0" g="0" b="0"/>
+      </a:effectRef>
+      <a:fontRef idx="minor"/>
+    </dgm:style>
+  </dgm:styleLbl>
+  <dgm:styleLbl name="fgAcc1">
+    <dgm:scene3d>
+      <a:camera prst="orthographicFront"/>
+      <a:lightRig rig="threePt" dir="t"/>
+    </dgm:scene3d>
+    <dgm:sp3d/>
+    <dgm:txPr/>
+    <dgm:style>
+      <a:lnRef idx="2">
+        <a:scrgbClr r="0" g="0" b="0"/>
+      </a:lnRef>
+      <a:fillRef idx="1">
+        <a:scrgbClr r="0" g="0" b="0"/>
+      </a:fillRef>
+      <a:effectRef idx="0">
+        <a:scrgbClr r="0" g="0" b="0"/>
+      </a:effectRef>
+      <a:fontRef idx="minor"/>
+    </dgm:style>
+  </dgm:styleLbl>
+  <dgm:styleLbl name="conFgAcc1">
+    <dgm:scene3d>
+      <a:camera prst="orthographicFront"/>
+      <a:lightRig rig="threePt" dir="t"/>
+    </dgm:scene3d>
+    <dgm:sp3d/>
+    <dgm:txPr/>
+    <dgm:style>
+      <a:lnRef idx="2">
+        <a:scrgbClr r="0" g="0" b="0"/>
+      </a:lnRef>
+      <a:fillRef idx="1">
+        <a:scrgbClr r="0" g="0" b="0"/>
+      </a:fillRef>
+      <a:effectRef idx="0">
+        <a:scrgbClr r="0" g="0" b="0"/>
+      </a:effectRef>
+      <a:fontRef idx="minor"/>
+    </dgm:style>
+  </dgm:styleLbl>
+  <dgm:styleLbl name="alignAcc1">
+    <dgm:scene3d>
+      <a:camera prst="orthographicFront"/>
+      <a:lightRig rig="threePt" dir="t"/>
+    </dgm:scene3d>
+    <dgm:sp3d/>
+    <dgm:txPr/>
+    <dgm:style>
+      <a:lnRef idx="2">
+        <a:scrgbClr r="0" g="0" b="0"/>
+      </a:lnRef>
+      <a:fillRef idx="1">
+        <a:scrgbClr r="0" g="0" b="0"/>
+      </a:fillRef>
+      <a:effectRef idx="0">
+        <a:scrgbClr r="0" g="0" b="0"/>
+      </a:effectRef>
+      <a:fontRef idx="minor"/>
+    </dgm:style>
+  </dgm:styleLbl>
+  <dgm:styleLbl name="trAlignAcc1">
+    <dgm:scene3d>
+      <a:camera prst="orthographicFront"/>
+      <a:lightRig rig="threePt" dir="t"/>
+    </dgm:scene3d>
+    <dgm:sp3d/>
+    <dgm:txPr/>
+    <dgm:style>
+      <a:lnRef idx="1">
+        <a:scrgbClr r="0" g="0" b="0"/>
+      </a:lnRef>
+      <a:fillRef idx="1">
+        <a:scrgbClr r="0" g="0" b="0"/>
+      </a:fillRef>
+      <a:effectRef idx="0">
+        <a:scrgbClr r="0" g="0" b="0"/>
+      </a:effectRef>
+      <a:fontRef idx="minor"/>
+    </dgm:style>
+  </dgm:styleLbl>
+  <dgm:styleLbl name="bgAcc1">
+    <dgm:scene3d>
+      <a:camera prst="orthographicFront"/>
+      <a:lightRig rig="threePt" dir="t"/>
+    </dgm:scene3d>
+    <dgm:sp3d/>
+    <dgm:txPr/>
+    <dgm:style>
+      <a:lnRef idx="2">
+        <a:scrgbClr r="0" g="0" b="0"/>
+      </a:lnRef>
+      <a:fillRef idx="1">
+        <a:scrgbClr r="0" g="0" b="0"/>
+      </a:fillRef>
+      <a:effectRef idx="0">
+        <a:scrgbClr r="0" g="0" b="0"/>
+      </a:effectRef>
+      <a:fontRef idx="minor"/>
+    </dgm:style>
+  </dgm:styleLbl>
+  <dgm:styleLbl name="solidFgAcc1">
+    <dgm:scene3d>
+      <a:camera prst="orthographicFront"/>
+      <a:lightRig rig="threePt" dir="t"/>
+    </dgm:scene3d>
+    <dgm:sp3d/>
+    <dgm:txPr/>
+    <dgm:style>
+      <a:lnRef idx="2">
+        <a:scrgbClr r="0" g="0" b="0"/>
+      </a:lnRef>
+      <a:fillRef idx="1">
+        <a:scrgbClr r="0" g="0" b="0"/>
+      </a:fillRef>
+      <a:effectRef idx="0">
+        <a:scrgbClr r="0" g="0" b="0"/>
+      </a:effectRef>
+      <a:fontRef idx="minor"/>
+    </dgm:style>
+  </dgm:styleLbl>
+  <dgm:styleLbl name="solidAlignAcc1">
+    <dgm:scene3d>
+      <a:camera prst="orthographicFront"/>
+      <a:lightRig rig="threePt" dir="t"/>
+    </dgm:scene3d>
+    <dgm:sp3d/>
+    <dgm:txPr/>
+    <dgm:style>
+      <a:lnRef idx="2">
+        <a:scrgbClr r="0" g="0" b="0"/>
+      </a:lnRef>
+      <a:fillRef idx="1">
+        <a:scrgbClr r="0" g="0" b="0"/>
+      </a:fillRef>
+      <a:effectRef idx="0">
+        <a:scrgbClr r="0" g="0" b="0"/>
+      </a:effectRef>
+      <a:fontRef idx="minor"/>
+    </dgm:style>
+  </dgm:styleLbl>
+  <dgm:styleLbl name="solidBgAcc1">
+    <dgm:scene3d>
+      <a:camera prst="orthographicFront"/>
+      <a:lightRig rig="threePt" dir="t"/>
+    </dgm:scene3d>
+    <dgm:sp3d/>
+    <dgm:txPr/>
+    <dgm:style>
+      <a:lnRef idx="2">
+        <a:scrgbClr r="0" g="0" b="0"/>
+      </a:lnRef>
+      <a:fillRef idx="1">
+        <a:scrgbClr r="0" g="0" b="0"/>
+      </a:fillRef>
+      <a:effectRef idx="0">
+        <a:scrgbClr r="0" g="0" b="0"/>
+      </a:effectRef>
+      <a:fontRef idx="minor"/>
+    </dgm:style>
+  </dgm:styleLbl>
+  <dgm:styleLbl name="fgAccFollowNode1">
+    <dgm:scene3d>
+      <a:camera prst="orthographicFront"/>
+      <a:lightRig rig="threePt" dir="t"/>
+    </dgm:scene3d>
+    <dgm:sp3d/>
+    <dgm:txPr/>
+    <dgm:style>
+      <a:lnRef idx="2">
+        <a:scrgbClr r="0" g="0" b="0"/>
+      </a:lnRef>
+      <a:fillRef idx="1">
+        <a:scrgbClr r="0" g="0" b="0"/>
+      </a:fillRef>
+      <a:effectRef idx="0">
+        <a:scrgbClr r="0" g="0" b="0"/>
+      </a:effectRef>
+      <a:fontRef idx="minor"/>
+    </dgm:style>
+  </dgm:styleLbl>
+  <dgm:styleLbl name="alignAccFollowNode1">
+    <dgm:scene3d>
+      <a:camera prst="orthographicFront"/>
+      <a:lightRig rig="threePt" dir="t"/>
+    </dgm:scene3d>
+    <dgm:sp3d/>
+    <dgm:txPr/>
+    <dgm:style>
+      <a:lnRef idx="2">
+        <a:scrgbClr r="0" g="0" b="0"/>
+      </a:lnRef>
+      <a:fillRef idx="1">
+        <a:scrgbClr r="0" g="0" b="0"/>
+      </a:fillRef>
+      <a:effectRef idx="0">
+        <a:scrgbClr r="0" g="0" b="0"/>
+      </a:effectRef>
+      <a:fontRef idx="minor"/>
+    </dgm:style>
+  </dgm:styleLbl>
+  <dgm:styleLbl name="bgAccFollowNode1">
+    <dgm:scene3d>
+      <a:camera prst="orthographicFront"/>
+      <a:lightRig rig="threePt" dir="t"/>
+    </dgm:scene3d>
+    <dgm:sp3d/>
+    <dgm:txPr/>
+    <dgm:style>
+      <a:lnRef idx="2">
+        <a:scrgbClr r="0" g="0" b="0"/>
+      </a:lnRef>
+      <a:fillRef idx="1">
+        <a:scrgbClr r="0" g="0" b="0"/>
+      </a:fillRef>
+      <a:effectRef idx="0">
+        <a:scrgbClr r="0" g="0" b="0"/>
+      </a:effectRef>
+      <a:fontRef idx="minor"/>
+    </dgm:style>
+  </dgm:styleLbl>
+  <dgm:styleLbl name="fgAcc0">
+    <dgm:scene3d>
+      <a:camera prst="orthographicFront"/>
+      <a:lightRig rig="threePt" dir="t"/>
+    </dgm:scene3d>
+    <dgm:sp3d/>
+    <dgm:txPr/>
+    <dgm:style>
+      <a:lnRef idx="2">
+        <a:scrgbClr r="0" g="0" b="0"/>
+      </a:lnRef>
+      <a:fillRef idx="1">
+        <a:scrgbClr r="0" g="0" b="0"/>
+      </a:fillRef>
+      <a:effectRef idx="0">
+        <a:scrgbClr r="0" g="0" b="0"/>
+      </a:effectRef>
+      <a:fontRef idx="minor"/>
+    </dgm:style>
+  </dgm:styleLbl>
+  <dgm:styleLbl name="fgAcc2">
+    <dgm:scene3d>
+      <a:camera prst="orthographicFront"/>
+      <a:lightRig rig="threePt" dir="t"/>
+    </dgm:scene3d>
+    <dgm:sp3d/>
+    <dgm:txPr/>
+    <dgm:style>
+      <a:lnRef idx="2">
+        <a:scrgbClr r="0" g="0" b="0"/>
+      </a:lnRef>
+      <a:fillRef idx="1">
+        <a:scrgbClr r="0" g="0" b="0"/>
+      </a:fillRef>
+      <a:effectRef idx="0">
+        <a:scrgbClr r="0" g="0" b="0"/>
+      </a:effectRef>
+      <a:fontRef idx="minor"/>
+    </dgm:style>
+  </dgm:styleLbl>
+  <dgm:styleLbl name="fgAcc3">
+    <dgm:scene3d>
+      <a:camera prst="orthographicFront"/>
+      <a:lightRig rig="threePt" dir="t"/>
+    </dgm:scene3d>
+    <dgm:sp3d/>
+    <dgm:txPr/>
+    <dgm:style>
+      <a:lnRef idx="2">
+        <a:scrgbClr r="0" g="0" b="0"/>
+      </a:lnRef>
+      <a:fillRef idx="1">
+        <a:scrgbClr r="0" g="0" b="0"/>
+      </a:fillRef>
+      <a:effectRef idx="0">
+        <a:scrgbClr r="0" g="0" b="0"/>
+      </a:effectRef>
+      <a:fontRef idx="minor"/>
+    </dgm:style>
+  </dgm:styleLbl>
+  <dgm:styleLbl name="fgAcc4">
+    <dgm:scene3d>
+      <a:camera prst="orthographicFront"/>
+      <a:lightRig rig="threePt" dir="t"/>
+    </dgm:scene3d>
+    <dgm:sp3d/>
+    <dgm:txPr/>
+    <dgm:style>
+      <a:lnRef idx="2">
+        <a:scrgbClr r="0" g="0" b="0"/>
+      </a:lnRef>
+      <a:fillRef idx="1">
+        <a:scrgbClr r="0" g="0" b="0"/>
+      </a:fillRef>
+      <a:effectRef idx="0">
+        <a:scrgbClr r="0" g="0" b="0"/>
+      </a:effectRef>
+      <a:fontRef idx="minor"/>
+    </dgm:style>
+  </dgm:styleLbl>
+  <dgm:styleLbl name="bgShp">
+    <dgm:scene3d>
+      <a:camera prst="orthographicFront"/>
+      <a:lightRig rig="threePt" dir="t"/>
+    </dgm:scene3d>
+    <dgm:sp3d/>
+    <dgm:txPr/>
+    <dgm:style>
+      <a:lnRef idx="0">
+        <a:scrgbClr r="0" g="0" b="0"/>
+      </a:lnRef>
+      <a:fillRef idx="1">
+        <a:scrgbClr r="0" g="0" b="0"/>
+      </a:fillRef>
+      <a:effectRef idx="0">
+        <a:scrgbClr r="0" g="0" b="0"/>
+      </a:effectRef>
+      <a:fontRef idx="minor"/>
+    </dgm:style>
+  </dgm:styleLbl>
+  <dgm:styleLbl name="dkBgShp">
+    <dgm:scene3d>
+      <a:camera prst="orthographicFront"/>
+      <a:lightRig rig="threePt" dir="t"/>
+    </dgm:scene3d>
+    <dgm:sp3d/>
+    <dgm:txPr/>
+    <dgm:style>
+      <a:lnRef idx="0">
+        <a:scrgbClr r="0" g="0" b="0"/>
+      </a:lnRef>
+      <a:fillRef idx="1">
+        <a:scrgbClr r="0" g="0" b="0"/>
+      </a:fillRef>
+      <a:effectRef idx="0">
+        <a:scrgbClr r="0" g="0" b="0"/>
+      </a:effectRef>
+      <a:fontRef idx="minor"/>
+    </dgm:style>
+  </dgm:styleLbl>
+  <dgm:styleLbl name="trBgShp">
+    <dgm:scene3d>
+      <a:camera prst="orthographicFront"/>
+      <a:lightRig rig="threePt" dir="t"/>
+    </dgm:scene3d>
+    <dgm:sp3d/>
+    <dgm:txPr/>
+    <dgm:style>
+      <a:lnRef idx="0">
+        <a:scrgbClr r="0" g="0" b="0"/>
+      </a:lnRef>
+      <a:fillRef idx="1">
+        <a:scrgbClr r="0" g="0" b="0"/>
+      </a:fillRef>
+      <a:effectRef idx="0">
+        <a:scrgbClr r="0" g="0" b="0"/>
+      </a:effectRef>
+      <a:fontRef idx="minor"/>
+    </dgm:style>
+  </dgm:styleLbl>
+  <dgm:styleLbl name="fgShp">
+    <dgm:scene3d>
+      <a:camera prst="orthographicFront"/>
+      <a:lightRig rig="threePt" dir="t"/>
+    </dgm:scene3d>
+    <dgm:sp3d/>
+    <dgm:txPr/>
+    <dgm:style>
+      <a:lnRef idx="2">
+        <a:scrgbClr r="0" g="0" b="0"/>
+      </a:lnRef>
+      <a:fillRef idx="1">
+        <a:scrgbClr r="0" g="0" b="0"/>
+      </a:fillRef>
+      <a:effectRef idx="0">
+        <a:scrgbClr r="0" g="0" b="0"/>
+      </a:effectRef>
+      <a:fontRef idx="minor"/>
+    </dgm:style>
+  </dgm:styleLbl>
+  <dgm:styleLbl name="revTx">
+    <dgm:scene3d>
+      <a:camera prst="orthographicFront"/>
+      <a:lightRig rig="threePt" dir="t"/>
+    </dgm:scene3d>
+    <dgm:sp3d/>
+    <dgm:txPr/>
+    <dgm:style>
+      <a:lnRef idx="0">
+        <a:scrgbClr r="0" g="0" b="0"/>
+      </a:lnRef>
+      <a:fillRef idx="0">
+        <a:scrgbClr r="0" g="0" b="0"/>
+      </a:fillRef>
+      <a:effectRef idx="0">
+        <a:scrgbClr r="0" g="0" b="0"/>
+      </a:effectRef>
+      <a:fontRef idx="minor"/>
+    </dgm:style>
+  </dgm:styleLbl>
+</dgm:styleDef>
 </file>
 
 <file path=ppt/notesMasters/notesMaster1.xml><?xml version="1.0" encoding="utf-8"?>
@@ -958,7 +5105,7 @@
           <a:p>
             <a:fld id="{48A87A34-81AB-432B-8DAE-1953F412C126}" type="datetimeFigureOut">
               <a:rPr lang="en-US" dirty="0"/>
-              <a:t>7/19/2021</a:t>
+              <a:t>7/22/2021</a:t>
             </a:fld>
             <a:endParaRPr lang="en-US" dirty="0"/>
           </a:p>
@@ -1255,7 +5402,7 @@
           <a:p>
             <a:fld id="{48A87A34-81AB-432B-8DAE-1953F412C126}" type="datetimeFigureOut">
               <a:rPr lang="en-US" dirty="0"/>
-              <a:t>7/19/2021</a:t>
+              <a:t>7/22/2021</a:t>
             </a:fld>
             <a:endParaRPr lang="en-US" dirty="0"/>
           </a:p>
@@ -1457,7 +5604,7 @@
           <a:p>
             <a:fld id="{48A87A34-81AB-432B-8DAE-1953F412C126}" type="datetimeFigureOut">
               <a:rPr lang="en-US" dirty="0"/>
-              <a:t>7/19/2021</a:t>
+              <a:t>7/22/2021</a:t>
             </a:fld>
             <a:endParaRPr lang="en-US" dirty="0"/>
           </a:p>
@@ -1728,7 +5875,7 @@
           <a:p>
             <a:fld id="{48A87A34-81AB-432B-8DAE-1953F412C126}" type="datetimeFigureOut">
               <a:rPr lang="en-US" dirty="0"/>
-              <a:t>7/19/2021</a:t>
+              <a:t>7/22/2021</a:t>
             </a:fld>
             <a:endParaRPr lang="en-US" dirty="0"/>
           </a:p>
@@ -2162,7 +6309,7 @@
           <a:p>
             <a:fld id="{48A87A34-81AB-432B-8DAE-1953F412C126}" type="datetimeFigureOut">
               <a:rPr lang="en-US" dirty="0"/>
-              <a:t>7/19/2021</a:t>
+              <a:t>7/22/2021</a:t>
             </a:fld>
             <a:endParaRPr lang="en-US" dirty="0"/>
           </a:p>
@@ -2718,7 +6865,7 @@
           <a:p>
             <a:fld id="{48A87A34-81AB-432B-8DAE-1953F412C126}" type="datetimeFigureOut">
               <a:rPr lang="en-US" dirty="0"/>
-              <a:t>7/19/2021</a:t>
+              <a:t>7/22/2021</a:t>
             </a:fld>
             <a:endParaRPr lang="en-US" dirty="0"/>
           </a:p>
@@ -3568,7 +7715,7 @@
           <a:p>
             <a:fld id="{48A87A34-81AB-432B-8DAE-1953F412C126}" type="datetimeFigureOut">
               <a:rPr lang="en-US" dirty="0"/>
-              <a:t>7/19/2021</a:t>
+              <a:t>7/22/2021</a:t>
             </a:fld>
             <a:endParaRPr lang="en-US" dirty="0"/>
           </a:p>
@@ -3748,7 +7895,7 @@
           <a:p>
             <a:fld id="{48A87A34-81AB-432B-8DAE-1953F412C126}" type="datetimeFigureOut">
               <a:rPr lang="en-US" dirty="0"/>
-              <a:t>7/19/2021</a:t>
+              <a:t>7/22/2021</a:t>
             </a:fld>
             <a:endParaRPr lang="en-US" dirty="0"/>
           </a:p>
@@ -3942,7 +8089,7 @@
           <a:p>
             <a:fld id="{48A87A34-81AB-432B-8DAE-1953F412C126}" type="datetimeFigureOut">
               <a:rPr lang="en-US" dirty="0"/>
-              <a:t>7/19/2021</a:t>
+              <a:t>7/22/2021</a:t>
             </a:fld>
             <a:endParaRPr lang="en-US" dirty="0"/>
           </a:p>
@@ -4122,7 +8269,7 @@
           <a:p>
             <a:fld id="{48A87A34-81AB-432B-8DAE-1953F412C126}" type="datetimeFigureOut">
               <a:rPr lang="en-US" dirty="0"/>
-              <a:t>7/19/2021</a:t>
+              <a:t>7/22/2021</a:t>
             </a:fld>
             <a:endParaRPr lang="en-US" dirty="0"/>
           </a:p>
@@ -4380,7 +8527,7 @@
           <a:p>
             <a:fld id="{48A87A34-81AB-432B-8DAE-1953F412C126}" type="datetimeFigureOut">
               <a:rPr lang="en-US" dirty="0"/>
-              <a:t>7/19/2021</a:t>
+              <a:t>7/22/2021</a:t>
             </a:fld>
             <a:endParaRPr lang="en-US" dirty="0"/>
           </a:p>
@@ -4627,7 +8774,7 @@
           <a:p>
             <a:fld id="{48A87A34-81AB-432B-8DAE-1953F412C126}" type="datetimeFigureOut">
               <a:rPr lang="en-US" dirty="0"/>
-              <a:t>7/19/2021</a:t>
+              <a:t>7/22/2021</a:t>
             </a:fld>
             <a:endParaRPr lang="en-US" dirty="0"/>
           </a:p>
@@ -5010,7 +9157,7 @@
           <a:p>
             <a:fld id="{48A87A34-81AB-432B-8DAE-1953F412C126}" type="datetimeFigureOut">
               <a:rPr lang="en-US" dirty="0"/>
-              <a:t>7/19/2021</a:t>
+              <a:t>7/22/2021</a:t>
             </a:fld>
             <a:endParaRPr lang="en-US" dirty="0"/>
           </a:p>
@@ -5138,7 +9285,7 @@
           <a:p>
             <a:fld id="{48A87A34-81AB-432B-8DAE-1953F412C126}" type="datetimeFigureOut">
               <a:rPr lang="en-US" dirty="0"/>
-              <a:t>7/19/2021</a:t>
+              <a:t>7/22/2021</a:t>
             </a:fld>
             <a:endParaRPr lang="en-US" dirty="0"/>
           </a:p>
@@ -5243,7 +9390,7 @@
           <a:p>
             <a:fld id="{48A87A34-81AB-432B-8DAE-1953F412C126}" type="datetimeFigureOut">
               <a:rPr lang="en-US" dirty="0"/>
-              <a:t>7/19/2021</a:t>
+              <a:t>7/22/2021</a:t>
             </a:fld>
             <a:endParaRPr lang="en-US" dirty="0"/>
           </a:p>
@@ -5504,7 +9651,7 @@
           <a:p>
             <a:fld id="{48A87A34-81AB-432B-8DAE-1953F412C126}" type="datetimeFigureOut">
               <a:rPr lang="en-US" dirty="0"/>
-              <a:t>7/19/2021</a:t>
+              <a:t>7/22/2021</a:t>
             </a:fld>
             <a:endParaRPr lang="en-US" dirty="0"/>
           </a:p>
@@ -5801,7 +9948,7 @@
           <a:p>
             <a:fld id="{48A87A34-81AB-432B-8DAE-1953F412C126}" type="datetimeFigureOut">
               <a:rPr lang="en-US" dirty="0"/>
-              <a:t>7/19/2021</a:t>
+              <a:t>7/22/2021</a:t>
             </a:fld>
             <a:endParaRPr lang="en-US" dirty="0"/>
           </a:p>
@@ -6025,7 +10172,7 @@
             <a:fld id="{48A87A34-81AB-432B-8DAE-1953F412C126}" type="datetimeFigureOut">
               <a:rPr lang="en-US" dirty="0"/>
               <a:pPr/>
-              <a:t>7/19/2021</a:t>
+              <a:t>7/22/2021</a:t>
             </a:fld>
             <a:endParaRPr lang="en-US" dirty="0"/>
           </a:p>
@@ -7108,7 +11255,11 @@
           <a:bodyPr/>
           <a:lstStyle/>
           <a:p>
-            <a:endParaRPr lang="es-MX"/>
+            <a:r>
+              <a:rPr lang="es-MX" dirty="0" smtClean="0"/>
+              <a:t>Os 	</a:t>
+            </a:r>
+            <a:endParaRPr lang="es-MX" dirty="0"/>
           </a:p>
         </p:txBody>
       </p:sp>
@@ -8705,14 +12856,1129 @@
           </a:p>
         </p:txBody>
       </p:sp>
+      <p:graphicFrame>
+        <p:nvGraphicFramePr>
+          <p:cNvPr id="4" name="Marcador de contenido 3"/>
+          <p:cNvGraphicFramePr>
+            <a:graphicFrameLocks noGrp="1"/>
+          </p:cNvGraphicFramePr>
+          <p:nvPr>
+            <p:ph idx="1"/>
+            <p:extLst>
+              <p:ext uri="{D42A27DB-BD31-4B8C-83A1-F6EECF244321}">
+                <p14:modId xmlns:p14="http://schemas.microsoft.com/office/powerpoint/2010/main" val="3105284008"/>
+              </p:ext>
+            </p:extLst>
+          </p:nvPr>
+        </p:nvGraphicFramePr>
+        <p:xfrm>
+          <a:off x="685347" y="328452"/>
+          <a:ext cx="7764464" cy="4475480"/>
+        </p:xfrm>
+        <a:graphic>
+          <a:graphicData uri="http://schemas.openxmlformats.org/drawingml/2006/table">
+            <a:tbl>
+              <a:tblPr firstRow="1" bandRow="1">
+                <a:tableStyleId>{073A0DAA-6AF3-43AB-8588-CEC1D06C72B9}</a:tableStyleId>
+              </a:tblPr>
+              <a:tblGrid>
+                <a:gridCol w="1009889">
+                  <a:extLst>
+                    <a:ext uri="{9D8B030D-6E8A-4147-A177-3AD203B41FA5}">
+                      <a16:colId xmlns:a16="http://schemas.microsoft.com/office/drawing/2014/main" val="867917800"/>
+                    </a:ext>
+                  </a:extLst>
+                </a:gridCol>
+                <a:gridCol w="2872343">
+                  <a:extLst>
+                    <a:ext uri="{9D8B030D-6E8A-4147-A177-3AD203B41FA5}">
+                      <a16:colId xmlns:a16="http://schemas.microsoft.com/office/drawing/2014/main" val="2075047505"/>
+                    </a:ext>
+                  </a:extLst>
+                </a:gridCol>
+                <a:gridCol w="1021563">
+                  <a:extLst>
+                    <a:ext uri="{9D8B030D-6E8A-4147-A177-3AD203B41FA5}">
+                      <a16:colId xmlns:a16="http://schemas.microsoft.com/office/drawing/2014/main" val="283121748"/>
+                    </a:ext>
+                  </a:extLst>
+                </a:gridCol>
+                <a:gridCol w="2860669">
+                  <a:extLst>
+                    <a:ext uri="{9D8B030D-6E8A-4147-A177-3AD203B41FA5}">
+                      <a16:colId xmlns:a16="http://schemas.microsoft.com/office/drawing/2014/main" val="1203042772"/>
+                    </a:ext>
+                  </a:extLst>
+                </a:gridCol>
+              </a:tblGrid>
+              <a:tr h="370840">
+                <a:tc>
+                  <a:txBody>
+                    <a:bodyPr/>
+                    <a:lstStyle/>
+                    <a:p>
+                      <a:pPr algn="ctr"/>
+                      <a:r>
+                        <a:rPr lang="es-MX" dirty="0" smtClean="0"/>
+                        <a:t>Comando</a:t>
+                      </a:r>
+                      <a:endParaRPr lang="es-MX" dirty="0"/>
+                    </a:p>
+                  </a:txBody>
+                  <a:tcPr/>
+                </a:tc>
+                <a:tc>
+                  <a:txBody>
+                    <a:bodyPr/>
+                    <a:lstStyle/>
+                    <a:p>
+                      <a:pPr algn="ctr"/>
+                      <a:r>
+                        <a:rPr lang="es-MX" dirty="0" smtClean="0"/>
+                        <a:t>Descripción</a:t>
+                      </a:r>
+                      <a:endParaRPr lang="es-MX" dirty="0"/>
+                    </a:p>
+                  </a:txBody>
+                  <a:tcPr/>
+                </a:tc>
+                <a:tc>
+                  <a:txBody>
+                    <a:bodyPr/>
+                    <a:lstStyle/>
+                    <a:p>
+                      <a:pPr algn="ctr"/>
+                      <a:r>
+                        <a:rPr lang="es-MX" dirty="0" smtClean="0"/>
+                        <a:t>Comando</a:t>
+                      </a:r>
+                      <a:endParaRPr lang="es-MX" dirty="0"/>
+                    </a:p>
+                  </a:txBody>
+                  <a:tcPr/>
+                </a:tc>
+                <a:tc>
+                  <a:txBody>
+                    <a:bodyPr/>
+                    <a:lstStyle/>
+                    <a:p>
+                      <a:pPr algn="ctr"/>
+                      <a:r>
+                        <a:rPr lang="es-MX" dirty="0" smtClean="0"/>
+                        <a:t>Descripción</a:t>
+                      </a:r>
+                      <a:endParaRPr lang="es-MX" dirty="0"/>
+                    </a:p>
+                  </a:txBody>
+                  <a:tcPr/>
+                </a:tc>
+                <a:extLst>
+                  <a:ext uri="{0D108BD9-81ED-4DB2-BD59-A6C34878D82A}">
+                    <a16:rowId xmlns:a16="http://schemas.microsoft.com/office/drawing/2014/main" val="3669179145"/>
+                  </a:ext>
+                </a:extLst>
+              </a:tr>
+              <a:tr h="370840">
+                <a:tc>
+                  <a:txBody>
+                    <a:bodyPr/>
+                    <a:lstStyle/>
+                    <a:p>
+                      <a:r>
+                        <a:rPr lang="es-MX" sz="1350" b="1" i="0" kern="1200" dirty="0" smtClean="0">
+                          <a:solidFill>
+                            <a:schemeClr val="dk1"/>
+                          </a:solidFill>
+                          <a:effectLst/>
+                          <a:latin typeface="+mn-lt"/>
+                          <a:ea typeface="+mn-ea"/>
+                          <a:cs typeface="+mn-cs"/>
+                        </a:rPr>
+                        <a:t>cd ..</a:t>
+                      </a:r>
+                      <a:endParaRPr lang="es-MX" dirty="0"/>
+                    </a:p>
+                  </a:txBody>
+                  <a:tcPr/>
+                </a:tc>
+                <a:tc>
+                  <a:txBody>
+                    <a:bodyPr/>
+                    <a:lstStyle/>
+                    <a:p>
+                      <a:r>
+                        <a:rPr lang="es-MX" dirty="0" smtClean="0"/>
+                        <a:t>Salir de un directorio</a:t>
+                      </a:r>
+                      <a:endParaRPr lang="es-MX" dirty="0"/>
+                    </a:p>
+                  </a:txBody>
+                  <a:tcPr/>
+                </a:tc>
+                <a:tc>
+                  <a:txBody>
+                    <a:bodyPr/>
+                    <a:lstStyle/>
+                    <a:p>
+                      <a:r>
+                        <a:rPr lang="es-MX" sz="1350" b="1" i="0" kern="1200" dirty="0" err="1" smtClean="0">
+                          <a:solidFill>
+                            <a:schemeClr val="dk1"/>
+                          </a:solidFill>
+                          <a:effectLst/>
+                          <a:latin typeface="+mn-lt"/>
+                          <a:ea typeface="+mn-ea"/>
+                          <a:cs typeface="+mn-cs"/>
+                        </a:rPr>
+                        <a:t>pwd</a:t>
+                      </a:r>
+                      <a:endParaRPr lang="es-MX" dirty="0"/>
+                    </a:p>
+                  </a:txBody>
+                  <a:tcPr/>
+                </a:tc>
+                <a:tc>
+                  <a:txBody>
+                    <a:bodyPr/>
+                    <a:lstStyle/>
+                    <a:p>
+                      <a:r>
+                        <a:rPr lang="es-MX" dirty="0" smtClean="0"/>
+                        <a:t>Ruta </a:t>
+                      </a:r>
+                      <a:r>
+                        <a:rPr lang="es-MX" dirty="0" err="1" smtClean="0"/>
+                        <a:t>actúal</a:t>
+                      </a:r>
+                      <a:endParaRPr lang="es-MX" dirty="0"/>
+                    </a:p>
+                  </a:txBody>
+                  <a:tcPr/>
+                </a:tc>
+                <a:extLst>
+                  <a:ext uri="{0D108BD9-81ED-4DB2-BD59-A6C34878D82A}">
+                    <a16:rowId xmlns:a16="http://schemas.microsoft.com/office/drawing/2014/main" val="3385998356"/>
+                  </a:ext>
+                </a:extLst>
+              </a:tr>
+              <a:tr h="370840">
+                <a:tc>
+                  <a:txBody>
+                    <a:bodyPr/>
+                    <a:lstStyle/>
+                    <a:p>
+                      <a:r>
+                        <a:rPr lang="es-MX" dirty="0" smtClean="0"/>
+                        <a:t>cd /</a:t>
+                      </a:r>
+                      <a:r>
+                        <a:rPr lang="es-MX" dirty="0" err="1" smtClean="0"/>
+                        <a:t>path</a:t>
+                      </a:r>
+                      <a:endParaRPr lang="es-MX" dirty="0"/>
+                    </a:p>
+                  </a:txBody>
+                  <a:tcPr/>
+                </a:tc>
+                <a:tc>
+                  <a:txBody>
+                    <a:bodyPr/>
+                    <a:lstStyle/>
+                    <a:p>
+                      <a:r>
+                        <a:rPr lang="es-MX" dirty="0" smtClean="0"/>
+                        <a:t>Entrar a una</a:t>
+                      </a:r>
+                      <a:r>
+                        <a:rPr lang="es-MX" baseline="0" dirty="0" smtClean="0"/>
+                        <a:t> ruta</a:t>
+                      </a:r>
+                      <a:endParaRPr lang="es-MX" dirty="0"/>
+                    </a:p>
+                  </a:txBody>
+                  <a:tcPr/>
+                </a:tc>
+                <a:tc>
+                  <a:txBody>
+                    <a:bodyPr/>
+                    <a:lstStyle/>
+                    <a:p>
+                      <a:r>
+                        <a:rPr lang="es-MX" sz="1350" b="1" i="0" kern="1200" dirty="0" err="1" smtClean="0">
+                          <a:solidFill>
+                            <a:schemeClr val="dk1"/>
+                          </a:solidFill>
+                          <a:effectLst/>
+                          <a:latin typeface="+mn-lt"/>
+                          <a:ea typeface="+mn-ea"/>
+                          <a:cs typeface="+mn-cs"/>
+                        </a:rPr>
+                        <a:t>reboot</a:t>
+                      </a:r>
+                      <a:endParaRPr lang="es-MX" dirty="0"/>
+                    </a:p>
+                  </a:txBody>
+                  <a:tcPr/>
+                </a:tc>
+                <a:tc>
+                  <a:txBody>
+                    <a:bodyPr/>
+                    <a:lstStyle/>
+                    <a:p>
+                      <a:r>
+                        <a:rPr lang="es-MX" dirty="0" smtClean="0"/>
+                        <a:t>reiniciar</a:t>
+                      </a:r>
+                      <a:endParaRPr lang="es-MX" dirty="0"/>
+                    </a:p>
+                  </a:txBody>
+                  <a:tcPr/>
+                </a:tc>
+                <a:extLst>
+                  <a:ext uri="{0D108BD9-81ED-4DB2-BD59-A6C34878D82A}">
+                    <a16:rowId xmlns:a16="http://schemas.microsoft.com/office/drawing/2014/main" val="683404091"/>
+                  </a:ext>
+                </a:extLst>
+              </a:tr>
+              <a:tr h="370840">
+                <a:tc>
+                  <a:txBody>
+                    <a:bodyPr/>
+                    <a:lstStyle/>
+                    <a:p>
+                      <a:r>
+                        <a:rPr lang="es-MX" sz="1350" b="1" i="0" kern="1200" dirty="0" err="1" smtClean="0">
+                          <a:solidFill>
+                            <a:schemeClr val="dk1"/>
+                          </a:solidFill>
+                          <a:effectLst/>
+                          <a:latin typeface="+mn-lt"/>
+                          <a:ea typeface="+mn-ea"/>
+                          <a:cs typeface="+mn-cs"/>
+                        </a:rPr>
+                        <a:t>pwd</a:t>
+                      </a:r>
+                      <a:endParaRPr lang="es-MX" dirty="0"/>
+                    </a:p>
+                  </a:txBody>
+                  <a:tcPr/>
+                </a:tc>
+                <a:tc>
+                  <a:txBody>
+                    <a:bodyPr/>
+                    <a:lstStyle/>
+                    <a:p>
+                      <a:r>
+                        <a:rPr lang="es-MX" sz="1350" b="0" i="0" u="none" kern="1200" dirty="0" smtClean="0">
+                          <a:solidFill>
+                            <a:schemeClr val="dk1"/>
+                          </a:solidFill>
+                          <a:effectLst/>
+                          <a:latin typeface="+mn-lt"/>
+                          <a:ea typeface="+mn-ea"/>
+                          <a:cs typeface="+mn-cs"/>
+                        </a:rPr>
+                        <a:t>Mostrar</a:t>
+                      </a:r>
+                      <a:r>
+                        <a:rPr lang="es-MX" sz="1350" b="0" i="0" kern="1200" dirty="0" smtClean="0">
+                          <a:solidFill>
+                            <a:schemeClr val="dk1"/>
+                          </a:solidFill>
+                          <a:effectLst/>
+                          <a:latin typeface="+mn-lt"/>
+                          <a:ea typeface="+mn-ea"/>
+                          <a:cs typeface="+mn-cs"/>
+                        </a:rPr>
+                        <a:t> el camino del directorio de trabajo</a:t>
+                      </a:r>
+                      <a:endParaRPr lang="es-MX" dirty="0"/>
+                    </a:p>
+                  </a:txBody>
+                  <a:tcPr/>
+                </a:tc>
+                <a:tc>
+                  <a:txBody>
+                    <a:bodyPr/>
+                    <a:lstStyle/>
+                    <a:p>
+                      <a:r>
+                        <a:rPr lang="es-MX" dirty="0" err="1" smtClean="0"/>
+                        <a:t>poweroff</a:t>
+                      </a:r>
+                      <a:endParaRPr lang="es-MX" dirty="0"/>
+                    </a:p>
+                  </a:txBody>
+                  <a:tcPr/>
+                </a:tc>
+                <a:tc>
+                  <a:txBody>
+                    <a:bodyPr/>
+                    <a:lstStyle/>
+                    <a:p>
+                      <a:r>
+                        <a:rPr lang="es-MX" dirty="0" smtClean="0"/>
+                        <a:t>apagar</a:t>
+                      </a:r>
+                      <a:endParaRPr lang="es-MX" dirty="0"/>
+                    </a:p>
+                  </a:txBody>
+                  <a:tcPr/>
+                </a:tc>
+                <a:extLst>
+                  <a:ext uri="{0D108BD9-81ED-4DB2-BD59-A6C34878D82A}">
+                    <a16:rowId xmlns:a16="http://schemas.microsoft.com/office/drawing/2014/main" val="1985569599"/>
+                  </a:ext>
+                </a:extLst>
+              </a:tr>
+              <a:tr h="370840">
+                <a:tc>
+                  <a:txBody>
+                    <a:bodyPr/>
+                    <a:lstStyle/>
+                    <a:p>
+                      <a:r>
+                        <a:rPr lang="es-MX" dirty="0" smtClean="0"/>
+                        <a:t>“</a:t>
+                      </a:r>
+                      <a:r>
+                        <a:rPr lang="es-MX" dirty="0" err="1" smtClean="0"/>
+                        <a:t>ls</a:t>
+                      </a:r>
+                      <a:r>
+                        <a:rPr lang="es-MX" dirty="0" smtClean="0"/>
+                        <a:t>”</a:t>
+                      </a:r>
+                      <a:r>
+                        <a:rPr lang="es-MX" baseline="0" dirty="0" smtClean="0"/>
+                        <a:t> o “</a:t>
+                      </a:r>
+                      <a:r>
+                        <a:rPr lang="es-MX" dirty="0" smtClean="0"/>
+                        <a:t>ll” </a:t>
+                      </a:r>
+                      <a:r>
+                        <a:rPr lang="es-MX" baseline="0" dirty="0" smtClean="0"/>
+                        <a:t> </a:t>
+                      </a:r>
+                      <a:endParaRPr lang="es-MX" dirty="0"/>
+                    </a:p>
+                  </a:txBody>
+                  <a:tcPr/>
+                </a:tc>
+                <a:tc>
+                  <a:txBody>
+                    <a:bodyPr/>
+                    <a:lstStyle/>
+                    <a:p>
+                      <a:r>
+                        <a:rPr lang="es-MX" dirty="0" smtClean="0"/>
+                        <a:t>Mostrar contenido</a:t>
+                      </a:r>
+                      <a:r>
+                        <a:rPr lang="es-MX" baseline="0" dirty="0" smtClean="0"/>
+                        <a:t> del </a:t>
+                      </a:r>
+                      <a:r>
+                        <a:rPr lang="es-MX" baseline="0" dirty="0" err="1" smtClean="0"/>
+                        <a:t>dir.</a:t>
+                      </a:r>
+                      <a:r>
+                        <a:rPr lang="es-MX" baseline="0" dirty="0" smtClean="0"/>
+                        <a:t> </a:t>
+                      </a:r>
+                      <a:r>
+                        <a:rPr lang="es-MX" baseline="0" dirty="0" err="1" smtClean="0"/>
+                        <a:t>Actúal</a:t>
+                      </a:r>
+                      <a:endParaRPr lang="es-MX" dirty="0"/>
+                    </a:p>
+                  </a:txBody>
+                  <a:tcPr/>
+                </a:tc>
+                <a:tc>
+                  <a:txBody>
+                    <a:bodyPr/>
+                    <a:lstStyle/>
+                    <a:p>
+                      <a:r>
+                        <a:rPr lang="es-MX" dirty="0" smtClean="0"/>
+                        <a:t>sudo</a:t>
+                      </a:r>
+                      <a:endParaRPr lang="es-MX" dirty="0"/>
+                    </a:p>
+                  </a:txBody>
+                  <a:tcPr/>
+                </a:tc>
+                <a:tc>
+                  <a:txBody>
+                    <a:bodyPr/>
+                    <a:lstStyle/>
+                    <a:p>
+                      <a:r>
+                        <a:rPr lang="es-MX" dirty="0" smtClean="0"/>
+                        <a:t>Aplicar</a:t>
+                      </a:r>
+                      <a:r>
+                        <a:rPr lang="es-MX" baseline="0" dirty="0" smtClean="0"/>
+                        <a:t> permisos de </a:t>
+                      </a:r>
+                      <a:r>
+                        <a:rPr lang="es-MX" baseline="0" dirty="0" err="1" smtClean="0"/>
+                        <a:t>superusuario</a:t>
+                      </a:r>
+                      <a:r>
+                        <a:rPr lang="es-MX" baseline="0" dirty="0" smtClean="0"/>
+                        <a:t>/administrador</a:t>
+                      </a:r>
+                      <a:endParaRPr lang="es-MX" dirty="0"/>
+                    </a:p>
+                  </a:txBody>
+                  <a:tcPr/>
+                </a:tc>
+                <a:extLst>
+                  <a:ext uri="{0D108BD9-81ED-4DB2-BD59-A6C34878D82A}">
+                    <a16:rowId xmlns:a16="http://schemas.microsoft.com/office/drawing/2014/main" val="2973179362"/>
+                  </a:ext>
+                </a:extLst>
+              </a:tr>
+              <a:tr h="370840">
+                <a:tc>
+                  <a:txBody>
+                    <a:bodyPr/>
+                    <a:lstStyle/>
+                    <a:p>
+                      <a:r>
+                        <a:rPr lang="es-MX" sz="1350" b="1" i="0" kern="1200" dirty="0" err="1" smtClean="0">
+                          <a:solidFill>
+                            <a:schemeClr val="dk1"/>
+                          </a:solidFill>
+                          <a:effectLst/>
+                          <a:latin typeface="+mn-lt"/>
+                          <a:ea typeface="+mn-ea"/>
+                          <a:cs typeface="+mn-cs"/>
+                        </a:rPr>
+                        <a:t>tree</a:t>
+                      </a:r>
+                      <a:endParaRPr lang="es-MX" dirty="0"/>
+                    </a:p>
+                  </a:txBody>
+                  <a:tcPr/>
+                </a:tc>
+                <a:tc>
+                  <a:txBody>
+                    <a:bodyPr/>
+                    <a:lstStyle/>
+                    <a:p>
+                      <a:r>
+                        <a:rPr lang="es-MX" dirty="0" smtClean="0"/>
+                        <a:t>Ver el</a:t>
+                      </a:r>
+                      <a:r>
+                        <a:rPr lang="es-MX" baseline="0" dirty="0" smtClean="0"/>
+                        <a:t> contenido de los directorios en árbol</a:t>
+                      </a:r>
+                      <a:endParaRPr lang="es-MX" dirty="0"/>
+                    </a:p>
+                  </a:txBody>
+                  <a:tcPr/>
+                </a:tc>
+                <a:tc>
+                  <a:txBody>
+                    <a:bodyPr/>
+                    <a:lstStyle/>
+                    <a:p>
+                      <a:r>
+                        <a:rPr lang="es-MX" sz="1350" b="1" i="0" kern="1200" dirty="0" err="1" smtClean="0">
+                          <a:solidFill>
+                            <a:schemeClr val="dk1"/>
+                          </a:solidFill>
+                          <a:effectLst/>
+                          <a:latin typeface="+mn-lt"/>
+                          <a:ea typeface="+mn-ea"/>
+                          <a:cs typeface="+mn-cs"/>
+                        </a:rPr>
+                        <a:t>cat</a:t>
+                      </a:r>
+                      <a:r>
+                        <a:rPr lang="es-MX" sz="1350" b="1" i="0" kern="1200" dirty="0" smtClean="0">
+                          <a:solidFill>
+                            <a:schemeClr val="dk1"/>
+                          </a:solidFill>
+                          <a:effectLst/>
+                          <a:latin typeface="+mn-lt"/>
+                          <a:ea typeface="+mn-ea"/>
+                          <a:cs typeface="+mn-cs"/>
+                        </a:rPr>
+                        <a:t> </a:t>
+                      </a:r>
+                      <a:endParaRPr lang="es-MX" dirty="0"/>
+                    </a:p>
+                  </a:txBody>
+                  <a:tcPr/>
+                </a:tc>
+                <a:tc>
+                  <a:txBody>
+                    <a:bodyPr/>
+                    <a:lstStyle/>
+                    <a:p>
+                      <a:r>
+                        <a:rPr lang="es-MX" dirty="0" smtClean="0"/>
+                        <a:t>Mostrar</a:t>
+                      </a:r>
+                      <a:r>
+                        <a:rPr lang="es-MX" baseline="0" dirty="0" smtClean="0"/>
+                        <a:t> contenido de un directorio</a:t>
+                      </a:r>
+                      <a:endParaRPr lang="es-MX" dirty="0"/>
+                    </a:p>
+                  </a:txBody>
+                  <a:tcPr/>
+                </a:tc>
+                <a:extLst>
+                  <a:ext uri="{0D108BD9-81ED-4DB2-BD59-A6C34878D82A}">
+                    <a16:rowId xmlns:a16="http://schemas.microsoft.com/office/drawing/2014/main" val="3691660900"/>
+                  </a:ext>
+                </a:extLst>
+              </a:tr>
+              <a:tr h="370840">
+                <a:tc>
+                  <a:txBody>
+                    <a:bodyPr/>
+                    <a:lstStyle/>
+                    <a:p>
+                      <a:r>
+                        <a:rPr lang="es-MX" sz="1350" b="1" i="0" kern="1200" dirty="0" err="1" smtClean="0">
+                          <a:solidFill>
+                            <a:schemeClr val="dk1"/>
+                          </a:solidFill>
+                          <a:effectLst/>
+                          <a:latin typeface="+mn-lt"/>
+                          <a:ea typeface="+mn-ea"/>
+                          <a:cs typeface="+mn-cs"/>
+                        </a:rPr>
+                        <a:t>rm</a:t>
+                      </a:r>
+                      <a:endParaRPr lang="es-MX" dirty="0"/>
+                    </a:p>
+                  </a:txBody>
+                  <a:tcPr/>
+                </a:tc>
+                <a:tc>
+                  <a:txBody>
+                    <a:bodyPr/>
+                    <a:lstStyle/>
+                    <a:p>
+                      <a:r>
+                        <a:rPr lang="es-MX" dirty="0" smtClean="0"/>
+                        <a:t>Borrar un archivo</a:t>
+                      </a:r>
+                      <a:endParaRPr lang="es-MX" dirty="0"/>
+                    </a:p>
+                  </a:txBody>
+                  <a:tcPr/>
+                </a:tc>
+                <a:tc>
+                  <a:txBody>
+                    <a:bodyPr/>
+                    <a:lstStyle/>
+                    <a:p>
+                      <a:r>
+                        <a:rPr lang="es-MX" sz="1350" b="1" i="0" kern="1200" dirty="0" smtClean="0">
+                          <a:solidFill>
+                            <a:schemeClr val="dk1"/>
+                          </a:solidFill>
+                          <a:effectLst/>
+                          <a:latin typeface="+mn-lt"/>
+                          <a:ea typeface="+mn-ea"/>
+                          <a:cs typeface="+mn-cs"/>
+                        </a:rPr>
+                        <a:t>date</a:t>
+                      </a:r>
+                      <a:endParaRPr lang="es-MX" dirty="0"/>
+                    </a:p>
+                  </a:txBody>
+                  <a:tcPr/>
+                </a:tc>
+                <a:tc>
+                  <a:txBody>
+                    <a:bodyPr/>
+                    <a:lstStyle/>
+                    <a:p>
+                      <a:r>
+                        <a:rPr lang="es-MX" dirty="0" smtClean="0"/>
+                        <a:t>Hora del</a:t>
+                      </a:r>
+                      <a:r>
+                        <a:rPr lang="es-MX" baseline="0" dirty="0" smtClean="0"/>
+                        <a:t> sistema</a:t>
+                      </a:r>
+                      <a:endParaRPr lang="es-MX" dirty="0"/>
+                    </a:p>
+                  </a:txBody>
+                  <a:tcPr/>
+                </a:tc>
+                <a:extLst>
+                  <a:ext uri="{0D108BD9-81ED-4DB2-BD59-A6C34878D82A}">
+                    <a16:rowId xmlns:a16="http://schemas.microsoft.com/office/drawing/2014/main" val="929414764"/>
+                  </a:ext>
+                </a:extLst>
+              </a:tr>
+              <a:tr h="370840">
+                <a:tc>
+                  <a:txBody>
+                    <a:bodyPr/>
+                    <a:lstStyle/>
+                    <a:p>
+                      <a:r>
+                        <a:rPr lang="es-MX" dirty="0" err="1" smtClean="0"/>
+                        <a:t>rm</a:t>
+                      </a:r>
+                      <a:r>
+                        <a:rPr lang="es-MX" dirty="0" smtClean="0"/>
+                        <a:t> -r</a:t>
+                      </a:r>
+                      <a:endParaRPr lang="es-MX" dirty="0"/>
+                    </a:p>
+                  </a:txBody>
+                  <a:tcPr/>
+                </a:tc>
+                <a:tc>
+                  <a:txBody>
+                    <a:bodyPr/>
+                    <a:lstStyle/>
+                    <a:p>
+                      <a:r>
+                        <a:rPr lang="es-MX" dirty="0" smtClean="0"/>
+                        <a:t>Borrar un directorio</a:t>
+                      </a:r>
+                      <a:r>
+                        <a:rPr lang="es-MX" baseline="0" dirty="0" smtClean="0"/>
+                        <a:t> (recursivo)</a:t>
+                      </a:r>
+                      <a:endParaRPr lang="es-MX" dirty="0"/>
+                    </a:p>
+                  </a:txBody>
+                  <a:tcPr/>
+                </a:tc>
+                <a:tc>
+                  <a:txBody>
+                    <a:bodyPr/>
+                    <a:lstStyle/>
+                    <a:p>
+                      <a:r>
+                        <a:rPr lang="es-MX" dirty="0" smtClean="0"/>
+                        <a:t>top</a:t>
+                      </a:r>
+                      <a:endParaRPr lang="es-MX" dirty="0"/>
+                    </a:p>
+                  </a:txBody>
+                  <a:tcPr/>
+                </a:tc>
+                <a:tc>
+                  <a:txBody>
+                    <a:bodyPr/>
+                    <a:lstStyle/>
+                    <a:p>
+                      <a:r>
+                        <a:rPr lang="es-MX" dirty="0" smtClean="0"/>
+                        <a:t>Procesos en ejecución</a:t>
+                      </a:r>
+                      <a:endParaRPr lang="es-MX" dirty="0"/>
+                    </a:p>
+                  </a:txBody>
+                  <a:tcPr/>
+                </a:tc>
+                <a:extLst>
+                  <a:ext uri="{0D108BD9-81ED-4DB2-BD59-A6C34878D82A}">
+                    <a16:rowId xmlns:a16="http://schemas.microsoft.com/office/drawing/2014/main" val="3755514567"/>
+                  </a:ext>
+                </a:extLst>
+              </a:tr>
+              <a:tr h="370840">
+                <a:tc>
+                  <a:txBody>
+                    <a:bodyPr/>
+                    <a:lstStyle/>
+                    <a:p>
+                      <a:r>
+                        <a:rPr lang="es-MX" dirty="0" err="1" smtClean="0"/>
+                        <a:t>mkdir</a:t>
+                      </a:r>
+                      <a:r>
+                        <a:rPr lang="es-MX" dirty="0" smtClean="0"/>
+                        <a:t> </a:t>
+                      </a:r>
+                      <a:endParaRPr lang="es-MX" dirty="0"/>
+                    </a:p>
+                  </a:txBody>
+                  <a:tcPr/>
+                </a:tc>
+                <a:tc>
+                  <a:txBody>
+                    <a:bodyPr/>
+                    <a:lstStyle/>
+                    <a:p>
+                      <a:r>
+                        <a:rPr lang="es-MX" dirty="0" smtClean="0"/>
+                        <a:t>Crear un</a:t>
+                      </a:r>
+                      <a:r>
+                        <a:rPr lang="es-MX" baseline="0" dirty="0" smtClean="0"/>
+                        <a:t> directorio</a:t>
+                      </a:r>
+                      <a:endParaRPr lang="es-MX" dirty="0"/>
+                    </a:p>
+                  </a:txBody>
+                  <a:tcPr/>
+                </a:tc>
+                <a:tc>
+                  <a:txBody>
+                    <a:bodyPr/>
+                    <a:lstStyle/>
+                    <a:p>
+                      <a:r>
+                        <a:rPr lang="es-MX" dirty="0" err="1" smtClean="0"/>
+                        <a:t>kill</a:t>
+                      </a:r>
+                      <a:endParaRPr lang="es-MX" dirty="0"/>
+                    </a:p>
+                  </a:txBody>
+                  <a:tcPr/>
+                </a:tc>
+                <a:tc>
+                  <a:txBody>
+                    <a:bodyPr/>
+                    <a:lstStyle/>
+                    <a:p>
+                      <a:r>
+                        <a:rPr lang="es-MX" dirty="0" smtClean="0"/>
+                        <a:t>Matar procesos</a:t>
+                      </a:r>
+                      <a:endParaRPr lang="es-MX" dirty="0"/>
+                    </a:p>
+                  </a:txBody>
+                  <a:tcPr/>
+                </a:tc>
+                <a:extLst>
+                  <a:ext uri="{0D108BD9-81ED-4DB2-BD59-A6C34878D82A}">
+                    <a16:rowId xmlns:a16="http://schemas.microsoft.com/office/drawing/2014/main" val="2068012520"/>
+                  </a:ext>
+                </a:extLst>
+              </a:tr>
+              <a:tr h="370840">
+                <a:tc>
+                  <a:txBody>
+                    <a:bodyPr/>
+                    <a:lstStyle/>
+                    <a:p>
+                      <a:r>
+                        <a:rPr lang="es-MX" sz="1350" b="1" i="0" kern="1200" dirty="0" err="1" smtClean="0">
+                          <a:solidFill>
+                            <a:schemeClr val="dk1"/>
+                          </a:solidFill>
+                          <a:effectLst/>
+                          <a:latin typeface="+mn-lt"/>
+                          <a:ea typeface="+mn-ea"/>
+                          <a:cs typeface="+mn-cs"/>
+                        </a:rPr>
+                        <a:t>cp</a:t>
+                      </a:r>
+                      <a:r>
+                        <a:rPr lang="es-MX" sz="1350" b="1" i="0" kern="1200" dirty="0" smtClean="0">
+                          <a:solidFill>
+                            <a:schemeClr val="dk1"/>
+                          </a:solidFill>
+                          <a:effectLst/>
+                          <a:latin typeface="+mn-lt"/>
+                          <a:ea typeface="+mn-ea"/>
+                          <a:cs typeface="+mn-cs"/>
+                        </a:rPr>
+                        <a:t> </a:t>
+                      </a:r>
+                      <a:endParaRPr lang="es-MX" dirty="0"/>
+                    </a:p>
+                  </a:txBody>
+                  <a:tcPr/>
+                </a:tc>
+                <a:tc>
+                  <a:txBody>
+                    <a:bodyPr/>
+                    <a:lstStyle/>
+                    <a:p>
+                      <a:r>
+                        <a:rPr lang="es-MX" dirty="0" smtClean="0"/>
+                        <a:t>Copiar un archivo o directorio</a:t>
+                      </a:r>
+                      <a:endParaRPr lang="es-MX" dirty="0"/>
+                    </a:p>
+                  </a:txBody>
+                  <a:tcPr/>
+                </a:tc>
+                <a:tc>
+                  <a:txBody>
+                    <a:bodyPr/>
+                    <a:lstStyle/>
+                    <a:p>
+                      <a:r>
+                        <a:rPr lang="es-MX" dirty="0" smtClean="0"/>
+                        <a:t>nano</a:t>
+                      </a:r>
+                      <a:endParaRPr lang="es-MX" dirty="0"/>
+                    </a:p>
+                  </a:txBody>
+                  <a:tcPr/>
+                </a:tc>
+                <a:tc>
+                  <a:txBody>
+                    <a:bodyPr/>
+                    <a:lstStyle/>
+                    <a:p>
+                      <a:r>
+                        <a:rPr lang="es-MX" dirty="0" smtClean="0"/>
+                        <a:t>Editar archivos</a:t>
+                      </a:r>
+                      <a:r>
+                        <a:rPr lang="es-MX" baseline="0" dirty="0" smtClean="0"/>
+                        <a:t> de texto</a:t>
+                      </a:r>
+                      <a:endParaRPr lang="es-MX" dirty="0"/>
+                    </a:p>
+                  </a:txBody>
+                  <a:tcPr/>
+                </a:tc>
+                <a:extLst>
+                  <a:ext uri="{0D108BD9-81ED-4DB2-BD59-A6C34878D82A}">
+                    <a16:rowId xmlns:a16="http://schemas.microsoft.com/office/drawing/2014/main" val="143727002"/>
+                  </a:ext>
+                </a:extLst>
+              </a:tr>
+              <a:tr h="370840">
+                <a:tc>
+                  <a:txBody>
+                    <a:bodyPr/>
+                    <a:lstStyle/>
+                    <a:p>
+                      <a:r>
+                        <a:rPr lang="es-MX" sz="1350" b="1" i="0" kern="1200" dirty="0" err="1" smtClean="0">
+                          <a:solidFill>
+                            <a:schemeClr val="dk1"/>
+                          </a:solidFill>
+                          <a:effectLst/>
+                          <a:latin typeface="+mn-lt"/>
+                          <a:ea typeface="+mn-ea"/>
+                          <a:cs typeface="+mn-cs"/>
+                        </a:rPr>
+                        <a:t>touch</a:t>
+                      </a:r>
+                      <a:r>
+                        <a:rPr lang="es-MX" sz="1350" b="1" i="0" kern="1200" dirty="0" smtClean="0">
+                          <a:solidFill>
+                            <a:schemeClr val="dk1"/>
+                          </a:solidFill>
+                          <a:effectLst/>
+                          <a:latin typeface="+mn-lt"/>
+                          <a:ea typeface="+mn-ea"/>
+                          <a:cs typeface="+mn-cs"/>
+                        </a:rPr>
+                        <a:t> </a:t>
+                      </a:r>
+                      <a:endParaRPr lang="es-MX" dirty="0"/>
+                    </a:p>
+                  </a:txBody>
+                  <a:tcPr/>
+                </a:tc>
+                <a:tc>
+                  <a:txBody>
+                    <a:bodyPr/>
+                    <a:lstStyle/>
+                    <a:p>
+                      <a:r>
+                        <a:rPr lang="es-MX" dirty="0" smtClean="0"/>
+                        <a:t>Crear</a:t>
+                      </a:r>
+                      <a:r>
+                        <a:rPr lang="es-MX" baseline="0" dirty="0" smtClean="0"/>
+                        <a:t> un archivo</a:t>
+                      </a:r>
+                      <a:endParaRPr lang="es-MX" dirty="0"/>
+                    </a:p>
+                  </a:txBody>
+                  <a:tcPr/>
+                </a:tc>
+                <a:tc>
+                  <a:txBody>
+                    <a:bodyPr/>
+                    <a:lstStyle/>
+                    <a:p>
+                      <a:r>
+                        <a:rPr lang="es-MX" dirty="0" err="1" smtClean="0"/>
+                        <a:t>apt-get</a:t>
+                      </a:r>
+                      <a:endParaRPr lang="es-MX" dirty="0"/>
+                    </a:p>
+                  </a:txBody>
+                  <a:tcPr/>
+                </a:tc>
+                <a:tc>
+                  <a:txBody>
+                    <a:bodyPr/>
+                    <a:lstStyle/>
+                    <a:p>
+                      <a:r>
+                        <a:rPr lang="es-MX" dirty="0" smtClean="0"/>
+                        <a:t>Instalar o desinstalar paquetes</a:t>
+                      </a:r>
+                      <a:endParaRPr lang="es-MX" dirty="0"/>
+                    </a:p>
+                  </a:txBody>
+                  <a:tcPr/>
+                </a:tc>
+                <a:extLst>
+                  <a:ext uri="{0D108BD9-81ED-4DB2-BD59-A6C34878D82A}">
+                    <a16:rowId xmlns:a16="http://schemas.microsoft.com/office/drawing/2014/main" val="3344459158"/>
+                  </a:ext>
+                </a:extLst>
+              </a:tr>
+            </a:tbl>
+          </a:graphicData>
+        </a:graphic>
+      </p:graphicFrame>
+    </p:spTree>
+    <p:extLst>
+      <p:ext uri="{BB962C8B-B14F-4D97-AF65-F5344CB8AC3E}">
+        <p14:creationId xmlns:p14="http://schemas.microsoft.com/office/powerpoint/2010/main" val="582183905"/>
+      </p:ext>
+    </p:extLst>
+  </p:cSld>
+  <p:clrMapOvr>
+    <a:masterClrMapping/>
+  </p:clrMapOvr>
+  <p:timing>
+    <p:tnLst>
+      <p:par>
+        <p:cTn id="1" dur="indefinite" restart="never" nodeType="tmRoot"/>
+      </p:par>
+    </p:tnLst>
+  </p:timing>
+</p:sld>
+</file>
+
+<file path=ppt/slides/slide6.xml><?xml version="1.0" encoding="utf-8"?>
+<p:sld xmlns:a="http://schemas.openxmlformats.org/drawingml/2006/main" xmlns:r="http://schemas.openxmlformats.org/officeDocument/2006/relationships" xmlns:p="http://schemas.openxmlformats.org/presentationml/2006/main">
+  <p:cSld>
+    <p:spTree>
+      <p:nvGrpSpPr>
+        <p:cNvPr id="1" name=""/>
+        <p:cNvGrpSpPr/>
+        <p:nvPr/>
+      </p:nvGrpSpPr>
+      <p:grpSpPr>
+        <a:xfrm>
+          <a:off x="0" y="0"/>
+          <a:ext cx="0" cy="0"/>
+          <a:chOff x="0" y="0"/>
+          <a:chExt cx="0" cy="0"/>
+        </a:xfrm>
+      </p:grpSpPr>
       <p:sp>
         <p:nvSpPr>
-          <p:cNvPr id="3" name="Marcador de contenido 2"/>
+          <p:cNvPr id="2" name="Título 1"/>
           <p:cNvSpPr>
             <a:spLocks noGrp="1"/>
           </p:cNvSpPr>
           <p:nvPr>
+            <p:ph type="title"/>
+          </p:nvPr>
+        </p:nvSpPr>
+        <p:spPr>
+          <a:xfrm>
+            <a:off x="582605" y="77056"/>
+            <a:ext cx="7765321" cy="765425"/>
+          </a:xfrm>
+        </p:spPr>
+        <p:txBody>
+          <a:bodyPr/>
+          <a:lstStyle/>
+          <a:p>
+            <a:r>
+              <a:rPr lang="es-MX" dirty="0" smtClean="0"/>
+              <a:t>Ejercicio</a:t>
+            </a:r>
+            <a:endParaRPr lang="es-MX" dirty="0"/>
+          </a:p>
+        </p:txBody>
+      </p:sp>
+      <p:graphicFrame>
+        <p:nvGraphicFramePr>
+          <p:cNvPr id="6" name="Marcador de contenido 5"/>
+          <p:cNvGraphicFramePr>
+            <a:graphicFrameLocks noGrp="1"/>
+          </p:cNvGraphicFramePr>
+          <p:nvPr>
             <p:ph idx="1"/>
+            <p:extLst>
+              <p:ext uri="{D42A27DB-BD31-4B8C-83A1-F6EECF244321}">
+                <p14:modId xmlns:p14="http://schemas.microsoft.com/office/powerpoint/2010/main" val="3721555959"/>
+              </p:ext>
+            </p:extLst>
+          </p:nvPr>
+        </p:nvGraphicFramePr>
+        <p:xfrm>
+          <a:off x="853899" y="934627"/>
+          <a:ext cx="7222732" cy="3760663"/>
+        </p:xfrm>
+        <a:graphic>
+          <a:graphicData uri="http://schemas.openxmlformats.org/drawingml/2006/diagram">
+            <dgm:relIds xmlns:dgm="http://schemas.openxmlformats.org/drawingml/2006/diagram" xmlns:r="http://schemas.openxmlformats.org/officeDocument/2006/relationships" r:dm="rId2" r:lo="rId3" r:qs="rId4" r:cs="rId5"/>
+          </a:graphicData>
+        </a:graphic>
+      </p:graphicFrame>
+    </p:spTree>
+    <p:extLst>
+      <p:ext uri="{BB962C8B-B14F-4D97-AF65-F5344CB8AC3E}">
+        <p14:creationId xmlns:p14="http://schemas.microsoft.com/office/powerpoint/2010/main" val="1618812708"/>
+      </p:ext>
+    </p:extLst>
+  </p:cSld>
+  <p:clrMapOvr>
+    <a:masterClrMapping/>
+  </p:clrMapOvr>
+  <p:timing>
+    <p:tnLst>
+      <p:par>
+        <p:cTn id="1" dur="indefinite" restart="never" nodeType="tmRoot"/>
+      </p:par>
+    </p:tnLst>
+  </p:timing>
+</p:sld>
+</file>
+
+<file path=ppt/slides/slide7.xml><?xml version="1.0" encoding="utf-8"?>
+<p:sld xmlns:a="http://schemas.openxmlformats.org/drawingml/2006/main" xmlns:r="http://schemas.openxmlformats.org/officeDocument/2006/relationships" xmlns:p="http://schemas.openxmlformats.org/presentationml/2006/main">
+  <p:cSld>
+    <p:spTree>
+      <p:nvGrpSpPr>
+        <p:cNvPr id="1" name=""/>
+        <p:cNvGrpSpPr/>
+        <p:nvPr/>
+      </p:nvGrpSpPr>
+      <p:grpSpPr>
+        <a:xfrm>
+          <a:off x="0" y="0"/>
+          <a:ext cx="0" cy="0"/>
+          <a:chOff x="0" y="0"/>
+          <a:chExt cx="0" cy="0"/>
+        </a:xfrm>
+      </p:grpSpPr>
+      <p:sp>
+        <p:nvSpPr>
+          <p:cNvPr id="2" name="Título 1"/>
+          <p:cNvSpPr>
+            <a:spLocks noGrp="1"/>
+          </p:cNvSpPr>
+          <p:nvPr>
+            <p:ph type="title"/>
           </p:nvPr>
         </p:nvSpPr>
         <p:spPr/>
@@ -8724,10 +13990,51 @@
           </a:p>
         </p:txBody>
       </p:sp>
+      <p:pic>
+        <p:nvPicPr>
+          <p:cNvPr id="1026" name="Picture 2" descr="Comandos de Linux: la lista fundamental - IONOS"/>
+          <p:cNvPicPr>
+            <a:picLocks noGrp="1" noChangeAspect="1" noChangeArrowheads="1"/>
+          </p:cNvPicPr>
+          <p:nvPr>
+            <p:ph idx="1"/>
+          </p:nvPr>
+        </p:nvPicPr>
+        <p:blipFill rotWithShape="1">
+          <a:blip r:embed="rId2">
+            <a:extLst>
+              <a:ext uri="{28A0092B-C50C-407E-A947-70E740481C1C}">
+                <a14:useLocalDpi xmlns:a14="http://schemas.microsoft.com/office/drawing/2010/main" val="0"/>
+              </a:ext>
+            </a:extLst>
+          </a:blip>
+          <a:srcRect l="12568" t="15545" r="11446" b="21543"/>
+          <a:stretch/>
+        </p:blipFill>
+        <p:spPr bwMode="auto">
+          <a:xfrm>
+            <a:off x="468212" y="832206"/>
+            <a:ext cx="8364125" cy="3472665"/>
+          </a:xfrm>
+          <a:prstGeom prst="rect">
+            <a:avLst/>
+          </a:prstGeom>
+          <a:noFill/>
+          <a:extLst>
+            <a:ext uri="{909E8E84-426E-40DD-AFC4-6F175D3DCCD1}">
+              <a14:hiddenFill xmlns:a14="http://schemas.microsoft.com/office/drawing/2010/main">
+                <a:solidFill>
+                  <a:srgbClr val="FFFFFF"/>
+                </a:solidFill>
+              </a14:hiddenFill>
+            </a:ext>
+          </a:extLst>
+        </p:spPr>
+      </p:pic>
     </p:spTree>
     <p:extLst>
       <p:ext uri="{BB962C8B-B14F-4D97-AF65-F5344CB8AC3E}">
-        <p14:creationId xmlns:p14="http://schemas.microsoft.com/office/powerpoint/2010/main" val="582183905"/>
+        <p14:creationId xmlns:p14="http://schemas.microsoft.com/office/powerpoint/2010/main" val="3694757605"/>
       </p:ext>
     </p:extLst>
   </p:cSld>
